--- a/MemoryCompiler_tutorial.pptx
+++ b/MemoryCompiler_tutorial.pptx
@@ -3,43 +3,45 @@
 <p:presentation xmlns:a="http://schemas.openxmlformats.org/drawingml/2006/main" xmlns:r="http://schemas.openxmlformats.org/officeDocument/2006/relationships" xmlns:p="http://schemas.openxmlformats.org/presentationml/2006/main" saveSubsetFonts="1">
   <p:sldMasterIdLst>
     <p:sldMasterId id="2147483660" r:id="rId1"/>
+    <p:sldMasterId id="2147483672" r:id="rId2"/>
   </p:sldMasterIdLst>
   <p:notesMasterIdLst>
-    <p:notesMasterId r:id="rId34"/>
+    <p:notesMasterId r:id="rId36"/>
   </p:notesMasterIdLst>
   <p:sldIdLst>
-    <p:sldId id="256" r:id="rId2"/>
-    <p:sldId id="284" r:id="rId3"/>
-    <p:sldId id="287" r:id="rId4"/>
-    <p:sldId id="320" r:id="rId5"/>
-    <p:sldId id="321" r:id="rId6"/>
-    <p:sldId id="322" r:id="rId7"/>
-    <p:sldId id="323" r:id="rId8"/>
-    <p:sldId id="324" r:id="rId9"/>
-    <p:sldId id="325" r:id="rId10"/>
-    <p:sldId id="326" r:id="rId11"/>
-    <p:sldId id="327" r:id="rId12"/>
-    <p:sldId id="328" r:id="rId13"/>
-    <p:sldId id="329" r:id="rId14"/>
-    <p:sldId id="330" r:id="rId15"/>
-    <p:sldId id="331" r:id="rId16"/>
-    <p:sldId id="332" r:id="rId17"/>
-    <p:sldId id="333" r:id="rId18"/>
-    <p:sldId id="334" r:id="rId19"/>
-    <p:sldId id="338" r:id="rId20"/>
-    <p:sldId id="337" r:id="rId21"/>
-    <p:sldId id="339" r:id="rId22"/>
-    <p:sldId id="335" r:id="rId23"/>
-    <p:sldId id="336" r:id="rId24"/>
-    <p:sldId id="340" r:id="rId25"/>
-    <p:sldId id="341" r:id="rId26"/>
-    <p:sldId id="342" r:id="rId27"/>
-    <p:sldId id="343" r:id="rId28"/>
-    <p:sldId id="344" r:id="rId29"/>
-    <p:sldId id="346" r:id="rId30"/>
-    <p:sldId id="345" r:id="rId31"/>
-    <p:sldId id="347" r:id="rId32"/>
-    <p:sldId id="348" r:id="rId33"/>
+    <p:sldId id="256" r:id="rId3"/>
+    <p:sldId id="284" r:id="rId4"/>
+    <p:sldId id="287" r:id="rId5"/>
+    <p:sldId id="320" r:id="rId6"/>
+    <p:sldId id="321" r:id="rId7"/>
+    <p:sldId id="322" r:id="rId8"/>
+    <p:sldId id="323" r:id="rId9"/>
+    <p:sldId id="324" r:id="rId10"/>
+    <p:sldId id="325" r:id="rId11"/>
+    <p:sldId id="326" r:id="rId12"/>
+    <p:sldId id="327" r:id="rId13"/>
+    <p:sldId id="328" r:id="rId14"/>
+    <p:sldId id="329" r:id="rId15"/>
+    <p:sldId id="330" r:id="rId16"/>
+    <p:sldId id="331" r:id="rId17"/>
+    <p:sldId id="332" r:id="rId18"/>
+    <p:sldId id="333" r:id="rId19"/>
+    <p:sldId id="334" r:id="rId20"/>
+    <p:sldId id="338" r:id="rId21"/>
+    <p:sldId id="337" r:id="rId22"/>
+    <p:sldId id="339" r:id="rId23"/>
+    <p:sldId id="335" r:id="rId24"/>
+    <p:sldId id="336" r:id="rId25"/>
+    <p:sldId id="349" r:id="rId26"/>
+    <p:sldId id="340" r:id="rId27"/>
+    <p:sldId id="341" r:id="rId28"/>
+    <p:sldId id="342" r:id="rId29"/>
+    <p:sldId id="343" r:id="rId30"/>
+    <p:sldId id="344" r:id="rId31"/>
+    <p:sldId id="346" r:id="rId32"/>
+    <p:sldId id="345" r:id="rId33"/>
+    <p:sldId id="347" r:id="rId34"/>
+    <p:sldId id="348" r:id="rId35"/>
   </p:sldIdLst>
   <p:sldSz cx="9144000" cy="6858000" type="screen4x3"/>
   <p:notesSz cx="6858000" cy="9144000"/>
@@ -228,7 +230,7 @@
           <a:p>
             <a:fld id="{B52FD4BC-5716-4DEF-9623-58FEC230F100}" type="datetimeFigureOut">
               <a:rPr lang="zh-TW" altLang="en-US" smtClean="0"/>
-              <a:t>2020/7/23</a:t>
+              <a:t>2021/7/18</a:t>
             </a:fld>
             <a:endParaRPr lang="zh-TW" altLang="en-US"/>
           </a:p>
@@ -628,7 +630,7 @@
           <a:p>
             <a:fld id="{09D0D25B-5CAC-4F39-965C-AB1B59D4D9B7}" type="datetime1">
               <a:rPr lang="zh-TW" altLang="en-US" smtClean="0"/>
-              <a:t>2020/7/23</a:t>
+              <a:t>2021/7/18</a:t>
             </a:fld>
             <a:endParaRPr lang="zh-TW" altLang="en-US"/>
           </a:p>
@@ -798,7 +800,7 @@
           <a:p>
             <a:fld id="{E7F4EB9E-AEEE-429B-8AF6-FA0696AA602B}" type="datetime1">
               <a:rPr lang="zh-TW" altLang="en-US" smtClean="0"/>
-              <a:t>2020/7/23</a:t>
+              <a:t>2021/7/18</a:t>
             </a:fld>
             <a:endParaRPr lang="zh-TW" altLang="en-US"/>
           </a:p>
@@ -978,7 +980,7 @@
           <a:p>
             <a:fld id="{D7DE3FB3-A5F6-4FB7-8918-BCF57A118E86}" type="datetime1">
               <a:rPr lang="zh-TW" altLang="en-US" smtClean="0"/>
-              <a:t>2020/7/23</a:t>
+              <a:t>2021/7/18</a:t>
             </a:fld>
             <a:endParaRPr lang="zh-TW" altLang="en-US"/>
           </a:p>
@@ -1036,6 +1038,1734 @@
   <p:clrMapOvr>
     <a:masterClrMapping/>
   </p:clrMapOvr>
+</p:sldLayout>
+</file>
+
+<file path=ppt/slideLayouts/slideLayout12.xml><?xml version="1.0" encoding="utf-8"?>
+<p:sldLayout xmlns:a="http://schemas.openxmlformats.org/drawingml/2006/main" xmlns:r="http://schemas.openxmlformats.org/officeDocument/2006/relationships" xmlns:p="http://schemas.openxmlformats.org/presentationml/2006/main" showMasterSp="0" type="title" preserve="1">
+  <p:cSld name="2_Titelfolie">
+    <p:bg>
+      <p:bgPr>
+        <a:blipFill dpi="0" rotWithShape="0">
+          <a:blip r:embed="rId2" cstate="print"/>
+          <a:srcRect/>
+          <a:stretch>
+            <a:fillRect/>
+          </a:stretch>
+        </a:blipFill>
+        <a:effectLst/>
+      </p:bgPr>
+    </p:bg>
+    <p:spTree>
+      <p:nvGrpSpPr>
+        <p:cNvPr id="1" name=""/>
+        <p:cNvGrpSpPr/>
+        <p:nvPr/>
+      </p:nvGrpSpPr>
+      <p:grpSpPr>
+        <a:xfrm>
+          <a:off x="0" y="0"/>
+          <a:ext cx="0" cy="0"/>
+          <a:chOff x="0" y="0"/>
+          <a:chExt cx="0" cy="0"/>
+        </a:xfrm>
+      </p:grpSpPr>
+      <p:sp>
+        <p:nvSpPr>
+          <p:cNvPr id="111631" name="Rectangle 7"/>
+          <p:cNvSpPr>
+            <a:spLocks noGrp="1" noChangeArrowheads="1"/>
+          </p:cNvSpPr>
+          <p:nvPr>
+            <p:ph type="ctrTitle"/>
+          </p:nvPr>
+        </p:nvSpPr>
+        <p:spPr>
+          <a:xfrm>
+            <a:off x="903288" y="3867150"/>
+            <a:ext cx="7485062" cy="1081088"/>
+          </a:xfrm>
+        </p:spPr>
+        <p:txBody>
+          <a:bodyPr anchor="b"/>
+          <a:lstStyle>
+            <a:lvl1pPr>
+              <a:lnSpc>
+                <a:spcPct val="110000"/>
+              </a:lnSpc>
+              <a:defRPr sz="3200">
+                <a:solidFill>
+                  <a:schemeClr val="tx1"/>
+                </a:solidFill>
+              </a:defRPr>
+            </a:lvl1pPr>
+          </a:lstStyle>
+          <a:p>
+            <a:r>
+              <a:rPr lang="zh-TW" altLang="en-US"/>
+              <a:t>按一下以編輯母片標題樣式</a:t>
+            </a:r>
+            <a:endParaRPr lang="de-DE" dirty="0"/>
+          </a:p>
+        </p:txBody>
+      </p:sp>
+      <p:sp>
+        <p:nvSpPr>
+          <p:cNvPr id="111632" name="Rectangle 12"/>
+          <p:cNvSpPr>
+            <a:spLocks noGrp="1" noChangeArrowheads="1"/>
+          </p:cNvSpPr>
+          <p:nvPr>
+            <p:ph type="subTitle" idx="1" hasCustomPrompt="1"/>
+          </p:nvPr>
+        </p:nvSpPr>
+        <p:spPr bwMode="gray">
+          <a:xfrm>
+            <a:off x="903288" y="4943474"/>
+            <a:ext cx="7510462" cy="1077813"/>
+          </a:xfrm>
+        </p:spPr>
+        <p:txBody>
+          <a:bodyPr tIns="45720" bIns="45720"/>
+          <a:lstStyle>
+            <a:lvl1pPr marL="0" indent="0">
+              <a:buFont typeface="Wingdings" pitchFamily="2" charset="2"/>
+              <a:buNone/>
+              <a:defRPr sz="2400"/>
+            </a:lvl1pPr>
+          </a:lstStyle>
+          <a:p>
+            <a:r>
+              <a:rPr lang="en-US" altLang="zh-TW" sz="1800" b="1" dirty="0">
+                <a:solidFill>
+                  <a:schemeClr val="tx1"/>
+                </a:solidFill>
+              </a:rPr>
+              <a:t>Speaker :  </a:t>
+            </a:r>
+          </a:p>
+          <a:p>
+            <a:r>
+              <a:rPr lang="en-US" altLang="zh-TW" sz="1800" b="1" dirty="0">
+                <a:solidFill>
+                  <a:schemeClr val="tx1"/>
+                </a:solidFill>
+              </a:rPr>
+              <a:t>Advisor :  Yi-Chang Lu</a:t>
+            </a:r>
+          </a:p>
+          <a:p>
+            <a:r>
+              <a:rPr lang="en-US" altLang="zh-TW" sz="1800" b="1" dirty="0"/>
+              <a:t>Date :   20XX.XX.XX</a:t>
+            </a:r>
+            <a:endParaRPr lang="de-DE" dirty="0"/>
+          </a:p>
+        </p:txBody>
+      </p:sp>
+      <p:sp>
+        <p:nvSpPr>
+          <p:cNvPr id="4" name="Rectangle 5"/>
+          <p:cNvSpPr>
+            <a:spLocks noGrp="1" noChangeArrowheads="1"/>
+          </p:cNvSpPr>
+          <p:nvPr>
+            <p:ph type="ftr" sz="quarter" idx="10"/>
+          </p:nvPr>
+        </p:nvSpPr>
+        <p:spPr>
+          <a:xfrm>
+            <a:off x="3124200" y="6245225"/>
+            <a:ext cx="2895600" cy="476250"/>
+          </a:xfrm>
+        </p:spPr>
+        <p:txBody>
+          <a:bodyPr/>
+          <a:lstStyle>
+            <a:lvl1pPr>
+              <a:defRPr>
+                <a:solidFill>
+                  <a:schemeClr val="tx1"/>
+                </a:solidFill>
+              </a:defRPr>
+            </a:lvl1pPr>
+          </a:lstStyle>
+          <a:p>
+            <a:endParaRPr lang="zh-TW" altLang="en-US"/>
+          </a:p>
+        </p:txBody>
+      </p:sp>
+      <p:sp>
+        <p:nvSpPr>
+          <p:cNvPr id="5" name="矩形 4"/>
+          <p:cNvSpPr/>
+          <p:nvPr/>
+        </p:nvSpPr>
+        <p:spPr>
+          <a:xfrm>
+            <a:off x="5051704" y="6378515"/>
+            <a:ext cx="3986989" cy="400110"/>
+          </a:xfrm>
+          <a:prstGeom prst="rect">
+            <a:avLst/>
+          </a:prstGeom>
+          <a:noFill/>
+        </p:spPr>
+        <p:txBody>
+          <a:bodyPr wrap="none" lIns="91440" tIns="45720" rIns="91440" bIns="45720">
+            <a:spAutoFit/>
+          </a:bodyPr>
+          <a:lstStyle/>
+          <a:p>
+            <a:pPr algn="ctr"/>
+            <a:r>
+              <a:rPr lang="en-US" altLang="zh-TW" sz="2000" kern="1200" dirty="0">
+                <a:solidFill>
+                  <a:schemeClr val="bg2">
+                    <a:lumMod val="75000"/>
+                  </a:schemeClr>
+                </a:solidFill>
+                <a:latin typeface="Arial" charset="0"/>
+                <a:ea typeface="+mn-ea"/>
+                <a:cs typeface="Times New Roman" pitchFamily="18" charset="0"/>
+              </a:rPr>
+              <a:t>Lab</a:t>
+            </a:r>
+            <a:r>
+              <a:rPr lang="en-US" altLang="zh-TW" sz="2000" kern="1200" dirty="0">
+                <a:solidFill>
+                  <a:schemeClr val="tx1"/>
+                </a:solidFill>
+                <a:latin typeface="Arial" charset="0"/>
+                <a:ea typeface="標楷體" pitchFamily="65" charset="-120"/>
+                <a:cs typeface="Arial" charset="0"/>
+              </a:rPr>
+              <a:t> for </a:t>
+            </a:r>
+            <a:r>
+              <a:rPr lang="en-US" altLang="zh-TW" sz="2000" kern="1200" dirty="0">
+                <a:solidFill>
+                  <a:srgbClr val="FF0000"/>
+                </a:solidFill>
+                <a:latin typeface="Arial" charset="0"/>
+                <a:ea typeface="標楷體" pitchFamily="65" charset="-120"/>
+                <a:cs typeface="Arial" charset="0"/>
+              </a:rPr>
+              <a:t>Data</a:t>
+            </a:r>
+            <a:r>
+              <a:rPr lang="en-US" altLang="zh-TW" sz="2000" kern="1200" dirty="0">
+                <a:solidFill>
+                  <a:schemeClr val="tx1"/>
+                </a:solidFill>
+                <a:latin typeface="Arial" charset="0"/>
+                <a:ea typeface="標楷體" pitchFamily="65" charset="-120"/>
+                <a:cs typeface="Arial" charset="0"/>
+              </a:rPr>
+              <a:t> </a:t>
+            </a:r>
+            <a:r>
+              <a:rPr lang="en-US" altLang="zh-TW" sz="2000" kern="1200" dirty="0">
+                <a:solidFill>
+                  <a:srgbClr val="FF0000"/>
+                </a:solidFill>
+                <a:latin typeface="Arial" charset="0"/>
+                <a:ea typeface="標楷體" pitchFamily="65" charset="-120"/>
+                <a:cs typeface="Arial" charset="0"/>
+              </a:rPr>
+              <a:t>Processing </a:t>
+            </a:r>
+            <a:r>
+              <a:rPr lang="en-US" altLang="zh-TW" sz="2000" kern="1200" dirty="0">
+                <a:solidFill>
+                  <a:schemeClr val="bg2"/>
+                </a:solidFill>
+                <a:latin typeface="Arial" charset="0"/>
+                <a:ea typeface="標楷體" pitchFamily="65" charset="-120"/>
+                <a:cs typeface="Arial" charset="0"/>
+              </a:rPr>
+              <a:t>Systems</a:t>
+            </a:r>
+            <a:endParaRPr lang="zh-TW" altLang="en-US" cap="none" spc="0" dirty="0">
+              <a:ln w="12700">
+                <a:solidFill>
+                  <a:srgbClr val="CC0000"/>
+                </a:solidFill>
+                <a:prstDash val="solid"/>
+              </a:ln>
+              <a:solidFill>
+                <a:srgbClr val="CC0000"/>
+              </a:solidFill>
+              <a:effectLst>
+                <a:outerShdw blurRad="41275" dist="20320" dir="1800000" algn="tl" rotWithShape="0">
+                  <a:srgbClr val="000000">
+                    <a:alpha val="40000"/>
+                  </a:srgbClr>
+                </a:outerShdw>
+                <a:reflection blurRad="6350" stA="50000" endA="300" endPos="50000" dist="60007" dir="5400000" sy="-100000" algn="bl" rotWithShape="0"/>
+              </a:effectLst>
+              <a:latin typeface="+mn-ea"/>
+              <a:cs typeface="Calibri" pitchFamily="34" charset="0"/>
+            </a:endParaRPr>
+          </a:p>
+        </p:txBody>
+      </p:sp>
+    </p:spTree>
+    <p:extLst>
+      <p:ext uri="{BB962C8B-B14F-4D97-AF65-F5344CB8AC3E}">
+        <p14:creationId xmlns:p14="http://schemas.microsoft.com/office/powerpoint/2010/main" val="858104705"/>
+      </p:ext>
+    </p:extLst>
+  </p:cSld>
+  <p:clrMapOvr>
+    <a:masterClrMapping/>
+  </p:clrMapOvr>
+  <p:hf hdr="0" ftr="0" dt="0"/>
+</p:sldLayout>
+</file>
+
+<file path=ppt/slideLayouts/slideLayout13.xml><?xml version="1.0" encoding="utf-8"?>
+<p:sldLayout xmlns:a="http://schemas.openxmlformats.org/drawingml/2006/main" xmlns:r="http://schemas.openxmlformats.org/officeDocument/2006/relationships" xmlns:p="http://schemas.openxmlformats.org/presentationml/2006/main" preserve="1">
+  <p:cSld name="Titel und Inhalt">
+    <p:spTree>
+      <p:nvGrpSpPr>
+        <p:cNvPr id="1" name=""/>
+        <p:cNvGrpSpPr/>
+        <p:nvPr/>
+      </p:nvGrpSpPr>
+      <p:grpSpPr>
+        <a:xfrm>
+          <a:off x="0" y="0"/>
+          <a:ext cx="0" cy="0"/>
+          <a:chOff x="0" y="0"/>
+          <a:chExt cx="0" cy="0"/>
+        </a:xfrm>
+      </p:grpSpPr>
+      <p:sp>
+        <p:nvSpPr>
+          <p:cNvPr id="2" name="Titel 1"/>
+          <p:cNvSpPr>
+            <a:spLocks noGrp="1"/>
+          </p:cNvSpPr>
+          <p:nvPr>
+            <p:ph type="title"/>
+          </p:nvPr>
+        </p:nvSpPr>
+        <p:spPr>
+          <a:xfrm>
+            <a:off x="300038" y="347662"/>
+            <a:ext cx="8520112" cy="833437"/>
+          </a:xfrm>
+        </p:spPr>
+        <p:txBody>
+          <a:bodyPr/>
+          <a:lstStyle>
+            <a:lvl1pPr>
+              <a:defRPr sz="3600" baseline="0">
+                <a:effectLst/>
+                <a:latin typeface="Times New Roman" pitchFamily="18" charset="0"/>
+                <a:ea typeface="標楷體" pitchFamily="65" charset="-120"/>
+              </a:defRPr>
+            </a:lvl1pPr>
+          </a:lstStyle>
+          <a:p>
+            <a:r>
+              <a:rPr lang="zh-TW" altLang="en-US"/>
+              <a:t>按一下以編輯母片標題樣式</a:t>
+            </a:r>
+            <a:endParaRPr lang="de-DE" dirty="0"/>
+          </a:p>
+        </p:txBody>
+      </p:sp>
+      <p:sp>
+        <p:nvSpPr>
+          <p:cNvPr id="3" name="Inhaltsplatzhalter 2"/>
+          <p:cNvSpPr>
+            <a:spLocks noGrp="1"/>
+          </p:cNvSpPr>
+          <p:nvPr>
+            <p:ph idx="1"/>
+          </p:nvPr>
+        </p:nvSpPr>
+        <p:spPr>
+          <a:xfrm>
+            <a:off x="295275" y="1304926"/>
+            <a:ext cx="8524875" cy="5019674"/>
+          </a:xfrm>
+        </p:spPr>
+        <p:txBody>
+          <a:bodyPr/>
+          <a:lstStyle>
+            <a:lvl1pPr>
+              <a:defRPr sz="2400" b="1" baseline="0">
+                <a:latin typeface="Times New Roman" pitchFamily="18" charset="0"/>
+                <a:ea typeface="標楷體" pitchFamily="65" charset="-120"/>
+              </a:defRPr>
+            </a:lvl1pPr>
+            <a:lvl2pPr>
+              <a:defRPr sz="2400" b="0" baseline="0">
+                <a:latin typeface="Times New Roman" pitchFamily="18" charset="0"/>
+                <a:ea typeface="標楷體" pitchFamily="65" charset="-120"/>
+              </a:defRPr>
+            </a:lvl2pPr>
+            <a:lvl3pPr>
+              <a:defRPr sz="2000" baseline="0">
+                <a:latin typeface="Times New Roman" pitchFamily="18" charset="0"/>
+                <a:ea typeface="標楷體" pitchFamily="65" charset="-120"/>
+              </a:defRPr>
+            </a:lvl3pPr>
+            <a:lvl4pPr>
+              <a:defRPr sz="1800" baseline="0">
+                <a:latin typeface="Times New Roman" pitchFamily="18" charset="0"/>
+                <a:ea typeface="標楷體" pitchFamily="65" charset="-120"/>
+              </a:defRPr>
+            </a:lvl4pPr>
+            <a:lvl5pPr>
+              <a:defRPr sz="1800" baseline="0">
+                <a:latin typeface="Times New Roman" pitchFamily="18" charset="0"/>
+                <a:ea typeface="標楷體" pitchFamily="65" charset="-120"/>
+              </a:defRPr>
+            </a:lvl5pPr>
+          </a:lstStyle>
+          <a:p>
+            <a:pPr lvl="0"/>
+            <a:r>
+              <a:rPr lang="zh-TW" altLang="en-US"/>
+              <a:t>編輯母片文字樣式
+第二層
+第三層
+第四層
+第五層</a:t>
+            </a:r>
+            <a:endParaRPr lang="de-DE" dirty="0"/>
+          </a:p>
+        </p:txBody>
+      </p:sp>
+      <p:sp>
+        <p:nvSpPr>
+          <p:cNvPr id="4" name="Rectangle 5"/>
+          <p:cNvSpPr>
+            <a:spLocks noGrp="1" noChangeArrowheads="1"/>
+          </p:cNvSpPr>
+          <p:nvPr>
+            <p:ph type="ftr" sz="quarter" idx="10"/>
+          </p:nvPr>
+        </p:nvSpPr>
+        <p:spPr>
+          <a:ln/>
+        </p:spPr>
+        <p:txBody>
+          <a:bodyPr/>
+          <a:lstStyle>
+            <a:lvl1pPr>
+              <a:defRPr/>
+            </a:lvl1pPr>
+          </a:lstStyle>
+          <a:p>
+            <a:endParaRPr lang="zh-TW" altLang="en-US"/>
+          </a:p>
+        </p:txBody>
+      </p:sp>
+      <p:sp>
+        <p:nvSpPr>
+          <p:cNvPr id="6" name="矩形 5"/>
+          <p:cNvSpPr/>
+          <p:nvPr/>
+        </p:nvSpPr>
+        <p:spPr>
+          <a:xfrm>
+            <a:off x="5026304" y="6365875"/>
+            <a:ext cx="3986989" cy="400110"/>
+          </a:xfrm>
+          <a:prstGeom prst="rect">
+            <a:avLst/>
+          </a:prstGeom>
+          <a:noFill/>
+        </p:spPr>
+        <p:txBody>
+          <a:bodyPr wrap="none" lIns="91440" tIns="45720" rIns="91440" bIns="45720">
+            <a:spAutoFit/>
+          </a:bodyPr>
+          <a:lstStyle/>
+          <a:p>
+            <a:pPr algn="ctr"/>
+            <a:r>
+              <a:rPr lang="en-US" altLang="zh-TW" sz="2000" kern="1200" dirty="0">
+                <a:solidFill>
+                  <a:schemeClr val="bg2">
+                    <a:lumMod val="75000"/>
+                  </a:schemeClr>
+                </a:solidFill>
+                <a:latin typeface="Arial" charset="0"/>
+                <a:ea typeface="+mn-ea"/>
+                <a:cs typeface="Times New Roman" pitchFamily="18" charset="0"/>
+              </a:rPr>
+              <a:t>Lab</a:t>
+            </a:r>
+            <a:r>
+              <a:rPr lang="en-US" altLang="zh-TW" sz="2000" kern="1200" dirty="0">
+                <a:solidFill>
+                  <a:schemeClr val="tx1"/>
+                </a:solidFill>
+                <a:latin typeface="Arial" charset="0"/>
+                <a:ea typeface="標楷體" pitchFamily="65" charset="-120"/>
+                <a:cs typeface="Arial" charset="0"/>
+              </a:rPr>
+              <a:t> for </a:t>
+            </a:r>
+            <a:r>
+              <a:rPr lang="en-US" altLang="zh-TW" sz="2000" kern="1200" dirty="0">
+                <a:solidFill>
+                  <a:srgbClr val="FF0000"/>
+                </a:solidFill>
+                <a:latin typeface="Arial" charset="0"/>
+                <a:ea typeface="標楷體" pitchFamily="65" charset="-120"/>
+                <a:cs typeface="Arial" charset="0"/>
+              </a:rPr>
+              <a:t>Data</a:t>
+            </a:r>
+            <a:r>
+              <a:rPr lang="en-US" altLang="zh-TW" sz="2000" kern="1200" dirty="0">
+                <a:solidFill>
+                  <a:schemeClr val="tx1"/>
+                </a:solidFill>
+                <a:latin typeface="Arial" charset="0"/>
+                <a:ea typeface="標楷體" pitchFamily="65" charset="-120"/>
+                <a:cs typeface="Arial" charset="0"/>
+              </a:rPr>
+              <a:t> </a:t>
+            </a:r>
+            <a:r>
+              <a:rPr lang="en-US" altLang="zh-TW" sz="2000" kern="1200" dirty="0">
+                <a:solidFill>
+                  <a:srgbClr val="FF0000"/>
+                </a:solidFill>
+                <a:latin typeface="Arial" charset="0"/>
+                <a:ea typeface="標楷體" pitchFamily="65" charset="-120"/>
+                <a:cs typeface="Arial" charset="0"/>
+              </a:rPr>
+              <a:t>Processing </a:t>
+            </a:r>
+            <a:r>
+              <a:rPr lang="en-US" altLang="zh-TW" sz="2000" kern="1200" dirty="0">
+                <a:solidFill>
+                  <a:schemeClr val="bg2"/>
+                </a:solidFill>
+                <a:latin typeface="Arial" charset="0"/>
+                <a:ea typeface="標楷體" pitchFamily="65" charset="-120"/>
+                <a:cs typeface="Arial" charset="0"/>
+              </a:rPr>
+              <a:t>Systems</a:t>
+            </a:r>
+            <a:endParaRPr lang="zh-TW" altLang="en-US" cap="none" spc="0" dirty="0">
+              <a:ln w="12700">
+                <a:solidFill>
+                  <a:srgbClr val="CC0000"/>
+                </a:solidFill>
+                <a:prstDash val="solid"/>
+              </a:ln>
+              <a:solidFill>
+                <a:srgbClr val="CC0000"/>
+              </a:solidFill>
+              <a:effectLst>
+                <a:outerShdw blurRad="41275" dist="20320" dir="1800000" algn="tl" rotWithShape="0">
+                  <a:srgbClr val="000000">
+                    <a:alpha val="40000"/>
+                  </a:srgbClr>
+                </a:outerShdw>
+                <a:reflection blurRad="6350" stA="50000" endA="300" endPos="50000" dist="60007" dir="5400000" sy="-100000" algn="bl" rotWithShape="0"/>
+              </a:effectLst>
+              <a:latin typeface="+mn-ea"/>
+              <a:cs typeface="Calibri" pitchFamily="34" charset="0"/>
+            </a:endParaRPr>
+          </a:p>
+        </p:txBody>
+      </p:sp>
+    </p:spTree>
+    <p:extLst>
+      <p:ext uri="{BB962C8B-B14F-4D97-AF65-F5344CB8AC3E}">
+        <p14:creationId xmlns:p14="http://schemas.microsoft.com/office/powerpoint/2010/main" val="1356498406"/>
+      </p:ext>
+    </p:extLst>
+  </p:cSld>
+  <p:clrMapOvr>
+    <a:masterClrMapping/>
+  </p:clrMapOvr>
+  <p:hf hdr="0" ftr="0" dt="0"/>
+</p:sldLayout>
+</file>
+
+<file path=ppt/slideLayouts/slideLayout14.xml><?xml version="1.0" encoding="utf-8"?>
+<p:sldLayout xmlns:a="http://schemas.openxmlformats.org/drawingml/2006/main" xmlns:r="http://schemas.openxmlformats.org/officeDocument/2006/relationships" xmlns:p="http://schemas.openxmlformats.org/presentationml/2006/main" type="secHead" preserve="1">
+  <p:cSld name="Abschnittsüberschrift">
+    <p:spTree>
+      <p:nvGrpSpPr>
+        <p:cNvPr id="1" name=""/>
+        <p:cNvGrpSpPr/>
+        <p:nvPr/>
+      </p:nvGrpSpPr>
+      <p:grpSpPr>
+        <a:xfrm>
+          <a:off x="0" y="0"/>
+          <a:ext cx="0" cy="0"/>
+          <a:chOff x="0" y="0"/>
+          <a:chExt cx="0" cy="0"/>
+        </a:xfrm>
+      </p:grpSpPr>
+      <p:sp>
+        <p:nvSpPr>
+          <p:cNvPr id="2" name="Titel 1"/>
+          <p:cNvSpPr>
+            <a:spLocks noGrp="1"/>
+          </p:cNvSpPr>
+          <p:nvPr>
+            <p:ph type="title"/>
+          </p:nvPr>
+        </p:nvSpPr>
+        <p:spPr>
+          <a:xfrm>
+            <a:off x="722313" y="4406900"/>
+            <a:ext cx="7772400" cy="1362075"/>
+          </a:xfrm>
+        </p:spPr>
+        <p:txBody>
+          <a:bodyPr/>
+          <a:lstStyle>
+            <a:lvl1pPr algn="l">
+              <a:defRPr sz="4000" b="1" cap="all"/>
+            </a:lvl1pPr>
+          </a:lstStyle>
+          <a:p>
+            <a:r>
+              <a:rPr lang="zh-TW" altLang="en-US"/>
+              <a:t>按一下以編輯母片標題樣式</a:t>
+            </a:r>
+            <a:endParaRPr lang="de-DE"/>
+          </a:p>
+        </p:txBody>
+      </p:sp>
+      <p:sp>
+        <p:nvSpPr>
+          <p:cNvPr id="3" name="Textplatzhalter 2"/>
+          <p:cNvSpPr>
+            <a:spLocks noGrp="1"/>
+          </p:cNvSpPr>
+          <p:nvPr>
+            <p:ph type="body" idx="1"/>
+          </p:nvPr>
+        </p:nvSpPr>
+        <p:spPr>
+          <a:xfrm>
+            <a:off x="722313" y="2906713"/>
+            <a:ext cx="7772400" cy="1500187"/>
+          </a:xfrm>
+        </p:spPr>
+        <p:txBody>
+          <a:bodyPr anchor="b"/>
+          <a:lstStyle>
+            <a:lvl1pPr marL="0" indent="0">
+              <a:buNone/>
+              <a:defRPr sz="2000"/>
+            </a:lvl1pPr>
+            <a:lvl2pPr marL="457200" indent="0">
+              <a:buNone/>
+              <a:defRPr sz="1800"/>
+            </a:lvl2pPr>
+            <a:lvl3pPr marL="914400" indent="0">
+              <a:buNone/>
+              <a:defRPr sz="1600"/>
+            </a:lvl3pPr>
+            <a:lvl4pPr marL="1371600" indent="0">
+              <a:buNone/>
+              <a:defRPr sz="1400"/>
+            </a:lvl4pPr>
+            <a:lvl5pPr marL="1828800" indent="0">
+              <a:buNone/>
+              <a:defRPr sz="1400"/>
+            </a:lvl5pPr>
+            <a:lvl6pPr marL="2286000" indent="0">
+              <a:buNone/>
+              <a:defRPr sz="1400"/>
+            </a:lvl6pPr>
+            <a:lvl7pPr marL="2743200" indent="0">
+              <a:buNone/>
+              <a:defRPr sz="1400"/>
+            </a:lvl7pPr>
+            <a:lvl8pPr marL="3200400" indent="0">
+              <a:buNone/>
+              <a:defRPr sz="1400"/>
+            </a:lvl8pPr>
+            <a:lvl9pPr marL="3657600" indent="0">
+              <a:buNone/>
+              <a:defRPr sz="1400"/>
+            </a:lvl9pPr>
+          </a:lstStyle>
+          <a:p>
+            <a:pPr lvl="0"/>
+            <a:r>
+              <a:rPr lang="zh-TW" altLang="en-US"/>
+              <a:t>編輯母片文字樣式
+第二層
+第三層
+第四層
+第五層</a:t>
+            </a:r>
+          </a:p>
+        </p:txBody>
+      </p:sp>
+      <p:sp>
+        <p:nvSpPr>
+          <p:cNvPr id="4" name="Rectangle 5"/>
+          <p:cNvSpPr>
+            <a:spLocks noGrp="1" noChangeArrowheads="1"/>
+          </p:cNvSpPr>
+          <p:nvPr>
+            <p:ph type="ftr" sz="quarter" idx="10"/>
+          </p:nvPr>
+        </p:nvSpPr>
+        <p:spPr>
+          <a:ln/>
+        </p:spPr>
+        <p:txBody>
+          <a:bodyPr/>
+          <a:lstStyle>
+            <a:lvl1pPr>
+              <a:defRPr/>
+            </a:lvl1pPr>
+          </a:lstStyle>
+          <a:p>
+            <a:endParaRPr lang="zh-TW" altLang="en-US"/>
+          </a:p>
+        </p:txBody>
+      </p:sp>
+    </p:spTree>
+    <p:extLst>
+      <p:ext uri="{BB962C8B-B14F-4D97-AF65-F5344CB8AC3E}">
+        <p14:creationId xmlns:p14="http://schemas.microsoft.com/office/powerpoint/2010/main" val="592952397"/>
+      </p:ext>
+    </p:extLst>
+  </p:cSld>
+  <p:clrMapOvr>
+    <a:masterClrMapping/>
+  </p:clrMapOvr>
+  <p:hf hdr="0" ftr="0" dt="0"/>
+</p:sldLayout>
+</file>
+
+<file path=ppt/slideLayouts/slideLayout15.xml><?xml version="1.0" encoding="utf-8"?>
+<p:sldLayout xmlns:a="http://schemas.openxmlformats.org/drawingml/2006/main" xmlns:r="http://schemas.openxmlformats.org/officeDocument/2006/relationships" xmlns:p="http://schemas.openxmlformats.org/presentationml/2006/main" type="twoObj" preserve="1">
+  <p:cSld name="Zwei Inhalte">
+    <p:spTree>
+      <p:nvGrpSpPr>
+        <p:cNvPr id="1" name=""/>
+        <p:cNvGrpSpPr/>
+        <p:nvPr/>
+      </p:nvGrpSpPr>
+      <p:grpSpPr>
+        <a:xfrm>
+          <a:off x="0" y="0"/>
+          <a:ext cx="0" cy="0"/>
+          <a:chOff x="0" y="0"/>
+          <a:chExt cx="0" cy="0"/>
+        </a:xfrm>
+      </p:grpSpPr>
+      <p:sp>
+        <p:nvSpPr>
+          <p:cNvPr id="2" name="Titel 1"/>
+          <p:cNvSpPr>
+            <a:spLocks noGrp="1"/>
+          </p:cNvSpPr>
+          <p:nvPr>
+            <p:ph type="title"/>
+          </p:nvPr>
+        </p:nvSpPr>
+        <p:spPr/>
+        <p:txBody>
+          <a:bodyPr/>
+          <a:lstStyle/>
+          <a:p>
+            <a:r>
+              <a:rPr lang="zh-TW" altLang="en-US"/>
+              <a:t>按一下以編輯母片標題樣式</a:t>
+            </a:r>
+            <a:endParaRPr lang="de-DE"/>
+          </a:p>
+        </p:txBody>
+      </p:sp>
+      <p:sp>
+        <p:nvSpPr>
+          <p:cNvPr id="3" name="Inhaltsplatzhalter 2"/>
+          <p:cNvSpPr>
+            <a:spLocks noGrp="1"/>
+          </p:cNvSpPr>
+          <p:nvPr>
+            <p:ph sz="half" idx="1"/>
+          </p:nvPr>
+        </p:nvSpPr>
+        <p:spPr>
+          <a:xfrm>
+            <a:off x="295275" y="1489075"/>
+            <a:ext cx="4186238" cy="4313238"/>
+          </a:xfrm>
+        </p:spPr>
+        <p:txBody>
+          <a:bodyPr/>
+          <a:lstStyle>
+            <a:lvl1pPr>
+              <a:defRPr sz="2800"/>
+            </a:lvl1pPr>
+            <a:lvl2pPr>
+              <a:defRPr sz="2400"/>
+            </a:lvl2pPr>
+            <a:lvl3pPr>
+              <a:defRPr sz="2000"/>
+            </a:lvl3pPr>
+            <a:lvl4pPr>
+              <a:defRPr sz="1800"/>
+            </a:lvl4pPr>
+            <a:lvl5pPr>
+              <a:defRPr sz="1800"/>
+            </a:lvl5pPr>
+            <a:lvl6pPr>
+              <a:defRPr sz="1800"/>
+            </a:lvl6pPr>
+            <a:lvl7pPr>
+              <a:defRPr sz="1800"/>
+            </a:lvl7pPr>
+            <a:lvl8pPr>
+              <a:defRPr sz="1800"/>
+            </a:lvl8pPr>
+            <a:lvl9pPr>
+              <a:defRPr sz="1800"/>
+            </a:lvl9pPr>
+          </a:lstStyle>
+          <a:p>
+            <a:pPr lvl="0"/>
+            <a:r>
+              <a:rPr lang="zh-TW" altLang="en-US"/>
+              <a:t>編輯母片文字樣式
+第二層
+第三層
+第四層
+第五層</a:t>
+            </a:r>
+            <a:endParaRPr lang="de-DE"/>
+          </a:p>
+        </p:txBody>
+      </p:sp>
+      <p:sp>
+        <p:nvSpPr>
+          <p:cNvPr id="4" name="Inhaltsplatzhalter 3"/>
+          <p:cNvSpPr>
+            <a:spLocks noGrp="1"/>
+          </p:cNvSpPr>
+          <p:nvPr>
+            <p:ph sz="half" idx="2"/>
+          </p:nvPr>
+        </p:nvSpPr>
+        <p:spPr>
+          <a:xfrm>
+            <a:off x="4633913" y="1489075"/>
+            <a:ext cx="4186237" cy="4313238"/>
+          </a:xfrm>
+        </p:spPr>
+        <p:txBody>
+          <a:bodyPr/>
+          <a:lstStyle>
+            <a:lvl1pPr>
+              <a:defRPr sz="2800"/>
+            </a:lvl1pPr>
+            <a:lvl2pPr>
+              <a:defRPr sz="2400"/>
+            </a:lvl2pPr>
+            <a:lvl3pPr>
+              <a:defRPr sz="2000"/>
+            </a:lvl3pPr>
+            <a:lvl4pPr>
+              <a:defRPr sz="1800"/>
+            </a:lvl4pPr>
+            <a:lvl5pPr>
+              <a:defRPr sz="1800"/>
+            </a:lvl5pPr>
+            <a:lvl6pPr>
+              <a:defRPr sz="1800"/>
+            </a:lvl6pPr>
+            <a:lvl7pPr>
+              <a:defRPr sz="1800"/>
+            </a:lvl7pPr>
+            <a:lvl8pPr>
+              <a:defRPr sz="1800"/>
+            </a:lvl8pPr>
+            <a:lvl9pPr>
+              <a:defRPr sz="1800"/>
+            </a:lvl9pPr>
+          </a:lstStyle>
+          <a:p>
+            <a:pPr lvl="0"/>
+            <a:r>
+              <a:rPr lang="zh-TW" altLang="en-US"/>
+              <a:t>編輯母片文字樣式
+第二層
+第三層
+第四層
+第五層</a:t>
+            </a:r>
+            <a:endParaRPr lang="de-DE"/>
+          </a:p>
+        </p:txBody>
+      </p:sp>
+      <p:sp>
+        <p:nvSpPr>
+          <p:cNvPr id="5" name="Rectangle 5"/>
+          <p:cNvSpPr>
+            <a:spLocks noGrp="1" noChangeArrowheads="1"/>
+          </p:cNvSpPr>
+          <p:nvPr>
+            <p:ph type="ftr" sz="quarter" idx="10"/>
+          </p:nvPr>
+        </p:nvSpPr>
+        <p:spPr>
+          <a:ln/>
+        </p:spPr>
+        <p:txBody>
+          <a:bodyPr/>
+          <a:lstStyle>
+            <a:lvl1pPr>
+              <a:defRPr/>
+            </a:lvl1pPr>
+          </a:lstStyle>
+          <a:p>
+            <a:endParaRPr lang="zh-TW" altLang="en-US"/>
+          </a:p>
+        </p:txBody>
+      </p:sp>
+    </p:spTree>
+    <p:extLst>
+      <p:ext uri="{BB962C8B-B14F-4D97-AF65-F5344CB8AC3E}">
+        <p14:creationId xmlns:p14="http://schemas.microsoft.com/office/powerpoint/2010/main" val="2051155900"/>
+      </p:ext>
+    </p:extLst>
+  </p:cSld>
+  <p:clrMapOvr>
+    <a:masterClrMapping/>
+  </p:clrMapOvr>
+  <p:hf hdr="0" ftr="0" dt="0"/>
+</p:sldLayout>
+</file>
+
+<file path=ppt/slideLayouts/slideLayout16.xml><?xml version="1.0" encoding="utf-8"?>
+<p:sldLayout xmlns:a="http://schemas.openxmlformats.org/drawingml/2006/main" xmlns:r="http://schemas.openxmlformats.org/officeDocument/2006/relationships" xmlns:p="http://schemas.openxmlformats.org/presentationml/2006/main" type="twoTxTwoObj" preserve="1">
+  <p:cSld name="Vergleich">
+    <p:spTree>
+      <p:nvGrpSpPr>
+        <p:cNvPr id="1" name=""/>
+        <p:cNvGrpSpPr/>
+        <p:nvPr/>
+      </p:nvGrpSpPr>
+      <p:grpSpPr>
+        <a:xfrm>
+          <a:off x="0" y="0"/>
+          <a:ext cx="0" cy="0"/>
+          <a:chOff x="0" y="0"/>
+          <a:chExt cx="0" cy="0"/>
+        </a:xfrm>
+      </p:grpSpPr>
+      <p:sp>
+        <p:nvSpPr>
+          <p:cNvPr id="2" name="Titel 1"/>
+          <p:cNvSpPr>
+            <a:spLocks noGrp="1"/>
+          </p:cNvSpPr>
+          <p:nvPr>
+            <p:ph type="title"/>
+          </p:nvPr>
+        </p:nvSpPr>
+        <p:spPr>
+          <a:xfrm>
+            <a:off x="457200" y="274638"/>
+            <a:ext cx="8229600" cy="1143000"/>
+          </a:xfrm>
+        </p:spPr>
+        <p:txBody>
+          <a:bodyPr/>
+          <a:lstStyle>
+            <a:lvl1pPr>
+              <a:defRPr/>
+            </a:lvl1pPr>
+          </a:lstStyle>
+          <a:p>
+            <a:r>
+              <a:rPr lang="zh-TW" altLang="en-US"/>
+              <a:t>按一下以編輯母片標題樣式</a:t>
+            </a:r>
+            <a:endParaRPr lang="de-DE"/>
+          </a:p>
+        </p:txBody>
+      </p:sp>
+      <p:sp>
+        <p:nvSpPr>
+          <p:cNvPr id="3" name="Textplatzhalter 2"/>
+          <p:cNvSpPr>
+            <a:spLocks noGrp="1"/>
+          </p:cNvSpPr>
+          <p:nvPr>
+            <p:ph type="body" idx="1"/>
+          </p:nvPr>
+        </p:nvSpPr>
+        <p:spPr>
+          <a:xfrm>
+            <a:off x="457200" y="1535113"/>
+            <a:ext cx="4040188" cy="639762"/>
+          </a:xfrm>
+        </p:spPr>
+        <p:txBody>
+          <a:bodyPr anchor="b"/>
+          <a:lstStyle>
+            <a:lvl1pPr marL="0" indent="0">
+              <a:buNone/>
+              <a:defRPr sz="2400" b="1"/>
+            </a:lvl1pPr>
+            <a:lvl2pPr marL="457200" indent="0">
+              <a:buNone/>
+              <a:defRPr sz="2000" b="1"/>
+            </a:lvl2pPr>
+            <a:lvl3pPr marL="914400" indent="0">
+              <a:buNone/>
+              <a:defRPr sz="1800" b="1"/>
+            </a:lvl3pPr>
+            <a:lvl4pPr marL="1371600" indent="0">
+              <a:buNone/>
+              <a:defRPr sz="1600" b="1"/>
+            </a:lvl4pPr>
+            <a:lvl5pPr marL="1828800" indent="0">
+              <a:buNone/>
+              <a:defRPr sz="1600" b="1"/>
+            </a:lvl5pPr>
+            <a:lvl6pPr marL="2286000" indent="0">
+              <a:buNone/>
+              <a:defRPr sz="1600" b="1"/>
+            </a:lvl6pPr>
+            <a:lvl7pPr marL="2743200" indent="0">
+              <a:buNone/>
+              <a:defRPr sz="1600" b="1"/>
+            </a:lvl7pPr>
+            <a:lvl8pPr marL="3200400" indent="0">
+              <a:buNone/>
+              <a:defRPr sz="1600" b="1"/>
+            </a:lvl8pPr>
+            <a:lvl9pPr marL="3657600" indent="0">
+              <a:buNone/>
+              <a:defRPr sz="1600" b="1"/>
+            </a:lvl9pPr>
+          </a:lstStyle>
+          <a:p>
+            <a:pPr lvl="0"/>
+            <a:r>
+              <a:rPr lang="zh-TW" altLang="en-US"/>
+              <a:t>編輯母片文字樣式
+第二層
+第三層
+第四層
+第五層</a:t>
+            </a:r>
+          </a:p>
+        </p:txBody>
+      </p:sp>
+      <p:sp>
+        <p:nvSpPr>
+          <p:cNvPr id="4" name="Inhaltsplatzhalter 3"/>
+          <p:cNvSpPr>
+            <a:spLocks noGrp="1"/>
+          </p:cNvSpPr>
+          <p:nvPr>
+            <p:ph sz="half" idx="2"/>
+          </p:nvPr>
+        </p:nvSpPr>
+        <p:spPr>
+          <a:xfrm>
+            <a:off x="457200" y="2174875"/>
+            <a:ext cx="4040188" cy="3951288"/>
+          </a:xfrm>
+        </p:spPr>
+        <p:txBody>
+          <a:bodyPr/>
+          <a:lstStyle>
+            <a:lvl1pPr>
+              <a:defRPr sz="2400"/>
+            </a:lvl1pPr>
+            <a:lvl2pPr>
+              <a:defRPr sz="2000"/>
+            </a:lvl2pPr>
+            <a:lvl3pPr>
+              <a:defRPr sz="1800"/>
+            </a:lvl3pPr>
+            <a:lvl4pPr>
+              <a:defRPr sz="1600"/>
+            </a:lvl4pPr>
+            <a:lvl5pPr>
+              <a:defRPr sz="1600"/>
+            </a:lvl5pPr>
+            <a:lvl6pPr>
+              <a:defRPr sz="1600"/>
+            </a:lvl6pPr>
+            <a:lvl7pPr>
+              <a:defRPr sz="1600"/>
+            </a:lvl7pPr>
+            <a:lvl8pPr>
+              <a:defRPr sz="1600"/>
+            </a:lvl8pPr>
+            <a:lvl9pPr>
+              <a:defRPr sz="1600"/>
+            </a:lvl9pPr>
+          </a:lstStyle>
+          <a:p>
+            <a:pPr lvl="0"/>
+            <a:r>
+              <a:rPr lang="zh-TW" altLang="en-US"/>
+              <a:t>編輯母片文字樣式
+第二層
+第三層
+第四層
+第五層</a:t>
+            </a:r>
+            <a:endParaRPr lang="de-DE"/>
+          </a:p>
+        </p:txBody>
+      </p:sp>
+      <p:sp>
+        <p:nvSpPr>
+          <p:cNvPr id="5" name="Textplatzhalter 4"/>
+          <p:cNvSpPr>
+            <a:spLocks noGrp="1"/>
+          </p:cNvSpPr>
+          <p:nvPr>
+            <p:ph type="body" sz="quarter" idx="3"/>
+          </p:nvPr>
+        </p:nvSpPr>
+        <p:spPr>
+          <a:xfrm>
+            <a:off x="4645025" y="1535113"/>
+            <a:ext cx="4041775" cy="639762"/>
+          </a:xfrm>
+        </p:spPr>
+        <p:txBody>
+          <a:bodyPr anchor="b"/>
+          <a:lstStyle>
+            <a:lvl1pPr marL="0" indent="0">
+              <a:buNone/>
+              <a:defRPr sz="2400" b="1"/>
+            </a:lvl1pPr>
+            <a:lvl2pPr marL="457200" indent="0">
+              <a:buNone/>
+              <a:defRPr sz="2000" b="1"/>
+            </a:lvl2pPr>
+            <a:lvl3pPr marL="914400" indent="0">
+              <a:buNone/>
+              <a:defRPr sz="1800" b="1"/>
+            </a:lvl3pPr>
+            <a:lvl4pPr marL="1371600" indent="0">
+              <a:buNone/>
+              <a:defRPr sz="1600" b="1"/>
+            </a:lvl4pPr>
+            <a:lvl5pPr marL="1828800" indent="0">
+              <a:buNone/>
+              <a:defRPr sz="1600" b="1"/>
+            </a:lvl5pPr>
+            <a:lvl6pPr marL="2286000" indent="0">
+              <a:buNone/>
+              <a:defRPr sz="1600" b="1"/>
+            </a:lvl6pPr>
+            <a:lvl7pPr marL="2743200" indent="0">
+              <a:buNone/>
+              <a:defRPr sz="1600" b="1"/>
+            </a:lvl7pPr>
+            <a:lvl8pPr marL="3200400" indent="0">
+              <a:buNone/>
+              <a:defRPr sz="1600" b="1"/>
+            </a:lvl8pPr>
+            <a:lvl9pPr marL="3657600" indent="0">
+              <a:buNone/>
+              <a:defRPr sz="1600" b="1"/>
+            </a:lvl9pPr>
+          </a:lstStyle>
+          <a:p>
+            <a:pPr lvl="0"/>
+            <a:r>
+              <a:rPr lang="zh-TW" altLang="en-US"/>
+              <a:t>編輯母片文字樣式
+第二層
+第三層
+第四層
+第五層</a:t>
+            </a:r>
+          </a:p>
+        </p:txBody>
+      </p:sp>
+      <p:sp>
+        <p:nvSpPr>
+          <p:cNvPr id="6" name="Inhaltsplatzhalter 5"/>
+          <p:cNvSpPr>
+            <a:spLocks noGrp="1"/>
+          </p:cNvSpPr>
+          <p:nvPr>
+            <p:ph sz="quarter" idx="4"/>
+          </p:nvPr>
+        </p:nvSpPr>
+        <p:spPr>
+          <a:xfrm>
+            <a:off x="4645025" y="2174875"/>
+            <a:ext cx="4041775" cy="3951288"/>
+          </a:xfrm>
+        </p:spPr>
+        <p:txBody>
+          <a:bodyPr/>
+          <a:lstStyle>
+            <a:lvl1pPr>
+              <a:defRPr sz="2400"/>
+            </a:lvl1pPr>
+            <a:lvl2pPr>
+              <a:defRPr sz="2000"/>
+            </a:lvl2pPr>
+            <a:lvl3pPr>
+              <a:defRPr sz="1800"/>
+            </a:lvl3pPr>
+            <a:lvl4pPr>
+              <a:defRPr sz="1600"/>
+            </a:lvl4pPr>
+            <a:lvl5pPr>
+              <a:defRPr sz="1600"/>
+            </a:lvl5pPr>
+            <a:lvl6pPr>
+              <a:defRPr sz="1600"/>
+            </a:lvl6pPr>
+            <a:lvl7pPr>
+              <a:defRPr sz="1600"/>
+            </a:lvl7pPr>
+            <a:lvl8pPr>
+              <a:defRPr sz="1600"/>
+            </a:lvl8pPr>
+            <a:lvl9pPr>
+              <a:defRPr sz="1600"/>
+            </a:lvl9pPr>
+          </a:lstStyle>
+          <a:p>
+            <a:pPr lvl="0"/>
+            <a:r>
+              <a:rPr lang="zh-TW" altLang="en-US"/>
+              <a:t>編輯母片文字樣式
+第二層
+第三層
+第四層
+第五層</a:t>
+            </a:r>
+            <a:endParaRPr lang="de-DE"/>
+          </a:p>
+        </p:txBody>
+      </p:sp>
+      <p:sp>
+        <p:nvSpPr>
+          <p:cNvPr id="7" name="Rectangle 5"/>
+          <p:cNvSpPr>
+            <a:spLocks noGrp="1" noChangeArrowheads="1"/>
+          </p:cNvSpPr>
+          <p:nvPr>
+            <p:ph type="ftr" sz="quarter" idx="10"/>
+          </p:nvPr>
+        </p:nvSpPr>
+        <p:spPr>
+          <a:ln/>
+        </p:spPr>
+        <p:txBody>
+          <a:bodyPr/>
+          <a:lstStyle>
+            <a:lvl1pPr>
+              <a:defRPr/>
+            </a:lvl1pPr>
+          </a:lstStyle>
+          <a:p>
+            <a:endParaRPr lang="zh-TW" altLang="en-US"/>
+          </a:p>
+        </p:txBody>
+      </p:sp>
+      <p:sp>
+        <p:nvSpPr>
+          <p:cNvPr id="8" name="矩形 7"/>
+          <p:cNvSpPr/>
+          <p:nvPr/>
+        </p:nvSpPr>
+        <p:spPr>
+          <a:xfrm>
+            <a:off x="5331724" y="6367265"/>
+            <a:ext cx="3858749" cy="400110"/>
+          </a:xfrm>
+          <a:prstGeom prst="rect">
+            <a:avLst/>
+          </a:prstGeom>
+          <a:noFill/>
+        </p:spPr>
+        <p:txBody>
+          <a:bodyPr wrap="none" lIns="91440" tIns="45720" rIns="91440" bIns="45720">
+            <a:spAutoFit/>
+          </a:bodyPr>
+          <a:lstStyle/>
+          <a:p>
+            <a:pPr algn="ctr"/>
+            <a:r>
+              <a:rPr lang="en-US" altLang="zh-TW" sz="2000" kern="1200" dirty="0">
+                <a:solidFill>
+                  <a:schemeClr val="bg2">
+                    <a:lumMod val="75000"/>
+                  </a:schemeClr>
+                </a:solidFill>
+                <a:latin typeface="Arial" charset="0"/>
+                <a:ea typeface="+mn-ea"/>
+                <a:cs typeface="Times New Roman" pitchFamily="18" charset="0"/>
+              </a:rPr>
+              <a:t>Lab</a:t>
+            </a:r>
+            <a:r>
+              <a:rPr lang="en-US" altLang="zh-TW" sz="2000" kern="1200" dirty="0">
+                <a:solidFill>
+                  <a:schemeClr val="tx1"/>
+                </a:solidFill>
+                <a:latin typeface="Arial" charset="0"/>
+                <a:ea typeface="標楷體" pitchFamily="65" charset="-120"/>
+                <a:cs typeface="Arial" charset="0"/>
+              </a:rPr>
+              <a:t> for </a:t>
+            </a:r>
+            <a:r>
+              <a:rPr lang="en-US" altLang="zh-TW" sz="2000" kern="1200" dirty="0">
+                <a:solidFill>
+                  <a:srgbClr val="FF0000"/>
+                </a:solidFill>
+                <a:latin typeface="Arial" charset="0"/>
+                <a:ea typeface="標楷體" pitchFamily="65" charset="-120"/>
+                <a:cs typeface="Arial" charset="0"/>
+              </a:rPr>
+              <a:t>Data</a:t>
+            </a:r>
+            <a:r>
+              <a:rPr lang="en-US" altLang="zh-TW" sz="2000" kern="1200" dirty="0">
+                <a:solidFill>
+                  <a:schemeClr val="tx1"/>
+                </a:solidFill>
+                <a:latin typeface="Arial" charset="0"/>
+                <a:ea typeface="標楷體" pitchFamily="65" charset="-120"/>
+                <a:cs typeface="Arial" charset="0"/>
+              </a:rPr>
+              <a:t> </a:t>
+            </a:r>
+            <a:r>
+              <a:rPr lang="en-US" altLang="zh-TW" sz="2000" kern="1200" dirty="0">
+                <a:solidFill>
+                  <a:srgbClr val="FF0000"/>
+                </a:solidFill>
+                <a:latin typeface="Arial" charset="0"/>
+                <a:ea typeface="標楷體" pitchFamily="65" charset="-120"/>
+                <a:cs typeface="Arial" charset="0"/>
+              </a:rPr>
+              <a:t>Processing </a:t>
+            </a:r>
+            <a:r>
+              <a:rPr lang="en-US" altLang="zh-TW" sz="2000" kern="1200" dirty="0">
+                <a:solidFill>
+                  <a:schemeClr val="bg2"/>
+                </a:solidFill>
+                <a:latin typeface="Arial" charset="0"/>
+                <a:ea typeface="標楷體" pitchFamily="65" charset="-120"/>
+                <a:cs typeface="Arial" charset="0"/>
+              </a:rPr>
+              <a:t>System</a:t>
+            </a:r>
+            <a:endParaRPr lang="zh-TW" altLang="en-US" cap="none" spc="0" dirty="0">
+              <a:ln w="12700">
+                <a:solidFill>
+                  <a:srgbClr val="CC0000"/>
+                </a:solidFill>
+                <a:prstDash val="solid"/>
+              </a:ln>
+              <a:solidFill>
+                <a:srgbClr val="CC0000"/>
+              </a:solidFill>
+              <a:effectLst>
+                <a:outerShdw blurRad="41275" dist="20320" dir="1800000" algn="tl" rotWithShape="0">
+                  <a:srgbClr val="000000">
+                    <a:alpha val="40000"/>
+                  </a:srgbClr>
+                </a:outerShdw>
+                <a:reflection blurRad="6350" stA="50000" endA="300" endPos="50000" dist="60007" dir="5400000" sy="-100000" algn="bl" rotWithShape="0"/>
+              </a:effectLst>
+              <a:latin typeface="+mn-ea"/>
+              <a:cs typeface="Calibri" pitchFamily="34" charset="0"/>
+            </a:endParaRPr>
+          </a:p>
+        </p:txBody>
+      </p:sp>
+    </p:spTree>
+    <p:extLst>
+      <p:ext uri="{BB962C8B-B14F-4D97-AF65-F5344CB8AC3E}">
+        <p14:creationId xmlns:p14="http://schemas.microsoft.com/office/powerpoint/2010/main" val="1571792439"/>
+      </p:ext>
+    </p:extLst>
+  </p:cSld>
+  <p:clrMapOvr>
+    <a:masterClrMapping/>
+  </p:clrMapOvr>
+  <p:hf hdr="0" ftr="0" dt="0"/>
+</p:sldLayout>
+</file>
+
+<file path=ppt/slideLayouts/slideLayout17.xml><?xml version="1.0" encoding="utf-8"?>
+<p:sldLayout xmlns:a="http://schemas.openxmlformats.org/drawingml/2006/main" xmlns:r="http://schemas.openxmlformats.org/officeDocument/2006/relationships" xmlns:p="http://schemas.openxmlformats.org/presentationml/2006/main" type="titleOnly" preserve="1">
+  <p:cSld name="Nur Titel">
+    <p:spTree>
+      <p:nvGrpSpPr>
+        <p:cNvPr id="1" name=""/>
+        <p:cNvGrpSpPr/>
+        <p:nvPr/>
+      </p:nvGrpSpPr>
+      <p:grpSpPr>
+        <a:xfrm>
+          <a:off x="0" y="0"/>
+          <a:ext cx="0" cy="0"/>
+          <a:chOff x="0" y="0"/>
+          <a:chExt cx="0" cy="0"/>
+        </a:xfrm>
+      </p:grpSpPr>
+      <p:sp>
+        <p:nvSpPr>
+          <p:cNvPr id="2" name="Titel 1"/>
+          <p:cNvSpPr>
+            <a:spLocks noGrp="1"/>
+          </p:cNvSpPr>
+          <p:nvPr>
+            <p:ph type="title"/>
+          </p:nvPr>
+        </p:nvSpPr>
+        <p:spPr/>
+        <p:txBody>
+          <a:bodyPr/>
+          <a:lstStyle/>
+          <a:p>
+            <a:r>
+              <a:rPr lang="zh-TW" altLang="en-US"/>
+              <a:t>按一下以編輯母片標題樣式</a:t>
+            </a:r>
+            <a:endParaRPr lang="de-DE"/>
+          </a:p>
+        </p:txBody>
+      </p:sp>
+      <p:sp>
+        <p:nvSpPr>
+          <p:cNvPr id="3" name="Rectangle 5"/>
+          <p:cNvSpPr>
+            <a:spLocks noGrp="1" noChangeArrowheads="1"/>
+          </p:cNvSpPr>
+          <p:nvPr>
+            <p:ph type="ftr" sz="quarter" idx="10"/>
+          </p:nvPr>
+        </p:nvSpPr>
+        <p:spPr>
+          <a:ln/>
+        </p:spPr>
+        <p:txBody>
+          <a:bodyPr/>
+          <a:lstStyle>
+            <a:lvl1pPr>
+              <a:defRPr/>
+            </a:lvl1pPr>
+          </a:lstStyle>
+          <a:p>
+            <a:endParaRPr lang="zh-TW" altLang="en-US"/>
+          </a:p>
+        </p:txBody>
+      </p:sp>
+    </p:spTree>
+    <p:extLst>
+      <p:ext uri="{BB962C8B-B14F-4D97-AF65-F5344CB8AC3E}">
+        <p14:creationId xmlns:p14="http://schemas.microsoft.com/office/powerpoint/2010/main" val="3461853630"/>
+      </p:ext>
+    </p:extLst>
+  </p:cSld>
+  <p:clrMapOvr>
+    <a:masterClrMapping/>
+  </p:clrMapOvr>
+  <p:hf hdr="0" ftr="0" dt="0"/>
+</p:sldLayout>
+</file>
+
+<file path=ppt/slideLayouts/slideLayout18.xml><?xml version="1.0" encoding="utf-8"?>
+<p:sldLayout xmlns:a="http://schemas.openxmlformats.org/drawingml/2006/main" xmlns:r="http://schemas.openxmlformats.org/officeDocument/2006/relationships" xmlns:p="http://schemas.openxmlformats.org/presentationml/2006/main" type="blank" preserve="1">
+  <p:cSld name="Leer">
+    <p:spTree>
+      <p:nvGrpSpPr>
+        <p:cNvPr id="1" name=""/>
+        <p:cNvGrpSpPr/>
+        <p:nvPr/>
+      </p:nvGrpSpPr>
+      <p:grpSpPr>
+        <a:xfrm>
+          <a:off x="0" y="0"/>
+          <a:ext cx="0" cy="0"/>
+          <a:chOff x="0" y="0"/>
+          <a:chExt cx="0" cy="0"/>
+        </a:xfrm>
+      </p:grpSpPr>
+      <p:sp>
+        <p:nvSpPr>
+          <p:cNvPr id="2" name="Rectangle 5"/>
+          <p:cNvSpPr>
+            <a:spLocks noGrp="1" noChangeArrowheads="1"/>
+          </p:cNvSpPr>
+          <p:nvPr>
+            <p:ph type="ftr" sz="quarter" idx="10"/>
+          </p:nvPr>
+        </p:nvSpPr>
+        <p:spPr>
+          <a:ln/>
+        </p:spPr>
+        <p:txBody>
+          <a:bodyPr/>
+          <a:lstStyle>
+            <a:lvl1pPr>
+              <a:defRPr/>
+            </a:lvl1pPr>
+          </a:lstStyle>
+          <a:p>
+            <a:endParaRPr lang="zh-TW" altLang="en-US"/>
+          </a:p>
+        </p:txBody>
+      </p:sp>
+    </p:spTree>
+    <p:extLst>
+      <p:ext uri="{BB962C8B-B14F-4D97-AF65-F5344CB8AC3E}">
+        <p14:creationId xmlns:p14="http://schemas.microsoft.com/office/powerpoint/2010/main" val="1547072765"/>
+      </p:ext>
+    </p:extLst>
+  </p:cSld>
+  <p:clrMapOvr>
+    <a:masterClrMapping/>
+  </p:clrMapOvr>
+  <p:hf hdr="0" ftr="0" dt="0"/>
+</p:sldLayout>
+</file>
+
+<file path=ppt/slideLayouts/slideLayout19.xml><?xml version="1.0" encoding="utf-8"?>
+<p:sldLayout xmlns:a="http://schemas.openxmlformats.org/drawingml/2006/main" xmlns:r="http://schemas.openxmlformats.org/officeDocument/2006/relationships" xmlns:p="http://schemas.openxmlformats.org/presentationml/2006/main" type="objTx" preserve="1">
+  <p:cSld name="Inhalt mit Überschrift">
+    <p:spTree>
+      <p:nvGrpSpPr>
+        <p:cNvPr id="1" name=""/>
+        <p:cNvGrpSpPr/>
+        <p:nvPr/>
+      </p:nvGrpSpPr>
+      <p:grpSpPr>
+        <a:xfrm>
+          <a:off x="0" y="0"/>
+          <a:ext cx="0" cy="0"/>
+          <a:chOff x="0" y="0"/>
+          <a:chExt cx="0" cy="0"/>
+        </a:xfrm>
+      </p:grpSpPr>
+      <p:sp>
+        <p:nvSpPr>
+          <p:cNvPr id="2" name="Titel 1"/>
+          <p:cNvSpPr>
+            <a:spLocks noGrp="1"/>
+          </p:cNvSpPr>
+          <p:nvPr>
+            <p:ph type="title"/>
+          </p:nvPr>
+        </p:nvSpPr>
+        <p:spPr>
+          <a:xfrm>
+            <a:off x="457200" y="273050"/>
+            <a:ext cx="3008313" cy="1162050"/>
+          </a:xfrm>
+        </p:spPr>
+        <p:txBody>
+          <a:bodyPr anchor="b"/>
+          <a:lstStyle>
+            <a:lvl1pPr algn="l">
+              <a:defRPr sz="2000" b="1"/>
+            </a:lvl1pPr>
+          </a:lstStyle>
+          <a:p>
+            <a:r>
+              <a:rPr lang="zh-TW" altLang="en-US"/>
+              <a:t>按一下以編輯母片標題樣式</a:t>
+            </a:r>
+            <a:endParaRPr lang="de-DE"/>
+          </a:p>
+        </p:txBody>
+      </p:sp>
+      <p:sp>
+        <p:nvSpPr>
+          <p:cNvPr id="3" name="Inhaltsplatzhalter 2"/>
+          <p:cNvSpPr>
+            <a:spLocks noGrp="1"/>
+          </p:cNvSpPr>
+          <p:nvPr>
+            <p:ph idx="1"/>
+          </p:nvPr>
+        </p:nvSpPr>
+        <p:spPr>
+          <a:xfrm>
+            <a:off x="3575050" y="273050"/>
+            <a:ext cx="5111750" cy="5853113"/>
+          </a:xfrm>
+        </p:spPr>
+        <p:txBody>
+          <a:bodyPr/>
+          <a:lstStyle>
+            <a:lvl1pPr>
+              <a:defRPr sz="3200"/>
+            </a:lvl1pPr>
+            <a:lvl2pPr>
+              <a:defRPr sz="2800"/>
+            </a:lvl2pPr>
+            <a:lvl3pPr>
+              <a:defRPr sz="2400"/>
+            </a:lvl3pPr>
+            <a:lvl4pPr>
+              <a:defRPr sz="2000"/>
+            </a:lvl4pPr>
+            <a:lvl5pPr>
+              <a:defRPr sz="2000"/>
+            </a:lvl5pPr>
+            <a:lvl6pPr>
+              <a:defRPr sz="2000"/>
+            </a:lvl6pPr>
+            <a:lvl7pPr>
+              <a:defRPr sz="2000"/>
+            </a:lvl7pPr>
+            <a:lvl8pPr>
+              <a:defRPr sz="2000"/>
+            </a:lvl8pPr>
+            <a:lvl9pPr>
+              <a:defRPr sz="2000"/>
+            </a:lvl9pPr>
+          </a:lstStyle>
+          <a:p>
+            <a:pPr lvl="0"/>
+            <a:r>
+              <a:rPr lang="zh-TW" altLang="en-US"/>
+              <a:t>編輯母片文字樣式
+第二層
+第三層
+第四層
+第五層</a:t>
+            </a:r>
+            <a:endParaRPr lang="de-DE"/>
+          </a:p>
+        </p:txBody>
+      </p:sp>
+      <p:sp>
+        <p:nvSpPr>
+          <p:cNvPr id="4" name="Textplatzhalter 3"/>
+          <p:cNvSpPr>
+            <a:spLocks noGrp="1"/>
+          </p:cNvSpPr>
+          <p:nvPr>
+            <p:ph type="body" sz="half" idx="2"/>
+          </p:nvPr>
+        </p:nvSpPr>
+        <p:spPr>
+          <a:xfrm>
+            <a:off x="457200" y="1435100"/>
+            <a:ext cx="3008313" cy="4691063"/>
+          </a:xfrm>
+        </p:spPr>
+        <p:txBody>
+          <a:bodyPr/>
+          <a:lstStyle>
+            <a:lvl1pPr marL="0" indent="0">
+              <a:buNone/>
+              <a:defRPr sz="1400"/>
+            </a:lvl1pPr>
+            <a:lvl2pPr marL="457200" indent="0">
+              <a:buNone/>
+              <a:defRPr sz="1200"/>
+            </a:lvl2pPr>
+            <a:lvl3pPr marL="914400" indent="0">
+              <a:buNone/>
+              <a:defRPr sz="1000"/>
+            </a:lvl3pPr>
+            <a:lvl4pPr marL="1371600" indent="0">
+              <a:buNone/>
+              <a:defRPr sz="900"/>
+            </a:lvl4pPr>
+            <a:lvl5pPr marL="1828800" indent="0">
+              <a:buNone/>
+              <a:defRPr sz="900"/>
+            </a:lvl5pPr>
+            <a:lvl6pPr marL="2286000" indent="0">
+              <a:buNone/>
+              <a:defRPr sz="900"/>
+            </a:lvl6pPr>
+            <a:lvl7pPr marL="2743200" indent="0">
+              <a:buNone/>
+              <a:defRPr sz="900"/>
+            </a:lvl7pPr>
+            <a:lvl8pPr marL="3200400" indent="0">
+              <a:buNone/>
+              <a:defRPr sz="900"/>
+            </a:lvl8pPr>
+            <a:lvl9pPr marL="3657600" indent="0">
+              <a:buNone/>
+              <a:defRPr sz="900"/>
+            </a:lvl9pPr>
+          </a:lstStyle>
+          <a:p>
+            <a:pPr lvl="0"/>
+            <a:r>
+              <a:rPr lang="zh-TW" altLang="en-US"/>
+              <a:t>編輯母片文字樣式
+第二層
+第三層
+第四層
+第五層</a:t>
+            </a:r>
+          </a:p>
+        </p:txBody>
+      </p:sp>
+      <p:sp>
+        <p:nvSpPr>
+          <p:cNvPr id="5" name="Rectangle 5"/>
+          <p:cNvSpPr>
+            <a:spLocks noGrp="1" noChangeArrowheads="1"/>
+          </p:cNvSpPr>
+          <p:nvPr>
+            <p:ph type="ftr" sz="quarter" idx="10"/>
+          </p:nvPr>
+        </p:nvSpPr>
+        <p:spPr>
+          <a:ln/>
+        </p:spPr>
+        <p:txBody>
+          <a:bodyPr/>
+          <a:lstStyle>
+            <a:lvl1pPr>
+              <a:defRPr/>
+            </a:lvl1pPr>
+          </a:lstStyle>
+          <a:p>
+            <a:endParaRPr lang="zh-TW" altLang="en-US"/>
+          </a:p>
+        </p:txBody>
+      </p:sp>
+    </p:spTree>
+    <p:extLst>
+      <p:ext uri="{BB962C8B-B14F-4D97-AF65-F5344CB8AC3E}">
+        <p14:creationId xmlns:p14="http://schemas.microsoft.com/office/powerpoint/2010/main" val="1472263415"/>
+      </p:ext>
+    </p:extLst>
+  </p:cSld>
+  <p:clrMapOvr>
+    <a:masterClrMapping/>
+  </p:clrMapOvr>
+  <p:hf hdr="0" ftr="0" dt="0"/>
 </p:sldLayout>
 </file>
 
@@ -1193,7 +2923,7 @@
           <a:p>
             <a:fld id="{79F468ED-BBB6-484F-96A8-9F193966F384}" type="datetime1">
               <a:rPr lang="zh-TW" altLang="en-US" smtClean="0"/>
-              <a:t>2020/7/23</a:t>
+              <a:t>2021/7/18</a:t>
             </a:fld>
             <a:endParaRPr lang="zh-TW" altLang="en-US"/>
           </a:p>
@@ -1256,6 +2986,621 @@
   <p:clrMapOvr>
     <a:masterClrMapping/>
   </p:clrMapOvr>
+</p:sldLayout>
+</file>
+
+<file path=ppt/slideLayouts/slideLayout20.xml><?xml version="1.0" encoding="utf-8"?>
+<p:sldLayout xmlns:a="http://schemas.openxmlformats.org/drawingml/2006/main" xmlns:r="http://schemas.openxmlformats.org/officeDocument/2006/relationships" xmlns:p="http://schemas.openxmlformats.org/presentationml/2006/main" type="picTx" preserve="1">
+  <p:cSld name="Bild mit Überschrift">
+    <p:spTree>
+      <p:nvGrpSpPr>
+        <p:cNvPr id="1" name=""/>
+        <p:cNvGrpSpPr/>
+        <p:nvPr/>
+      </p:nvGrpSpPr>
+      <p:grpSpPr>
+        <a:xfrm>
+          <a:off x="0" y="0"/>
+          <a:ext cx="0" cy="0"/>
+          <a:chOff x="0" y="0"/>
+          <a:chExt cx="0" cy="0"/>
+        </a:xfrm>
+      </p:grpSpPr>
+      <p:sp>
+        <p:nvSpPr>
+          <p:cNvPr id="2" name="Titel 1"/>
+          <p:cNvSpPr>
+            <a:spLocks noGrp="1"/>
+          </p:cNvSpPr>
+          <p:nvPr>
+            <p:ph type="title"/>
+          </p:nvPr>
+        </p:nvSpPr>
+        <p:spPr>
+          <a:xfrm>
+            <a:off x="1792288" y="4800600"/>
+            <a:ext cx="5486400" cy="566738"/>
+          </a:xfrm>
+        </p:spPr>
+        <p:txBody>
+          <a:bodyPr anchor="b"/>
+          <a:lstStyle>
+            <a:lvl1pPr algn="l">
+              <a:defRPr sz="2000" b="1"/>
+            </a:lvl1pPr>
+          </a:lstStyle>
+          <a:p>
+            <a:r>
+              <a:rPr lang="zh-TW" altLang="en-US"/>
+              <a:t>按一下以編輯母片標題樣式</a:t>
+            </a:r>
+            <a:endParaRPr lang="de-DE"/>
+          </a:p>
+        </p:txBody>
+      </p:sp>
+      <p:sp>
+        <p:nvSpPr>
+          <p:cNvPr id="3" name="Bildplatzhalter 2"/>
+          <p:cNvSpPr>
+            <a:spLocks noGrp="1"/>
+          </p:cNvSpPr>
+          <p:nvPr>
+            <p:ph type="pic" idx="1"/>
+          </p:nvPr>
+        </p:nvSpPr>
+        <p:spPr>
+          <a:xfrm>
+            <a:off x="1792288" y="612775"/>
+            <a:ext cx="5486400" cy="4114800"/>
+          </a:xfrm>
+        </p:spPr>
+        <p:txBody>
+          <a:bodyPr/>
+          <a:lstStyle>
+            <a:lvl1pPr marL="0" indent="0">
+              <a:buNone/>
+              <a:defRPr sz="3200"/>
+            </a:lvl1pPr>
+            <a:lvl2pPr marL="457200" indent="0">
+              <a:buNone/>
+              <a:defRPr sz="2800"/>
+            </a:lvl2pPr>
+            <a:lvl3pPr marL="914400" indent="0">
+              <a:buNone/>
+              <a:defRPr sz="2400"/>
+            </a:lvl3pPr>
+            <a:lvl4pPr marL="1371600" indent="0">
+              <a:buNone/>
+              <a:defRPr sz="2000"/>
+            </a:lvl4pPr>
+            <a:lvl5pPr marL="1828800" indent="0">
+              <a:buNone/>
+              <a:defRPr sz="2000"/>
+            </a:lvl5pPr>
+            <a:lvl6pPr marL="2286000" indent="0">
+              <a:buNone/>
+              <a:defRPr sz="2000"/>
+            </a:lvl6pPr>
+            <a:lvl7pPr marL="2743200" indent="0">
+              <a:buNone/>
+              <a:defRPr sz="2000"/>
+            </a:lvl7pPr>
+            <a:lvl8pPr marL="3200400" indent="0">
+              <a:buNone/>
+              <a:defRPr sz="2000"/>
+            </a:lvl8pPr>
+            <a:lvl9pPr marL="3657600" indent="0">
+              <a:buNone/>
+              <a:defRPr sz="2000"/>
+            </a:lvl9pPr>
+          </a:lstStyle>
+          <a:p>
+            <a:pPr lvl="0"/>
+            <a:r>
+              <a:rPr lang="zh-TW" altLang="en-US" noProof="0"/>
+              <a:t>按一下圖示以新增圖片</a:t>
+            </a:r>
+            <a:endParaRPr lang="de-DE" noProof="0"/>
+          </a:p>
+        </p:txBody>
+      </p:sp>
+      <p:sp>
+        <p:nvSpPr>
+          <p:cNvPr id="4" name="Textplatzhalter 3"/>
+          <p:cNvSpPr>
+            <a:spLocks noGrp="1"/>
+          </p:cNvSpPr>
+          <p:nvPr>
+            <p:ph type="body" sz="half" idx="2"/>
+          </p:nvPr>
+        </p:nvSpPr>
+        <p:spPr>
+          <a:xfrm>
+            <a:off x="1792288" y="5367338"/>
+            <a:ext cx="5486400" cy="804862"/>
+          </a:xfrm>
+        </p:spPr>
+        <p:txBody>
+          <a:bodyPr/>
+          <a:lstStyle>
+            <a:lvl1pPr marL="0" indent="0">
+              <a:buNone/>
+              <a:defRPr sz="1400"/>
+            </a:lvl1pPr>
+            <a:lvl2pPr marL="457200" indent="0">
+              <a:buNone/>
+              <a:defRPr sz="1200"/>
+            </a:lvl2pPr>
+            <a:lvl3pPr marL="914400" indent="0">
+              <a:buNone/>
+              <a:defRPr sz="1000"/>
+            </a:lvl3pPr>
+            <a:lvl4pPr marL="1371600" indent="0">
+              <a:buNone/>
+              <a:defRPr sz="900"/>
+            </a:lvl4pPr>
+            <a:lvl5pPr marL="1828800" indent="0">
+              <a:buNone/>
+              <a:defRPr sz="900"/>
+            </a:lvl5pPr>
+            <a:lvl6pPr marL="2286000" indent="0">
+              <a:buNone/>
+              <a:defRPr sz="900"/>
+            </a:lvl6pPr>
+            <a:lvl7pPr marL="2743200" indent="0">
+              <a:buNone/>
+              <a:defRPr sz="900"/>
+            </a:lvl7pPr>
+            <a:lvl8pPr marL="3200400" indent="0">
+              <a:buNone/>
+              <a:defRPr sz="900"/>
+            </a:lvl8pPr>
+            <a:lvl9pPr marL="3657600" indent="0">
+              <a:buNone/>
+              <a:defRPr sz="900"/>
+            </a:lvl9pPr>
+          </a:lstStyle>
+          <a:p>
+            <a:pPr lvl="0"/>
+            <a:r>
+              <a:rPr lang="zh-TW" altLang="en-US"/>
+              <a:t>編輯母片文字樣式
+第二層
+第三層
+第四層
+第五層</a:t>
+            </a:r>
+          </a:p>
+        </p:txBody>
+      </p:sp>
+      <p:sp>
+        <p:nvSpPr>
+          <p:cNvPr id="5" name="Rectangle 5"/>
+          <p:cNvSpPr>
+            <a:spLocks noGrp="1" noChangeArrowheads="1"/>
+          </p:cNvSpPr>
+          <p:nvPr>
+            <p:ph type="ftr" sz="quarter" idx="10"/>
+          </p:nvPr>
+        </p:nvSpPr>
+        <p:spPr>
+          <a:ln/>
+        </p:spPr>
+        <p:txBody>
+          <a:bodyPr/>
+          <a:lstStyle>
+            <a:lvl1pPr>
+              <a:defRPr/>
+            </a:lvl1pPr>
+          </a:lstStyle>
+          <a:p>
+            <a:endParaRPr lang="zh-TW" altLang="en-US"/>
+          </a:p>
+        </p:txBody>
+      </p:sp>
+    </p:spTree>
+    <p:extLst>
+      <p:ext uri="{BB962C8B-B14F-4D97-AF65-F5344CB8AC3E}">
+        <p14:creationId xmlns:p14="http://schemas.microsoft.com/office/powerpoint/2010/main" val="892760458"/>
+      </p:ext>
+    </p:extLst>
+  </p:cSld>
+  <p:clrMapOvr>
+    <a:masterClrMapping/>
+  </p:clrMapOvr>
+  <p:hf hdr="0" ftr="0" dt="0"/>
+</p:sldLayout>
+</file>
+
+<file path=ppt/slideLayouts/slideLayout21.xml><?xml version="1.0" encoding="utf-8"?>
+<p:sldLayout xmlns:a="http://schemas.openxmlformats.org/drawingml/2006/main" xmlns:r="http://schemas.openxmlformats.org/officeDocument/2006/relationships" xmlns:p="http://schemas.openxmlformats.org/presentationml/2006/main" type="vertTx" preserve="1">
+  <p:cSld name="Titel und vertikaler Text">
+    <p:spTree>
+      <p:nvGrpSpPr>
+        <p:cNvPr id="1" name=""/>
+        <p:cNvGrpSpPr/>
+        <p:nvPr/>
+      </p:nvGrpSpPr>
+      <p:grpSpPr>
+        <a:xfrm>
+          <a:off x="0" y="0"/>
+          <a:ext cx="0" cy="0"/>
+          <a:chOff x="0" y="0"/>
+          <a:chExt cx="0" cy="0"/>
+        </a:xfrm>
+      </p:grpSpPr>
+      <p:sp>
+        <p:nvSpPr>
+          <p:cNvPr id="2" name="Titel 1"/>
+          <p:cNvSpPr>
+            <a:spLocks noGrp="1"/>
+          </p:cNvSpPr>
+          <p:nvPr>
+            <p:ph type="title"/>
+          </p:nvPr>
+        </p:nvSpPr>
+        <p:spPr/>
+        <p:txBody>
+          <a:bodyPr/>
+          <a:lstStyle/>
+          <a:p>
+            <a:r>
+              <a:rPr lang="zh-TW" altLang="en-US"/>
+              <a:t>按一下以編輯母片標題樣式</a:t>
+            </a:r>
+            <a:endParaRPr lang="de-DE"/>
+          </a:p>
+        </p:txBody>
+      </p:sp>
+      <p:sp>
+        <p:nvSpPr>
+          <p:cNvPr id="3" name="Vertikaler Textplatzhalter 2"/>
+          <p:cNvSpPr>
+            <a:spLocks noGrp="1"/>
+          </p:cNvSpPr>
+          <p:nvPr>
+            <p:ph type="body" orient="vert" idx="1"/>
+          </p:nvPr>
+        </p:nvSpPr>
+        <p:spPr/>
+        <p:txBody>
+          <a:bodyPr vert="eaVert"/>
+          <a:lstStyle/>
+          <a:p>
+            <a:pPr lvl="0"/>
+            <a:r>
+              <a:rPr lang="zh-TW" altLang="en-US"/>
+              <a:t>編輯母片文字樣式
+第二層
+第三層
+第四層
+第五層</a:t>
+            </a:r>
+            <a:endParaRPr lang="de-DE"/>
+          </a:p>
+        </p:txBody>
+      </p:sp>
+      <p:sp>
+        <p:nvSpPr>
+          <p:cNvPr id="4" name="Rectangle 5"/>
+          <p:cNvSpPr>
+            <a:spLocks noGrp="1" noChangeArrowheads="1"/>
+          </p:cNvSpPr>
+          <p:nvPr>
+            <p:ph type="ftr" sz="quarter" idx="10"/>
+          </p:nvPr>
+        </p:nvSpPr>
+        <p:spPr>
+          <a:ln/>
+        </p:spPr>
+        <p:txBody>
+          <a:bodyPr/>
+          <a:lstStyle>
+            <a:lvl1pPr>
+              <a:defRPr/>
+            </a:lvl1pPr>
+          </a:lstStyle>
+          <a:p>
+            <a:endParaRPr lang="zh-TW" altLang="en-US"/>
+          </a:p>
+        </p:txBody>
+      </p:sp>
+    </p:spTree>
+    <p:extLst>
+      <p:ext uri="{BB962C8B-B14F-4D97-AF65-F5344CB8AC3E}">
+        <p14:creationId xmlns:p14="http://schemas.microsoft.com/office/powerpoint/2010/main" val="2427439806"/>
+      </p:ext>
+    </p:extLst>
+  </p:cSld>
+  <p:clrMapOvr>
+    <a:masterClrMapping/>
+  </p:clrMapOvr>
+  <p:hf hdr="0" ftr="0" dt="0"/>
+</p:sldLayout>
+</file>
+
+<file path=ppt/slideLayouts/slideLayout22.xml><?xml version="1.0" encoding="utf-8"?>
+<p:sldLayout xmlns:a="http://schemas.openxmlformats.org/drawingml/2006/main" xmlns:r="http://schemas.openxmlformats.org/officeDocument/2006/relationships" xmlns:p="http://schemas.openxmlformats.org/presentationml/2006/main" type="vertTitleAndTx" preserve="1">
+  <p:cSld name="Vertikaler Titel und Text">
+    <p:spTree>
+      <p:nvGrpSpPr>
+        <p:cNvPr id="1" name=""/>
+        <p:cNvGrpSpPr/>
+        <p:nvPr/>
+      </p:nvGrpSpPr>
+      <p:grpSpPr>
+        <a:xfrm>
+          <a:off x="0" y="0"/>
+          <a:ext cx="0" cy="0"/>
+          <a:chOff x="0" y="0"/>
+          <a:chExt cx="0" cy="0"/>
+        </a:xfrm>
+      </p:grpSpPr>
+      <p:sp>
+        <p:nvSpPr>
+          <p:cNvPr id="2" name="Vertikaler Titel 1"/>
+          <p:cNvSpPr>
+            <a:spLocks noGrp="1"/>
+          </p:cNvSpPr>
+          <p:nvPr>
+            <p:ph type="title" orient="vert"/>
+          </p:nvPr>
+        </p:nvSpPr>
+        <p:spPr>
+          <a:xfrm>
+            <a:off x="6689725" y="347663"/>
+            <a:ext cx="2130425" cy="5454650"/>
+          </a:xfrm>
+        </p:spPr>
+        <p:txBody>
+          <a:bodyPr vert="eaVert"/>
+          <a:lstStyle/>
+          <a:p>
+            <a:r>
+              <a:rPr lang="zh-TW" altLang="en-US"/>
+              <a:t>按一下以編輯母片標題樣式</a:t>
+            </a:r>
+            <a:endParaRPr lang="de-DE"/>
+          </a:p>
+        </p:txBody>
+      </p:sp>
+      <p:sp>
+        <p:nvSpPr>
+          <p:cNvPr id="3" name="Vertikaler Textplatzhalter 2"/>
+          <p:cNvSpPr>
+            <a:spLocks noGrp="1"/>
+          </p:cNvSpPr>
+          <p:nvPr>
+            <p:ph type="body" orient="vert" idx="1"/>
+          </p:nvPr>
+        </p:nvSpPr>
+        <p:spPr>
+          <a:xfrm>
+            <a:off x="295275" y="347663"/>
+            <a:ext cx="6242050" cy="5454650"/>
+          </a:xfrm>
+        </p:spPr>
+        <p:txBody>
+          <a:bodyPr vert="eaVert"/>
+          <a:lstStyle/>
+          <a:p>
+            <a:pPr lvl="0"/>
+            <a:r>
+              <a:rPr lang="zh-TW" altLang="en-US"/>
+              <a:t>編輯母片文字樣式
+第二層
+第三層
+第四層
+第五層</a:t>
+            </a:r>
+            <a:endParaRPr lang="de-DE"/>
+          </a:p>
+        </p:txBody>
+      </p:sp>
+      <p:sp>
+        <p:nvSpPr>
+          <p:cNvPr id="4" name="Rectangle 5"/>
+          <p:cNvSpPr>
+            <a:spLocks noGrp="1" noChangeArrowheads="1"/>
+          </p:cNvSpPr>
+          <p:nvPr>
+            <p:ph type="ftr" sz="quarter" idx="10"/>
+          </p:nvPr>
+        </p:nvSpPr>
+        <p:spPr>
+          <a:ln/>
+        </p:spPr>
+        <p:txBody>
+          <a:bodyPr/>
+          <a:lstStyle>
+            <a:lvl1pPr>
+              <a:defRPr/>
+            </a:lvl1pPr>
+          </a:lstStyle>
+          <a:p>
+            <a:endParaRPr lang="zh-TW" altLang="en-US"/>
+          </a:p>
+        </p:txBody>
+      </p:sp>
+    </p:spTree>
+    <p:extLst>
+      <p:ext uri="{BB962C8B-B14F-4D97-AF65-F5344CB8AC3E}">
+        <p14:creationId xmlns:p14="http://schemas.microsoft.com/office/powerpoint/2010/main" val="309959304"/>
+      </p:ext>
+    </p:extLst>
+  </p:cSld>
+  <p:clrMapOvr>
+    <a:masterClrMapping/>
+  </p:clrMapOvr>
+  <p:hf hdr="0" ftr="0" dt="0"/>
+</p:sldLayout>
+</file>
+
+<file path=ppt/slideLayouts/slideLayout23.xml><?xml version="1.0" encoding="utf-8"?>
+<p:sldLayout xmlns:a="http://schemas.openxmlformats.org/drawingml/2006/main" xmlns:r="http://schemas.openxmlformats.org/officeDocument/2006/relationships" xmlns:p="http://schemas.openxmlformats.org/presentationml/2006/main" showMasterSp="0" type="title">
+  <p:cSld name="1_Titelfolie">
+    <p:bg>
+      <p:bgPr>
+        <a:blipFill dpi="0" rotWithShape="0">
+          <a:blip r:embed="rId2" cstate="print"/>
+          <a:srcRect/>
+          <a:stretch>
+            <a:fillRect/>
+          </a:stretch>
+        </a:blipFill>
+        <a:effectLst/>
+      </p:bgPr>
+    </p:bg>
+    <p:spTree>
+      <p:nvGrpSpPr>
+        <p:cNvPr id="1" name=""/>
+        <p:cNvGrpSpPr/>
+        <p:nvPr/>
+      </p:nvGrpSpPr>
+      <p:grpSpPr>
+        <a:xfrm>
+          <a:off x="0" y="0"/>
+          <a:ext cx="0" cy="0"/>
+          <a:chOff x="0" y="0"/>
+          <a:chExt cx="0" cy="0"/>
+        </a:xfrm>
+      </p:grpSpPr>
+      <p:sp>
+        <p:nvSpPr>
+          <p:cNvPr id="111631" name="Rectangle 7"/>
+          <p:cNvSpPr>
+            <a:spLocks noGrp="1" noChangeArrowheads="1"/>
+          </p:cNvSpPr>
+          <p:nvPr>
+            <p:ph type="ctrTitle"/>
+          </p:nvPr>
+        </p:nvSpPr>
+        <p:spPr>
+          <a:xfrm>
+            <a:off x="903288" y="3867150"/>
+            <a:ext cx="7485062" cy="1081088"/>
+          </a:xfrm>
+        </p:spPr>
+        <p:txBody>
+          <a:bodyPr anchor="b"/>
+          <a:lstStyle>
+            <a:lvl1pPr>
+              <a:lnSpc>
+                <a:spcPct val="110000"/>
+              </a:lnSpc>
+              <a:defRPr sz="3200">
+                <a:solidFill>
+                  <a:schemeClr val="tx1"/>
+                </a:solidFill>
+              </a:defRPr>
+            </a:lvl1pPr>
+          </a:lstStyle>
+          <a:p>
+            <a:r>
+              <a:rPr lang="zh-TW" altLang="en-US"/>
+              <a:t>按一下以編輯母片標題樣式</a:t>
+            </a:r>
+            <a:endParaRPr lang="de-DE" dirty="0"/>
+          </a:p>
+        </p:txBody>
+      </p:sp>
+      <p:sp>
+        <p:nvSpPr>
+          <p:cNvPr id="111632" name="Rectangle 12"/>
+          <p:cNvSpPr>
+            <a:spLocks noGrp="1" noChangeArrowheads="1"/>
+          </p:cNvSpPr>
+          <p:nvPr>
+            <p:ph type="subTitle" idx="1" hasCustomPrompt="1"/>
+          </p:nvPr>
+        </p:nvSpPr>
+        <p:spPr bwMode="gray">
+          <a:xfrm>
+            <a:off x="903288" y="4943474"/>
+            <a:ext cx="7510462" cy="1077813"/>
+          </a:xfrm>
+        </p:spPr>
+        <p:txBody>
+          <a:bodyPr tIns="45720" bIns="45720"/>
+          <a:lstStyle>
+            <a:lvl1pPr marL="0" indent="0">
+              <a:buFont typeface="Wingdings" pitchFamily="2" charset="2"/>
+              <a:buNone/>
+              <a:defRPr sz="2400"/>
+            </a:lvl1pPr>
+          </a:lstStyle>
+          <a:p>
+            <a:r>
+              <a:rPr lang="en-US" altLang="zh-TW" sz="1800" b="1" dirty="0">
+                <a:solidFill>
+                  <a:schemeClr val="tx1"/>
+                </a:solidFill>
+              </a:rPr>
+              <a:t>Speaker :  </a:t>
+            </a:r>
+          </a:p>
+          <a:p>
+            <a:r>
+              <a:rPr lang="en-US" altLang="zh-TW" sz="1800" b="1" dirty="0">
+                <a:solidFill>
+                  <a:schemeClr val="tx1"/>
+                </a:solidFill>
+              </a:rPr>
+              <a:t>Advisor :  Yi-Chang Lu</a:t>
+            </a:r>
+          </a:p>
+          <a:p>
+            <a:r>
+              <a:rPr lang="en-US" altLang="zh-TW" sz="1800" b="1" dirty="0"/>
+              <a:t>Date :   20XX.XX.XX</a:t>
+            </a:r>
+            <a:endParaRPr lang="de-DE" dirty="0"/>
+          </a:p>
+        </p:txBody>
+      </p:sp>
+      <p:sp>
+        <p:nvSpPr>
+          <p:cNvPr id="4" name="Rectangle 5"/>
+          <p:cNvSpPr>
+            <a:spLocks noGrp="1" noChangeArrowheads="1"/>
+          </p:cNvSpPr>
+          <p:nvPr>
+            <p:ph type="ftr" sz="quarter" idx="10"/>
+          </p:nvPr>
+        </p:nvSpPr>
+        <p:spPr>
+          <a:xfrm>
+            <a:off x="3124200" y="6245225"/>
+            <a:ext cx="2895600" cy="476250"/>
+          </a:xfrm>
+        </p:spPr>
+        <p:txBody>
+          <a:bodyPr/>
+          <a:lstStyle>
+            <a:lvl1pPr>
+              <a:defRPr>
+                <a:solidFill>
+                  <a:schemeClr val="tx1"/>
+                </a:solidFill>
+              </a:defRPr>
+            </a:lvl1pPr>
+          </a:lstStyle>
+          <a:p>
+            <a:endParaRPr lang="zh-TW" altLang="en-US"/>
+          </a:p>
+        </p:txBody>
+      </p:sp>
+    </p:spTree>
+    <p:extLst>
+      <p:ext uri="{BB962C8B-B14F-4D97-AF65-F5344CB8AC3E}">
+        <p14:creationId xmlns:p14="http://schemas.microsoft.com/office/powerpoint/2010/main" val="565623113"/>
+      </p:ext>
+    </p:extLst>
+  </p:cSld>
+  <p:clrMapOvr>
+    <a:masterClrMapping/>
+  </p:clrMapOvr>
+  <p:hf hdr="0" ftr="0" dt="0"/>
 </p:sldLayout>
 </file>
 
@@ -1442,7 +3787,7 @@
           <a:p>
             <a:fld id="{08700E8E-B8BB-4A86-94C2-39EFE1E3120D}" type="datetime1">
               <a:rPr lang="zh-TW" altLang="en-US" smtClean="0"/>
-              <a:t>2020/7/23</a:t>
+              <a:t>2021/7/18</a:t>
             </a:fld>
             <a:endParaRPr lang="zh-TW" altLang="en-US"/>
           </a:p>
@@ -1674,7 +4019,7 @@
           <a:p>
             <a:fld id="{682D0EBE-5F3F-4CDC-8032-86B79F8BAE1A}" type="datetime1">
               <a:rPr lang="zh-TW" altLang="en-US" smtClean="0"/>
-              <a:t>2020/7/23</a:t>
+              <a:t>2021/7/18</a:t>
             </a:fld>
             <a:endParaRPr lang="zh-TW" altLang="en-US"/>
           </a:p>
@@ -2041,7 +4386,7 @@
           <a:p>
             <a:fld id="{E88BE1BC-6EBD-4729-90C3-C54D242C0731}" type="datetime1">
               <a:rPr lang="zh-TW" altLang="en-US" smtClean="0"/>
-              <a:t>2020/7/23</a:t>
+              <a:t>2021/7/18</a:t>
             </a:fld>
             <a:endParaRPr lang="zh-TW" altLang="en-US"/>
           </a:p>
@@ -2159,7 +4504,7 @@
           <a:p>
             <a:fld id="{E80DB9FA-5805-486C-AB47-2C4FD4D66D91}" type="datetime1">
               <a:rPr lang="zh-TW" altLang="en-US" smtClean="0"/>
-              <a:t>2020/7/23</a:t>
+              <a:t>2021/7/18</a:t>
             </a:fld>
             <a:endParaRPr lang="zh-TW" altLang="en-US"/>
           </a:p>
@@ -2254,7 +4599,7 @@
           <a:p>
             <a:fld id="{7FA7B607-87A2-49FF-8B6C-4EFDFD88BDAC}" type="datetime1">
               <a:rPr lang="zh-TW" altLang="en-US" smtClean="0"/>
-              <a:t>2020/7/23</a:t>
+              <a:t>2021/7/18</a:t>
             </a:fld>
             <a:endParaRPr lang="zh-TW" altLang="en-US"/>
           </a:p>
@@ -2531,7 +4876,7 @@
           <a:p>
             <a:fld id="{3B32B5A9-BB23-441C-8597-AAEEC7F36E5A}" type="datetime1">
               <a:rPr lang="zh-TW" altLang="en-US" smtClean="0"/>
-              <a:t>2020/7/23</a:t>
+              <a:t>2021/7/18</a:t>
             </a:fld>
             <a:endParaRPr lang="zh-TW" altLang="en-US"/>
           </a:p>
@@ -2788,7 +5133,7 @@
           <a:p>
             <a:fld id="{E9E880F8-3A22-4850-B83F-31DCEEE833F4}" type="datetime1">
               <a:rPr lang="zh-TW" altLang="en-US" smtClean="0"/>
-              <a:t>2020/7/23</a:t>
+              <a:t>2021/7/18</a:t>
             </a:fld>
             <a:endParaRPr lang="zh-TW" altLang="en-US"/>
           </a:p>
@@ -3001,7 +5346,7 @@
           <a:p>
             <a:fld id="{E767D42C-A4B8-4A5B-80FD-5F66FA763479}" type="datetime1">
               <a:rPr lang="zh-TW" altLang="en-US" smtClean="0"/>
-              <a:t>2020/7/23</a:t>
+              <a:t>2021/7/18</a:t>
             </a:fld>
             <a:endParaRPr lang="zh-TW" altLang="en-US"/>
           </a:p>
@@ -3390,6 +5735,702 @@
 </p:sldMaster>
 </file>
 
+<file path=ppt/slideMasters/slideMaster2.xml><?xml version="1.0" encoding="utf-8"?>
+<p:sldMaster xmlns:a="http://schemas.openxmlformats.org/drawingml/2006/main" xmlns:r="http://schemas.openxmlformats.org/officeDocument/2006/relationships" xmlns:p="http://schemas.openxmlformats.org/presentationml/2006/main">
+  <p:cSld>
+    <p:bg>
+      <p:bgPr>
+        <a:blipFill dpi="0" rotWithShape="0">
+          <a:blip r:embed="rId14"/>
+          <a:srcRect/>
+          <a:stretch>
+            <a:fillRect/>
+          </a:stretch>
+        </a:blipFill>
+        <a:effectLst/>
+      </p:bgPr>
+    </p:bg>
+    <p:spTree>
+      <p:nvGrpSpPr>
+        <p:cNvPr id="1" name=""/>
+        <p:cNvGrpSpPr/>
+        <p:nvPr/>
+      </p:nvGrpSpPr>
+      <p:grpSpPr>
+        <a:xfrm>
+          <a:off x="0" y="0"/>
+          <a:ext cx="0" cy="0"/>
+          <a:chOff x="0" y="0"/>
+          <a:chExt cx="0" cy="0"/>
+        </a:xfrm>
+      </p:grpSpPr>
+      <p:sp>
+        <p:nvSpPr>
+          <p:cNvPr id="1026" name="Rectangle 3"/>
+          <p:cNvSpPr>
+            <a:spLocks noGrp="1" noChangeArrowheads="1"/>
+          </p:cNvSpPr>
+          <p:nvPr>
+            <p:ph type="body" idx="1"/>
+          </p:nvPr>
+        </p:nvSpPr>
+        <p:spPr bwMode="auto">
+          <a:xfrm>
+            <a:off x="295275" y="1489075"/>
+            <a:ext cx="8524875" cy="4313238"/>
+          </a:xfrm>
+          <a:prstGeom prst="rect">
+            <a:avLst/>
+          </a:prstGeom>
+          <a:noFill/>
+          <a:ln>
+            <a:noFill/>
+          </a:ln>
+          <a:extLst>
+            <a:ext uri="{909E8E84-426E-40DD-AFC4-6F175D3DCCD1}">
+              <a14:hiddenFill xmlns:a14="http://schemas.microsoft.com/office/drawing/2010/main">
+                <a:solidFill>
+                  <a:srgbClr val="FFFFFF"/>
+                </a:solidFill>
+              </a14:hiddenFill>
+            </a:ext>
+            <a:ext uri="{91240B29-F687-4F45-9708-019B960494DF}">
+              <a14:hiddenLine xmlns:a14="http://schemas.microsoft.com/office/drawing/2010/main" w="9525">
+                <a:solidFill>
+                  <a:srgbClr val="000000"/>
+                </a:solidFill>
+                <a:miter lim="800000"/>
+                <a:headEnd/>
+                <a:tailEnd/>
+              </a14:hiddenLine>
+            </a:ext>
+          </a:extLst>
+        </p:spPr>
+        <p:txBody>
+          <a:bodyPr vert="horz" wrap="square" lIns="0" tIns="0" rIns="0" bIns="0" numCol="1" anchor="t" anchorCtr="0" compatLnSpc="1">
+            <a:prstTxWarp prst="textNoShape">
+              <a:avLst/>
+            </a:prstTxWarp>
+          </a:bodyPr>
+          <a:lstStyle/>
+          <a:p>
+            <a:pPr lvl="0"/>
+            <a:r>
+              <a:rPr lang="de-DE" dirty="0"/>
+              <a:t>Textmasterformate durch Klicken bearbeiten</a:t>
+            </a:r>
+          </a:p>
+          <a:p>
+            <a:pPr lvl="1"/>
+            <a:r>
+              <a:rPr lang="de-DE" dirty="0"/>
+              <a:t>Zweite Ebene</a:t>
+            </a:r>
+          </a:p>
+          <a:p>
+            <a:pPr lvl="2"/>
+            <a:r>
+              <a:rPr lang="de-DE" dirty="0"/>
+              <a:t>Dritte Ebene</a:t>
+            </a:r>
+          </a:p>
+          <a:p>
+            <a:pPr lvl="3"/>
+            <a:r>
+              <a:rPr lang="de-DE" dirty="0"/>
+              <a:t>Vierte Ebene</a:t>
+            </a:r>
+          </a:p>
+          <a:p>
+            <a:pPr lvl="4"/>
+            <a:r>
+              <a:rPr lang="de-DE" dirty="0"/>
+              <a:t>Fünfte Ebene</a:t>
+            </a:r>
+          </a:p>
+        </p:txBody>
+      </p:sp>
+      <p:sp>
+        <p:nvSpPr>
+          <p:cNvPr id="110595" name="Rectangle 5"/>
+          <p:cNvSpPr>
+            <a:spLocks noGrp="1" noChangeArrowheads="1"/>
+          </p:cNvSpPr>
+          <p:nvPr>
+            <p:ph type="ftr" sz="quarter" idx="3"/>
+          </p:nvPr>
+        </p:nvSpPr>
+        <p:spPr bwMode="gray">
+          <a:xfrm>
+            <a:off x="3124200" y="6365875"/>
+            <a:ext cx="2895600" cy="247650"/>
+          </a:xfrm>
+          <a:prstGeom prst="rect">
+            <a:avLst/>
+          </a:prstGeom>
+          <a:noFill/>
+          <a:ln w="9525">
+            <a:noFill/>
+            <a:miter lim="800000"/>
+            <a:headEnd/>
+            <a:tailEnd/>
+          </a:ln>
+        </p:spPr>
+        <p:txBody>
+          <a:bodyPr vert="horz" wrap="square" lIns="91440" tIns="45720" rIns="91440" bIns="45720" numCol="1" anchor="t" anchorCtr="0" compatLnSpc="1">
+            <a:prstTxWarp prst="textNoShape">
+              <a:avLst/>
+            </a:prstTxWarp>
+          </a:bodyPr>
+          <a:lstStyle>
+            <a:lvl1pPr algn="ctr">
+              <a:defRPr sz="1000" noProof="1">
+                <a:solidFill>
+                  <a:schemeClr val="bg1"/>
+                </a:solidFill>
+              </a:defRPr>
+            </a:lvl1pPr>
+          </a:lstStyle>
+          <a:p>
+            <a:endParaRPr lang="zh-TW" altLang="en-US"/>
+          </a:p>
+        </p:txBody>
+      </p:sp>
+      <p:sp>
+        <p:nvSpPr>
+          <p:cNvPr id="110597" name="Rectangle 5"/>
+          <p:cNvSpPr>
+            <a:spLocks noChangeArrowheads="1"/>
+          </p:cNvSpPr>
+          <p:nvPr/>
+        </p:nvSpPr>
+        <p:spPr bwMode="gray">
+          <a:xfrm>
+            <a:off x="219075" y="6365875"/>
+            <a:ext cx="1343025" cy="247650"/>
+          </a:xfrm>
+          <a:prstGeom prst="rect">
+            <a:avLst/>
+          </a:prstGeom>
+          <a:noFill/>
+          <a:ln w="9525">
+            <a:noFill/>
+            <a:miter lim="800000"/>
+            <a:headEnd/>
+            <a:tailEnd/>
+          </a:ln>
+        </p:spPr>
+        <p:txBody>
+          <a:bodyPr/>
+          <a:lstStyle/>
+          <a:p>
+            <a:fld id="{42E8E65C-C670-4AAA-BBD1-CE03683B1CDF}" type="slidenum">
+              <a:rPr lang="de-DE" sz="1000" smtClean="0"/>
+              <a:pPr/>
+              <a:t>‹#›</a:t>
+            </a:fld>
+            <a:endParaRPr lang="de-DE" sz="1000" dirty="0"/>
+          </a:p>
+        </p:txBody>
+      </p:sp>
+      <p:sp>
+        <p:nvSpPr>
+          <p:cNvPr id="1029" name="Rectangle 7"/>
+          <p:cNvSpPr>
+            <a:spLocks noGrp="1" noChangeArrowheads="1"/>
+          </p:cNvSpPr>
+          <p:nvPr>
+            <p:ph type="title"/>
+          </p:nvPr>
+        </p:nvSpPr>
+        <p:spPr bwMode="gray">
+          <a:xfrm>
+            <a:off x="300038" y="347663"/>
+            <a:ext cx="8520112" cy="647700"/>
+          </a:xfrm>
+          <a:prstGeom prst="rect">
+            <a:avLst/>
+          </a:prstGeom>
+          <a:noFill/>
+          <a:ln>
+            <a:noFill/>
+          </a:ln>
+          <a:extLst>
+            <a:ext uri="{909E8E84-426E-40DD-AFC4-6F175D3DCCD1}">
+              <a14:hiddenFill xmlns:a14="http://schemas.microsoft.com/office/drawing/2010/main">
+                <a:solidFill>
+                  <a:srgbClr val="FFFFFF"/>
+                </a:solidFill>
+              </a14:hiddenFill>
+            </a:ext>
+            <a:ext uri="{91240B29-F687-4F45-9708-019B960494DF}">
+              <a14:hiddenLine xmlns:a14="http://schemas.microsoft.com/office/drawing/2010/main" w="9525">
+                <a:solidFill>
+                  <a:srgbClr val="000000"/>
+                </a:solidFill>
+                <a:miter lim="800000"/>
+                <a:headEnd/>
+                <a:tailEnd/>
+              </a14:hiddenLine>
+            </a:ext>
+          </a:extLst>
+        </p:spPr>
+        <p:txBody>
+          <a:bodyPr vert="horz" wrap="square" lIns="0" tIns="45720" rIns="0" bIns="45720" numCol="1" anchor="t" anchorCtr="0" compatLnSpc="1">
+            <a:prstTxWarp prst="textNoShape">
+              <a:avLst/>
+            </a:prstTxWarp>
+          </a:bodyPr>
+          <a:lstStyle/>
+          <a:p>
+            <a:pPr lvl="0"/>
+            <a:r>
+              <a:rPr lang="de-DE" dirty="0"/>
+              <a:t>Klicken Sie, um das Titelformat zu bearbeiten</a:t>
+            </a:r>
+          </a:p>
+        </p:txBody>
+      </p:sp>
+    </p:spTree>
+    <p:extLst>
+      <p:ext uri="{BB962C8B-B14F-4D97-AF65-F5344CB8AC3E}">
+        <p14:creationId xmlns:p14="http://schemas.microsoft.com/office/powerpoint/2010/main" val="2717473362"/>
+      </p:ext>
+    </p:extLst>
+  </p:cSld>
+  <p:clrMap bg1="lt1" tx1="dk1" bg2="lt2" tx2="dk2" accent1="accent1" accent2="accent2" accent3="accent3" accent4="accent4" accent5="accent5" accent6="accent6" hlink="hlink" folHlink="folHlink"/>
+  <p:sldLayoutIdLst>
+    <p:sldLayoutId id="2147483673" r:id="rId1"/>
+    <p:sldLayoutId id="2147483674" r:id="rId2"/>
+    <p:sldLayoutId id="2147483675" r:id="rId3"/>
+    <p:sldLayoutId id="2147483676" r:id="rId4"/>
+    <p:sldLayoutId id="2147483677" r:id="rId5"/>
+    <p:sldLayoutId id="2147483678" r:id="rId6"/>
+    <p:sldLayoutId id="2147483679" r:id="rId7"/>
+    <p:sldLayoutId id="2147483680" r:id="rId8"/>
+    <p:sldLayoutId id="2147483681" r:id="rId9"/>
+    <p:sldLayoutId id="2147483682" r:id="rId10"/>
+    <p:sldLayoutId id="2147483683" r:id="rId11"/>
+    <p:sldLayoutId id="2147483684" r:id="rId12"/>
+  </p:sldLayoutIdLst>
+  <p:hf hdr="0" ftr="0" dt="0"/>
+  <p:txStyles>
+    <p:titleStyle>
+      <a:lvl1pPr algn="l" rtl="0" eaLnBrk="1" fontAlgn="base" hangingPunct="1">
+        <a:lnSpc>
+          <a:spcPct val="90000"/>
+        </a:lnSpc>
+        <a:spcBef>
+          <a:spcPct val="0"/>
+        </a:spcBef>
+        <a:spcAft>
+          <a:spcPct val="0"/>
+        </a:spcAft>
+        <a:defRPr sz="2600" b="1" baseline="0">
+          <a:solidFill>
+            <a:schemeClr val="tx1"/>
+          </a:solidFill>
+          <a:latin typeface="Times New Roman" pitchFamily="18" charset="0"/>
+          <a:ea typeface="微軟正黑體" pitchFamily="34" charset="-120"/>
+          <a:cs typeface="+mj-cs"/>
+        </a:defRPr>
+      </a:lvl1pPr>
+      <a:lvl2pPr algn="l" rtl="0" eaLnBrk="1" fontAlgn="base" hangingPunct="1">
+        <a:lnSpc>
+          <a:spcPct val="90000"/>
+        </a:lnSpc>
+        <a:spcBef>
+          <a:spcPct val="0"/>
+        </a:spcBef>
+        <a:spcAft>
+          <a:spcPct val="0"/>
+        </a:spcAft>
+        <a:defRPr sz="2600" b="1">
+          <a:solidFill>
+            <a:schemeClr val="tx1"/>
+          </a:solidFill>
+          <a:latin typeface="Arial" charset="0"/>
+          <a:cs typeface="Arial" charset="0"/>
+        </a:defRPr>
+      </a:lvl2pPr>
+      <a:lvl3pPr algn="l" rtl="0" eaLnBrk="1" fontAlgn="base" hangingPunct="1">
+        <a:lnSpc>
+          <a:spcPct val="90000"/>
+        </a:lnSpc>
+        <a:spcBef>
+          <a:spcPct val="0"/>
+        </a:spcBef>
+        <a:spcAft>
+          <a:spcPct val="0"/>
+        </a:spcAft>
+        <a:defRPr sz="2600" b="1">
+          <a:solidFill>
+            <a:schemeClr val="tx1"/>
+          </a:solidFill>
+          <a:latin typeface="Arial" charset="0"/>
+          <a:cs typeface="Arial" charset="0"/>
+        </a:defRPr>
+      </a:lvl3pPr>
+      <a:lvl4pPr algn="l" rtl="0" eaLnBrk="1" fontAlgn="base" hangingPunct="1">
+        <a:lnSpc>
+          <a:spcPct val="90000"/>
+        </a:lnSpc>
+        <a:spcBef>
+          <a:spcPct val="0"/>
+        </a:spcBef>
+        <a:spcAft>
+          <a:spcPct val="0"/>
+        </a:spcAft>
+        <a:defRPr sz="2600" b="1">
+          <a:solidFill>
+            <a:schemeClr val="tx1"/>
+          </a:solidFill>
+          <a:latin typeface="Arial" charset="0"/>
+          <a:cs typeface="Arial" charset="0"/>
+        </a:defRPr>
+      </a:lvl4pPr>
+      <a:lvl5pPr algn="l" rtl="0" eaLnBrk="1" fontAlgn="base" hangingPunct="1">
+        <a:lnSpc>
+          <a:spcPct val="90000"/>
+        </a:lnSpc>
+        <a:spcBef>
+          <a:spcPct val="0"/>
+        </a:spcBef>
+        <a:spcAft>
+          <a:spcPct val="0"/>
+        </a:spcAft>
+        <a:defRPr sz="2600" b="1">
+          <a:solidFill>
+            <a:schemeClr val="tx1"/>
+          </a:solidFill>
+          <a:latin typeface="Arial" charset="0"/>
+          <a:cs typeface="Arial" charset="0"/>
+        </a:defRPr>
+      </a:lvl5pPr>
+      <a:lvl6pPr marL="457200" algn="l" rtl="0" eaLnBrk="1" fontAlgn="base" hangingPunct="1">
+        <a:lnSpc>
+          <a:spcPct val="90000"/>
+        </a:lnSpc>
+        <a:spcBef>
+          <a:spcPct val="0"/>
+        </a:spcBef>
+        <a:spcAft>
+          <a:spcPct val="0"/>
+        </a:spcAft>
+        <a:defRPr sz="2600" b="1">
+          <a:solidFill>
+            <a:schemeClr val="tx1"/>
+          </a:solidFill>
+          <a:latin typeface="Arial" charset="0"/>
+          <a:cs typeface="Arial" charset="0"/>
+        </a:defRPr>
+      </a:lvl6pPr>
+      <a:lvl7pPr marL="914400" algn="l" rtl="0" eaLnBrk="1" fontAlgn="base" hangingPunct="1">
+        <a:lnSpc>
+          <a:spcPct val="90000"/>
+        </a:lnSpc>
+        <a:spcBef>
+          <a:spcPct val="0"/>
+        </a:spcBef>
+        <a:spcAft>
+          <a:spcPct val="0"/>
+        </a:spcAft>
+        <a:defRPr sz="2600" b="1">
+          <a:solidFill>
+            <a:schemeClr val="tx1"/>
+          </a:solidFill>
+          <a:latin typeface="Arial" charset="0"/>
+          <a:cs typeface="Arial" charset="0"/>
+        </a:defRPr>
+      </a:lvl7pPr>
+      <a:lvl8pPr marL="1371600" algn="l" rtl="0" eaLnBrk="1" fontAlgn="base" hangingPunct="1">
+        <a:lnSpc>
+          <a:spcPct val="90000"/>
+        </a:lnSpc>
+        <a:spcBef>
+          <a:spcPct val="0"/>
+        </a:spcBef>
+        <a:spcAft>
+          <a:spcPct val="0"/>
+        </a:spcAft>
+        <a:defRPr sz="2600" b="1">
+          <a:solidFill>
+            <a:schemeClr val="tx1"/>
+          </a:solidFill>
+          <a:latin typeface="Arial" charset="0"/>
+          <a:cs typeface="Arial" charset="0"/>
+        </a:defRPr>
+      </a:lvl8pPr>
+      <a:lvl9pPr marL="1828800" algn="l" rtl="0" eaLnBrk="1" fontAlgn="base" hangingPunct="1">
+        <a:lnSpc>
+          <a:spcPct val="90000"/>
+        </a:lnSpc>
+        <a:spcBef>
+          <a:spcPct val="0"/>
+        </a:spcBef>
+        <a:spcAft>
+          <a:spcPct val="0"/>
+        </a:spcAft>
+        <a:defRPr sz="2600" b="1">
+          <a:solidFill>
+            <a:schemeClr val="tx1"/>
+          </a:solidFill>
+          <a:latin typeface="Arial" charset="0"/>
+          <a:cs typeface="Arial" charset="0"/>
+        </a:defRPr>
+      </a:lvl9pPr>
+    </p:titleStyle>
+    <p:bodyStyle>
+      <a:lvl1pPr marL="180975" indent="-180975" algn="l" rtl="0" eaLnBrk="1" fontAlgn="base" hangingPunct="1">
+        <a:spcBef>
+          <a:spcPct val="0"/>
+        </a:spcBef>
+        <a:spcAft>
+          <a:spcPct val="40000"/>
+        </a:spcAft>
+        <a:buFont typeface="Wingdings" pitchFamily="2" charset="2"/>
+        <a:buChar char="§"/>
+        <a:defRPr sz="2000" baseline="0">
+          <a:solidFill>
+            <a:schemeClr val="tx1"/>
+          </a:solidFill>
+          <a:latin typeface="Times New Roman" pitchFamily="18" charset="0"/>
+          <a:ea typeface="標楷體" pitchFamily="65" charset="-120"/>
+          <a:cs typeface="+mn-cs"/>
+        </a:defRPr>
+      </a:lvl1pPr>
+      <a:lvl2pPr marL="444500" indent="-261938" algn="l" rtl="0" eaLnBrk="1" fontAlgn="base" hangingPunct="1">
+        <a:spcBef>
+          <a:spcPct val="0"/>
+        </a:spcBef>
+        <a:spcAft>
+          <a:spcPct val="40000"/>
+        </a:spcAft>
+        <a:buChar char="–"/>
+        <a:defRPr sz="2800" baseline="0">
+          <a:solidFill>
+            <a:schemeClr val="tx1"/>
+          </a:solidFill>
+          <a:latin typeface="Times New Roman" pitchFamily="18" charset="0"/>
+          <a:ea typeface="標楷體" pitchFamily="65" charset="-120"/>
+          <a:cs typeface="+mn-cs"/>
+        </a:defRPr>
+      </a:lvl2pPr>
+      <a:lvl3pPr marL="720725" indent="-274638" algn="l" rtl="0" eaLnBrk="1" fontAlgn="base" hangingPunct="1">
+        <a:spcBef>
+          <a:spcPct val="0"/>
+        </a:spcBef>
+        <a:spcAft>
+          <a:spcPct val="40000"/>
+        </a:spcAft>
+        <a:buChar char="•"/>
+        <a:defRPr sz="2400" baseline="0">
+          <a:solidFill>
+            <a:schemeClr val="tx1"/>
+          </a:solidFill>
+          <a:latin typeface="Times New Roman" pitchFamily="18" charset="0"/>
+          <a:ea typeface="標楷體" pitchFamily="65" charset="-120"/>
+          <a:cs typeface="+mn-cs"/>
+        </a:defRPr>
+      </a:lvl3pPr>
+      <a:lvl4pPr marL="987425" indent="-265113" algn="l" rtl="0" eaLnBrk="1" fontAlgn="base" hangingPunct="1">
+        <a:spcBef>
+          <a:spcPct val="0"/>
+        </a:spcBef>
+        <a:spcAft>
+          <a:spcPct val="40000"/>
+        </a:spcAft>
+        <a:buChar char="–"/>
+        <a:defRPr sz="2000" baseline="0">
+          <a:solidFill>
+            <a:schemeClr val="tx1"/>
+          </a:solidFill>
+          <a:latin typeface="Times New Roman" pitchFamily="18" charset="0"/>
+          <a:ea typeface="標楷體" pitchFamily="65" charset="-120"/>
+          <a:cs typeface="+mn-cs"/>
+        </a:defRPr>
+      </a:lvl4pPr>
+      <a:lvl5pPr marL="1254125" indent="-265113" algn="l" rtl="0" eaLnBrk="1" fontAlgn="base" hangingPunct="1">
+        <a:spcBef>
+          <a:spcPct val="0"/>
+        </a:spcBef>
+        <a:spcAft>
+          <a:spcPct val="40000"/>
+        </a:spcAft>
+        <a:buChar char="»"/>
+        <a:defRPr sz="2000" baseline="0">
+          <a:solidFill>
+            <a:schemeClr val="tx1"/>
+          </a:solidFill>
+          <a:latin typeface="Times New Roman" pitchFamily="18" charset="0"/>
+          <a:ea typeface="標楷體" pitchFamily="65" charset="-120"/>
+          <a:cs typeface="+mn-cs"/>
+        </a:defRPr>
+      </a:lvl5pPr>
+      <a:lvl6pPr marL="1711325" indent="-265113" algn="l" rtl="0" eaLnBrk="1" fontAlgn="base" hangingPunct="1">
+        <a:spcBef>
+          <a:spcPct val="0"/>
+        </a:spcBef>
+        <a:spcAft>
+          <a:spcPct val="40000"/>
+        </a:spcAft>
+        <a:buChar char="»"/>
+        <a:defRPr>
+          <a:solidFill>
+            <a:schemeClr val="tx1"/>
+          </a:solidFill>
+          <a:latin typeface="+mn-lt"/>
+          <a:cs typeface="+mn-cs"/>
+        </a:defRPr>
+      </a:lvl6pPr>
+      <a:lvl7pPr marL="2168525" indent="-265113" algn="l" rtl="0" eaLnBrk="1" fontAlgn="base" hangingPunct="1">
+        <a:spcBef>
+          <a:spcPct val="0"/>
+        </a:spcBef>
+        <a:spcAft>
+          <a:spcPct val="40000"/>
+        </a:spcAft>
+        <a:buChar char="»"/>
+        <a:defRPr>
+          <a:solidFill>
+            <a:schemeClr val="tx1"/>
+          </a:solidFill>
+          <a:latin typeface="+mn-lt"/>
+          <a:cs typeface="+mn-cs"/>
+        </a:defRPr>
+      </a:lvl7pPr>
+      <a:lvl8pPr marL="2625725" indent="-265113" algn="l" rtl="0" eaLnBrk="1" fontAlgn="base" hangingPunct="1">
+        <a:spcBef>
+          <a:spcPct val="0"/>
+        </a:spcBef>
+        <a:spcAft>
+          <a:spcPct val="40000"/>
+        </a:spcAft>
+        <a:buChar char="»"/>
+        <a:defRPr>
+          <a:solidFill>
+            <a:schemeClr val="tx1"/>
+          </a:solidFill>
+          <a:latin typeface="+mn-lt"/>
+          <a:cs typeface="+mn-cs"/>
+        </a:defRPr>
+      </a:lvl8pPr>
+      <a:lvl9pPr marL="3082925" indent="-265113" algn="l" rtl="0" eaLnBrk="1" fontAlgn="base" hangingPunct="1">
+        <a:spcBef>
+          <a:spcPct val="0"/>
+        </a:spcBef>
+        <a:spcAft>
+          <a:spcPct val="40000"/>
+        </a:spcAft>
+        <a:buChar char="»"/>
+        <a:defRPr>
+          <a:solidFill>
+            <a:schemeClr val="tx1"/>
+          </a:solidFill>
+          <a:latin typeface="+mn-lt"/>
+          <a:cs typeface="+mn-cs"/>
+        </a:defRPr>
+      </a:lvl9pPr>
+    </p:bodyStyle>
+    <p:otherStyle>
+      <a:defPPr>
+        <a:defRPr lang="de-DE"/>
+      </a:defPPr>
+      <a:lvl1pPr marL="0" algn="l" defTabSz="914400" rtl="0" eaLnBrk="1" latinLnBrk="0" hangingPunct="1">
+        <a:defRPr sz="1800" kern="1200">
+          <a:solidFill>
+            <a:schemeClr val="tx1"/>
+          </a:solidFill>
+          <a:latin typeface="+mn-lt"/>
+          <a:ea typeface="+mn-ea"/>
+          <a:cs typeface="+mn-cs"/>
+        </a:defRPr>
+      </a:lvl1pPr>
+      <a:lvl2pPr marL="457200" algn="l" defTabSz="914400" rtl="0" eaLnBrk="1" latinLnBrk="0" hangingPunct="1">
+        <a:defRPr sz="1800" kern="1200">
+          <a:solidFill>
+            <a:schemeClr val="tx1"/>
+          </a:solidFill>
+          <a:latin typeface="+mn-lt"/>
+          <a:ea typeface="+mn-ea"/>
+          <a:cs typeface="+mn-cs"/>
+        </a:defRPr>
+      </a:lvl2pPr>
+      <a:lvl3pPr marL="914400" algn="l" defTabSz="914400" rtl="0" eaLnBrk="1" latinLnBrk="0" hangingPunct="1">
+        <a:defRPr sz="1800" kern="1200">
+          <a:solidFill>
+            <a:schemeClr val="tx1"/>
+          </a:solidFill>
+          <a:latin typeface="+mn-lt"/>
+          <a:ea typeface="+mn-ea"/>
+          <a:cs typeface="+mn-cs"/>
+        </a:defRPr>
+      </a:lvl3pPr>
+      <a:lvl4pPr marL="1371600" algn="l" defTabSz="914400" rtl="0" eaLnBrk="1" latinLnBrk="0" hangingPunct="1">
+        <a:defRPr sz="1800" kern="1200">
+          <a:solidFill>
+            <a:schemeClr val="tx1"/>
+          </a:solidFill>
+          <a:latin typeface="+mn-lt"/>
+          <a:ea typeface="+mn-ea"/>
+          <a:cs typeface="+mn-cs"/>
+        </a:defRPr>
+      </a:lvl4pPr>
+      <a:lvl5pPr marL="1828800" algn="l" defTabSz="914400" rtl="0" eaLnBrk="1" latinLnBrk="0" hangingPunct="1">
+        <a:defRPr sz="1800" kern="1200">
+          <a:solidFill>
+            <a:schemeClr val="tx1"/>
+          </a:solidFill>
+          <a:latin typeface="+mn-lt"/>
+          <a:ea typeface="+mn-ea"/>
+          <a:cs typeface="+mn-cs"/>
+        </a:defRPr>
+      </a:lvl5pPr>
+      <a:lvl6pPr marL="2286000" algn="l" defTabSz="914400" rtl="0" eaLnBrk="1" latinLnBrk="0" hangingPunct="1">
+        <a:defRPr sz="1800" kern="1200">
+          <a:solidFill>
+            <a:schemeClr val="tx1"/>
+          </a:solidFill>
+          <a:latin typeface="+mn-lt"/>
+          <a:ea typeface="+mn-ea"/>
+          <a:cs typeface="+mn-cs"/>
+        </a:defRPr>
+      </a:lvl6pPr>
+      <a:lvl7pPr marL="2743200" algn="l" defTabSz="914400" rtl="0" eaLnBrk="1" latinLnBrk="0" hangingPunct="1">
+        <a:defRPr sz="1800" kern="1200">
+          <a:solidFill>
+            <a:schemeClr val="tx1"/>
+          </a:solidFill>
+          <a:latin typeface="+mn-lt"/>
+          <a:ea typeface="+mn-ea"/>
+          <a:cs typeface="+mn-cs"/>
+        </a:defRPr>
+      </a:lvl7pPr>
+      <a:lvl8pPr marL="3200400" algn="l" defTabSz="914400" rtl="0" eaLnBrk="1" latinLnBrk="0" hangingPunct="1">
+        <a:defRPr sz="1800" kern="1200">
+          <a:solidFill>
+            <a:schemeClr val="tx1"/>
+          </a:solidFill>
+          <a:latin typeface="+mn-lt"/>
+          <a:ea typeface="+mn-ea"/>
+          <a:cs typeface="+mn-cs"/>
+        </a:defRPr>
+      </a:lvl8pPr>
+      <a:lvl9pPr marL="3657600" algn="l" defTabSz="914400" rtl="0" eaLnBrk="1" latinLnBrk="0" hangingPunct="1">
+        <a:defRPr sz="1800" kern="1200">
+          <a:solidFill>
+            <a:schemeClr val="tx1"/>
+          </a:solidFill>
+          <a:latin typeface="+mn-lt"/>
+          <a:ea typeface="+mn-ea"/>
+          <a:cs typeface="+mn-cs"/>
+        </a:defRPr>
+      </a:lvl9pPr>
+    </p:otherStyle>
+  </p:txStyles>
+</p:sldMaster>
+</file>
+
 <file path=ppt/slides/slide1.xml><?xml version="1.0" encoding="utf-8"?>
 <p:sld xmlns:a="http://schemas.openxmlformats.org/drawingml/2006/main" xmlns:r="http://schemas.openxmlformats.org/officeDocument/2006/relationships" xmlns:p="http://schemas.openxmlformats.org/presentationml/2006/main">
   <p:cSld>
@@ -3419,7 +6460,7 @@
         </p:nvSpPr>
         <p:spPr>
           <a:xfrm>
-            <a:off x="685800" y="1039985"/>
+            <a:off x="685800" y="2092927"/>
             <a:ext cx="7909560" cy="2774134"/>
           </a:xfrm>
         </p:spPr>
@@ -3473,7 +6514,7 @@
         </p:nvSpPr>
         <p:spPr>
           <a:xfrm>
-            <a:off x="685800" y="4081550"/>
+            <a:off x="685800" y="5049624"/>
             <a:ext cx="7315200" cy="1489288"/>
           </a:xfrm>
         </p:spPr>
@@ -3482,47 +6523,33 @@
           <a:lstStyle/>
           <a:p>
             <a:pPr algn="l"/>
-            <a:endParaRPr lang="en-US" altLang="zh-TW" dirty="0">
-              <a:latin typeface="Times New Roman" panose="02020603050405020304" pitchFamily="18" charset="0"/>
-              <a:cs typeface="Times New Roman" panose="02020603050405020304" pitchFamily="18" charset="0"/>
-            </a:endParaRPr>
+            <a:r>
+              <a:rPr lang="en-US" altLang="zh-TW" dirty="0">
+                <a:latin typeface="Times New Roman" panose="02020603050405020304" pitchFamily="18" charset="0"/>
+                <a:cs typeface="Times New Roman" panose="02020603050405020304" pitchFamily="18" charset="0"/>
+              </a:rPr>
+              <a:t>2021/07/23 </a:t>
+            </a:r>
           </a:p>
           <a:p>
             <a:pPr algn="l"/>
             <a:r>
               <a:rPr lang="en-US" altLang="zh-TW" dirty="0">
-                <a:latin typeface="Times New Roman" panose="02020603050405020304" pitchFamily="18" charset="0"/>
-                <a:cs typeface="Times New Roman" panose="02020603050405020304" pitchFamily="18" charset="0"/>
-              </a:rPr>
-              <a:t>2020/07/24 Shih Wei Hsieh</a:t>
+                <a:cs typeface="Times New Roman" panose="02020603050405020304" pitchFamily="18" charset="0"/>
+              </a:rPr>
+              <a:t>Ref</a:t>
+            </a:r>
+            <a:r>
+              <a:rPr lang="en-US" altLang="zh-TW" dirty="0">
+                <a:latin typeface="Times New Roman" panose="02020603050405020304" pitchFamily="18" charset="0"/>
+                <a:cs typeface="Times New Roman" panose="02020603050405020304" pitchFamily="18" charset="0"/>
+              </a:rPr>
+              <a:t>: Shih Wei Hsieh</a:t>
             </a:r>
             <a:endParaRPr lang="zh-TW" altLang="en-US" dirty="0">
               <a:latin typeface="Times New Roman" panose="02020603050405020304" pitchFamily="18" charset="0"/>
               <a:cs typeface="Times New Roman" panose="02020603050405020304" pitchFamily="18" charset="0"/>
             </a:endParaRPr>
-          </a:p>
-        </p:txBody>
-      </p:sp>
-      <p:sp>
-        <p:nvSpPr>
-          <p:cNvPr id="4" name="投影片編號版面配置區 3"/>
-          <p:cNvSpPr>
-            <a:spLocks noGrp="1"/>
-          </p:cNvSpPr>
-          <p:nvPr>
-            <p:ph type="sldNum" sz="quarter" idx="12"/>
-          </p:nvPr>
-        </p:nvSpPr>
-        <p:spPr/>
-        <p:txBody>
-          <a:bodyPr/>
-          <a:lstStyle/>
-          <a:p>
-            <a:fld id="{D4E83C2F-CC96-46F6-9B3C-3132E4070188}" type="slidenum">
-              <a:rPr lang="zh-TW" altLang="en-US" smtClean="0"/>
-              <a:t>1</a:t>
-            </a:fld>
-            <a:endParaRPr lang="zh-TW" altLang="en-US"/>
           </a:p>
         </p:txBody>
       </p:sp>
@@ -9911,7 +12938,7 @@
               <a:rPr lang="zh-TW" altLang="en-US" smtClean="0"/>
               <a:t>2</a:t>
             </a:fld>
-            <a:endParaRPr lang="zh-TW" altLang="en-US"/>
+            <a:endParaRPr lang="zh-TW" altLang="en-US" dirty="0"/>
           </a:p>
         </p:txBody>
       </p:sp>
@@ -12659,8 +15686,8 @@
           </a:p>
         </p:txBody>
       </p:sp>
-      <mc:AlternateContent xmlns:mc="http://schemas.openxmlformats.org/markup-compatibility/2006">
-        <mc:Choice xmlns:a14="http://schemas.microsoft.com/office/drawing/2010/main" Requires="a14">
+      <mc:AlternateContent xmlns:mc="http://schemas.openxmlformats.org/markup-compatibility/2006" xmlns:a14="http://schemas.microsoft.com/office/drawing/2010/main">
+        <mc:Choice Requires="a14">
           <p:sp>
             <p:nvSpPr>
               <p:cNvPr id="3" name="內容版面配置區 2"/>
@@ -12758,7 +15785,7 @@
             </p:txBody>
           </p:sp>
         </mc:Choice>
-        <mc:Fallback>
+        <mc:Fallback xmlns="">
           <p:sp>
             <p:nvSpPr>
               <p:cNvPr id="3" name="內容版面配置區 2"/>
@@ -13553,7 +16580,7 @@
         <p:spPr>
           <a:xfrm>
             <a:off x="477795" y="1252152"/>
-            <a:ext cx="8179644" cy="4999019"/>
+            <a:ext cx="8179644" cy="5976338"/>
           </a:xfrm>
         </p:spPr>
         <p:txBody>
@@ -13567,16 +16594,54 @@
                 <a:latin typeface="Times New Roman" panose="02020603050405020304" pitchFamily="18" charset="0"/>
                 <a:cs typeface="Times New Roman" panose="02020603050405020304" pitchFamily="18" charset="0"/>
               </a:rPr>
-              <a:t>We have completed the RTL files and synthesis script</a:t>
-            </a:r>
-          </a:p>
-          <a:p>
+              <a:t>We have completed</a:t>
+            </a:r>
+            <a:r>
+              <a:rPr lang="zh-TW" altLang="en-US" dirty="0">
+                <a:latin typeface="Times New Roman" panose="02020603050405020304" pitchFamily="18" charset="0"/>
+                <a:cs typeface="Times New Roman" panose="02020603050405020304" pitchFamily="18" charset="0"/>
+              </a:rPr>
+              <a:t> </a:t>
+            </a:r>
             <a:r>
               <a:rPr lang="en-US" altLang="zh-TW" dirty="0">
                 <a:latin typeface="Times New Roman" panose="02020603050405020304" pitchFamily="18" charset="0"/>
                 <a:cs typeface="Times New Roman" panose="02020603050405020304" pitchFamily="18" charset="0"/>
               </a:rPr>
+              <a:t>partial RTL files and synthesis script</a:t>
+            </a:r>
+          </a:p>
+          <a:p>
+            <a:r>
+              <a:rPr lang="en-US" altLang="zh-TW" dirty="0">
+                <a:latin typeface="Times New Roman" panose="02020603050405020304" pitchFamily="18" charset="0"/>
+                <a:cs typeface="Times New Roman" panose="02020603050405020304" pitchFamily="18" charset="0"/>
+              </a:rPr>
               <a:t>Your task: </a:t>
+            </a:r>
+          </a:p>
+          <a:p>
+            <a:pPr lvl="1"/>
+            <a:r>
+              <a:rPr lang="en-US" altLang="zh-TW" dirty="0">
+                <a:latin typeface="Times New Roman" panose="02020603050405020304" pitchFamily="18" charset="0"/>
+                <a:cs typeface="Times New Roman" panose="02020603050405020304" pitchFamily="18" charset="0"/>
+              </a:rPr>
+              <a:t>Find some wrong connected nets in  </a:t>
+            </a:r>
+            <a:r>
+              <a:rPr lang="en-US" altLang="zh-TW" b="1" u="sng" dirty="0" err="1">
+                <a:latin typeface="Times New Roman" panose="02020603050405020304" pitchFamily="18" charset="0"/>
+                <a:cs typeface="Times New Roman" panose="02020603050405020304" pitchFamily="18" charset="0"/>
+              </a:rPr>
+              <a:t>sram_wrapper.v</a:t>
+            </a:r>
+            <a:r>
+              <a:rPr lang="en-US" altLang="zh-TW" dirty="0">
+                <a:latin typeface="Times New Roman" panose="02020603050405020304" pitchFamily="18" charset="0"/>
+                <a:cs typeface="Times New Roman" panose="02020603050405020304" pitchFamily="18" charset="0"/>
+              </a:rPr>
+              <a:t> and fix them</a:t>
             </a:r>
           </a:p>
           <a:p>
@@ -13717,541 +16782,562 @@
           </a:p>
         </p:txBody>
       </p:sp>
-      <p:pic>
-        <p:nvPicPr>
-          <p:cNvPr id="5" name="圖片 4">
+      <p:grpSp>
+        <p:nvGrpSpPr>
+          <p:cNvPr id="9" name="群組 8">
             <a:extLst>
               <a:ext uri="{FF2B5EF4-FFF2-40B4-BE49-F238E27FC236}">
-                <a16:creationId xmlns:a16="http://schemas.microsoft.com/office/drawing/2014/main" id="{531F1A99-A7B6-4542-8848-366C9A6A2CFF}"/>
+                <a16:creationId xmlns:a16="http://schemas.microsoft.com/office/drawing/2014/main" id="{480802FD-1DE6-D649-9B66-6CCE97A39A14}"/>
               </a:ext>
             </a:extLst>
           </p:cNvPr>
-          <p:cNvPicPr>
-            <a:picLocks noChangeAspect="1"/>
-          </p:cNvPicPr>
+          <p:cNvGrpSpPr/>
           <p:nvPr/>
-        </p:nvPicPr>
-        <p:blipFill>
-          <a:blip r:embed="rId2"/>
-          <a:stretch>
-            <a:fillRect/>
-          </a:stretch>
-        </p:blipFill>
-        <p:spPr>
+        </p:nvGrpSpPr>
+        <p:grpSpPr>
           <a:xfrm>
-            <a:off x="1315592" y="3361185"/>
-            <a:ext cx="1533333" cy="1009524"/>
+            <a:off x="1315592" y="2909208"/>
+            <a:ext cx="7416516" cy="2082091"/>
+            <a:chOff x="1315592" y="2436237"/>
+            <a:chExt cx="7416516" cy="2082091"/>
           </a:xfrm>
-          <a:prstGeom prst="rect">
-            <a:avLst/>
-          </a:prstGeom>
-          <a:ln w="12700">
-            <a:solidFill>
+        </p:grpSpPr>
+        <p:pic>
+          <p:nvPicPr>
+            <p:cNvPr id="5" name="圖片 4">
+              <a:extLst>
+                <a:ext uri="{FF2B5EF4-FFF2-40B4-BE49-F238E27FC236}">
+                  <a16:creationId xmlns:a16="http://schemas.microsoft.com/office/drawing/2014/main" id="{531F1A99-A7B6-4542-8848-366C9A6A2CFF}"/>
+                </a:ext>
+              </a:extLst>
+            </p:cNvPr>
+            <p:cNvPicPr>
+              <a:picLocks noChangeAspect="1"/>
+            </p:cNvPicPr>
+            <p:nvPr/>
+          </p:nvPicPr>
+          <p:blipFill>
+            <a:blip r:embed="rId2"/>
+            <a:stretch>
+              <a:fillRect/>
+            </a:stretch>
+          </p:blipFill>
+          <p:spPr>
+            <a:xfrm>
+              <a:off x="1315592" y="3361185"/>
+              <a:ext cx="1533333" cy="1009524"/>
+            </a:xfrm>
+            <a:prstGeom prst="rect">
+              <a:avLst/>
+            </a:prstGeom>
+            <a:ln w="12700">
+              <a:solidFill>
+                <a:schemeClr val="tx1"/>
+              </a:solidFill>
+            </a:ln>
+          </p:spPr>
+        </p:pic>
+        <p:pic>
+          <p:nvPicPr>
+            <p:cNvPr id="6" name="圖片 5">
+              <a:extLst>
+                <a:ext uri="{FF2B5EF4-FFF2-40B4-BE49-F238E27FC236}">
+                  <a16:creationId xmlns:a16="http://schemas.microsoft.com/office/drawing/2014/main" id="{1DDA0EF8-0A96-4DAE-AE0B-1145B6CCD419}"/>
+                </a:ext>
+              </a:extLst>
+            </p:cNvPr>
+            <p:cNvPicPr>
+              <a:picLocks noChangeAspect="1"/>
+            </p:cNvPicPr>
+            <p:nvPr/>
+          </p:nvPicPr>
+          <p:blipFill>
+            <a:blip r:embed="rId3"/>
+            <a:stretch>
+              <a:fillRect/>
+            </a:stretch>
+          </p:blipFill>
+          <p:spPr>
+            <a:xfrm>
+              <a:off x="3138563" y="3213566"/>
+              <a:ext cx="1371429" cy="1304762"/>
+            </a:xfrm>
+            <a:prstGeom prst="rect">
+              <a:avLst/>
+            </a:prstGeom>
+            <a:ln w="12700">
+              <a:solidFill>
+                <a:srgbClr val="FF0000"/>
+              </a:solidFill>
+            </a:ln>
+          </p:spPr>
+        </p:pic>
+        <p:pic>
+          <p:nvPicPr>
+            <p:cNvPr id="7" name="圖片 6">
+              <a:extLst>
+                <a:ext uri="{FF2B5EF4-FFF2-40B4-BE49-F238E27FC236}">
+                  <a16:creationId xmlns:a16="http://schemas.microsoft.com/office/drawing/2014/main" id="{D709EDEC-71E8-4289-B8A1-0EEE31C8E978}"/>
+                </a:ext>
+              </a:extLst>
+            </p:cNvPr>
+            <p:cNvPicPr>
+              <a:picLocks noChangeAspect="1"/>
+            </p:cNvPicPr>
+            <p:nvPr/>
+          </p:nvPicPr>
+          <p:blipFill>
+            <a:blip r:embed="rId4"/>
+            <a:stretch>
+              <a:fillRect/>
+            </a:stretch>
+          </p:blipFill>
+          <p:spPr>
+            <a:xfrm>
+              <a:off x="5466337" y="3213566"/>
+              <a:ext cx="2466667" cy="1076190"/>
+            </a:xfrm>
+            <a:prstGeom prst="rect">
+              <a:avLst/>
+            </a:prstGeom>
+            <a:ln w="12700">
+              <a:solidFill>
+                <a:schemeClr val="accent5"/>
+              </a:solidFill>
+            </a:ln>
+          </p:spPr>
+        </p:pic>
+        <p:sp>
+          <p:nvSpPr>
+            <p:cNvPr id="8" name="矩形 7">
+              <a:extLst>
+                <a:ext uri="{FF2B5EF4-FFF2-40B4-BE49-F238E27FC236}">
+                  <a16:creationId xmlns:a16="http://schemas.microsoft.com/office/drawing/2014/main" id="{E611C9B2-8794-47DB-B245-0ABA1074BBE2}"/>
+                </a:ext>
+              </a:extLst>
+            </p:cNvPr>
+            <p:cNvSpPr/>
+            <p:nvPr/>
+          </p:nvSpPr>
+          <p:spPr>
+            <a:xfrm>
+              <a:off x="1324358" y="3406650"/>
+              <a:ext cx="587230" cy="260058"/>
+            </a:xfrm>
+            <a:prstGeom prst="rect">
+              <a:avLst/>
+            </a:prstGeom>
+            <a:noFill/>
+            <a:ln>
+              <a:solidFill>
+                <a:srgbClr val="FF0000"/>
+              </a:solidFill>
+            </a:ln>
+          </p:spPr>
+          <p:style>
+            <a:lnRef idx="2">
+              <a:schemeClr val="accent1">
+                <a:shade val="50000"/>
+              </a:schemeClr>
+            </a:lnRef>
+            <a:fillRef idx="1">
+              <a:schemeClr val="accent1"/>
+            </a:fillRef>
+            <a:effectRef idx="0">
+              <a:schemeClr val="accent1"/>
+            </a:effectRef>
+            <a:fontRef idx="minor">
+              <a:schemeClr val="lt1"/>
+            </a:fontRef>
+          </p:style>
+          <p:txBody>
+            <a:bodyPr rtlCol="0" anchor="ctr"/>
+            <a:lstStyle/>
+            <a:p>
+              <a:pPr algn="ctr"/>
+              <a:endParaRPr lang="zh-TW" altLang="en-US"/>
+            </a:p>
+          </p:txBody>
+        </p:sp>
+        <p:cxnSp>
+          <p:nvCxnSpPr>
+            <p:cNvPr id="10" name="直線單箭頭接點 9">
+              <a:extLst>
+                <a:ext uri="{FF2B5EF4-FFF2-40B4-BE49-F238E27FC236}">
+                  <a16:creationId xmlns:a16="http://schemas.microsoft.com/office/drawing/2014/main" id="{20C5C9CE-A6B8-4700-9713-9C0E2B548BB7}"/>
+                </a:ext>
+              </a:extLst>
+            </p:cNvPr>
+            <p:cNvCxnSpPr/>
+            <p:nvPr/>
+          </p:nvCxnSpPr>
+          <p:spPr>
+            <a:xfrm flipV="1">
+              <a:off x="1911588" y="3213566"/>
+              <a:ext cx="1226975" cy="193084"/>
+            </a:xfrm>
+            <a:prstGeom prst="straightConnector1">
+              <a:avLst/>
+            </a:prstGeom>
+            <a:ln w="12700">
+              <a:solidFill>
+                <a:srgbClr val="FF0000"/>
+              </a:solidFill>
+              <a:tailEnd type="triangle"/>
+            </a:ln>
+          </p:spPr>
+          <p:style>
+            <a:lnRef idx="1">
+              <a:schemeClr val="accent1"/>
+            </a:lnRef>
+            <a:fillRef idx="0">
+              <a:schemeClr val="accent1"/>
+            </a:fillRef>
+            <a:effectRef idx="0">
+              <a:schemeClr val="accent1"/>
+            </a:effectRef>
+            <a:fontRef idx="minor">
               <a:schemeClr val="tx1"/>
-            </a:solidFill>
-          </a:ln>
-        </p:spPr>
-      </p:pic>
-      <p:pic>
-        <p:nvPicPr>
-          <p:cNvPr id="6" name="圖片 5">
-            <a:extLst>
-              <a:ext uri="{FF2B5EF4-FFF2-40B4-BE49-F238E27FC236}">
-                <a16:creationId xmlns:a16="http://schemas.microsoft.com/office/drawing/2014/main" id="{1DDA0EF8-0A96-4DAE-AE0B-1145B6CCD419}"/>
-              </a:ext>
-            </a:extLst>
-          </p:cNvPr>
-          <p:cNvPicPr>
-            <a:picLocks noChangeAspect="1"/>
-          </p:cNvPicPr>
-          <p:nvPr/>
-        </p:nvPicPr>
-        <p:blipFill>
-          <a:blip r:embed="rId3"/>
-          <a:stretch>
-            <a:fillRect/>
-          </a:stretch>
-        </p:blipFill>
-        <p:spPr>
-          <a:xfrm>
-            <a:off x="3138563" y="3213566"/>
-            <a:ext cx="1371429" cy="1304762"/>
-          </a:xfrm>
-          <a:prstGeom prst="rect">
-            <a:avLst/>
-          </a:prstGeom>
-          <a:ln w="12700">
-            <a:solidFill>
-              <a:srgbClr val="FF0000"/>
-            </a:solidFill>
-          </a:ln>
-        </p:spPr>
-      </p:pic>
-      <p:pic>
-        <p:nvPicPr>
-          <p:cNvPr id="7" name="圖片 6">
-            <a:extLst>
-              <a:ext uri="{FF2B5EF4-FFF2-40B4-BE49-F238E27FC236}">
-                <a16:creationId xmlns:a16="http://schemas.microsoft.com/office/drawing/2014/main" id="{D709EDEC-71E8-4289-B8A1-0EEE31C8E978}"/>
-              </a:ext>
-            </a:extLst>
-          </p:cNvPr>
-          <p:cNvPicPr>
-            <a:picLocks noChangeAspect="1"/>
-          </p:cNvPicPr>
-          <p:nvPr/>
-        </p:nvPicPr>
-        <p:blipFill>
-          <a:blip r:embed="rId4"/>
-          <a:stretch>
-            <a:fillRect/>
-          </a:stretch>
-        </p:blipFill>
-        <p:spPr>
-          <a:xfrm>
-            <a:off x="5466337" y="3213566"/>
-            <a:ext cx="2466667" cy="1076190"/>
-          </a:xfrm>
-          <a:prstGeom prst="rect">
-            <a:avLst/>
-          </a:prstGeom>
-          <a:ln w="12700">
-            <a:solidFill>
-              <a:schemeClr val="accent5"/>
-            </a:solidFill>
-          </a:ln>
-        </p:spPr>
-      </p:pic>
-      <p:sp>
-        <p:nvSpPr>
-          <p:cNvPr id="8" name="矩形 7">
-            <a:extLst>
-              <a:ext uri="{FF2B5EF4-FFF2-40B4-BE49-F238E27FC236}">
-                <a16:creationId xmlns:a16="http://schemas.microsoft.com/office/drawing/2014/main" id="{E611C9B2-8794-47DB-B245-0ABA1074BBE2}"/>
-              </a:ext>
-            </a:extLst>
-          </p:cNvPr>
-          <p:cNvSpPr/>
-          <p:nvPr/>
-        </p:nvSpPr>
-        <p:spPr>
-          <a:xfrm>
-            <a:off x="1324358" y="3406650"/>
-            <a:ext cx="587230" cy="260058"/>
-          </a:xfrm>
-          <a:prstGeom prst="rect">
-            <a:avLst/>
-          </a:prstGeom>
-          <a:noFill/>
-          <a:ln>
-            <a:solidFill>
-              <a:srgbClr val="FF0000"/>
-            </a:solidFill>
-          </a:ln>
-        </p:spPr>
-        <p:style>
-          <a:lnRef idx="2">
-            <a:schemeClr val="accent1">
-              <a:shade val="50000"/>
-            </a:schemeClr>
-          </a:lnRef>
-          <a:fillRef idx="1">
-            <a:schemeClr val="accent1"/>
-          </a:fillRef>
-          <a:effectRef idx="0">
-            <a:schemeClr val="accent1"/>
-          </a:effectRef>
-          <a:fontRef idx="minor">
-            <a:schemeClr val="lt1"/>
-          </a:fontRef>
-        </p:style>
-        <p:txBody>
-          <a:bodyPr rtlCol="0" anchor="ctr"/>
-          <a:lstStyle/>
-          <a:p>
-            <a:pPr algn="ctr"/>
-            <a:endParaRPr lang="zh-TW" altLang="en-US"/>
-          </a:p>
-        </p:txBody>
-      </p:sp>
-      <p:cxnSp>
-        <p:nvCxnSpPr>
-          <p:cNvPr id="10" name="直線單箭頭接點 9">
-            <a:extLst>
-              <a:ext uri="{FF2B5EF4-FFF2-40B4-BE49-F238E27FC236}">
-                <a16:creationId xmlns:a16="http://schemas.microsoft.com/office/drawing/2014/main" id="{20C5C9CE-A6B8-4700-9713-9C0E2B548BB7}"/>
-              </a:ext>
-            </a:extLst>
-          </p:cNvPr>
-          <p:cNvCxnSpPr/>
-          <p:nvPr/>
-        </p:nvCxnSpPr>
-        <p:spPr>
-          <a:xfrm flipV="1">
-            <a:off x="1911588" y="3213566"/>
-            <a:ext cx="1226975" cy="193084"/>
-          </a:xfrm>
-          <a:prstGeom prst="straightConnector1">
-            <a:avLst/>
-          </a:prstGeom>
-          <a:ln w="12700">
-            <a:solidFill>
-              <a:srgbClr val="FF0000"/>
-            </a:solidFill>
-            <a:tailEnd type="triangle"/>
-          </a:ln>
-        </p:spPr>
-        <p:style>
-          <a:lnRef idx="1">
-            <a:schemeClr val="accent1"/>
-          </a:lnRef>
-          <a:fillRef idx="0">
-            <a:schemeClr val="accent1"/>
-          </a:fillRef>
-          <a:effectRef idx="0">
-            <a:schemeClr val="accent1"/>
-          </a:effectRef>
-          <a:fontRef idx="minor">
-            <a:schemeClr val="tx1"/>
-          </a:fontRef>
-        </p:style>
-      </p:cxnSp>
-      <p:cxnSp>
-        <p:nvCxnSpPr>
-          <p:cNvPr id="26" name="直線單箭頭接點 25">
-            <a:extLst>
-              <a:ext uri="{FF2B5EF4-FFF2-40B4-BE49-F238E27FC236}">
-                <a16:creationId xmlns:a16="http://schemas.microsoft.com/office/drawing/2014/main" id="{2DF84610-2DD9-45D5-AB24-3E56512B82F8}"/>
-              </a:ext>
-            </a:extLst>
-          </p:cNvPr>
-          <p:cNvCxnSpPr>
-            <a:cxnSpLocks/>
-          </p:cNvCxnSpPr>
-          <p:nvPr/>
-        </p:nvCxnSpPr>
-        <p:spPr>
-          <a:xfrm>
-            <a:off x="1911588" y="3666708"/>
-            <a:ext cx="1226975" cy="851620"/>
-          </a:xfrm>
-          <a:prstGeom prst="straightConnector1">
-            <a:avLst/>
-          </a:prstGeom>
-          <a:ln w="12700">
-            <a:solidFill>
-              <a:srgbClr val="FF0000"/>
-            </a:solidFill>
-            <a:tailEnd type="triangle"/>
-          </a:ln>
-        </p:spPr>
-        <p:style>
-          <a:lnRef idx="1">
-            <a:schemeClr val="accent1"/>
-          </a:lnRef>
-          <a:fillRef idx="0">
-            <a:schemeClr val="accent1"/>
-          </a:fillRef>
-          <a:effectRef idx="0">
-            <a:schemeClr val="accent1"/>
-          </a:effectRef>
-          <a:fontRef idx="minor">
-            <a:schemeClr val="tx1"/>
-          </a:fontRef>
-        </p:style>
-      </p:cxnSp>
-      <p:cxnSp>
-        <p:nvCxnSpPr>
-          <p:cNvPr id="27" name="直線單箭頭接點 26">
-            <a:extLst>
-              <a:ext uri="{FF2B5EF4-FFF2-40B4-BE49-F238E27FC236}">
-                <a16:creationId xmlns:a16="http://schemas.microsoft.com/office/drawing/2014/main" id="{ECA91064-EB8B-4233-9039-7AAB7A8D489C}"/>
-              </a:ext>
-            </a:extLst>
-          </p:cNvPr>
-          <p:cNvCxnSpPr>
-            <a:cxnSpLocks/>
-          </p:cNvCxnSpPr>
-          <p:nvPr/>
-        </p:nvCxnSpPr>
-        <p:spPr>
-          <a:xfrm flipV="1">
-            <a:off x="4302450" y="3213566"/>
-            <a:ext cx="1163887" cy="30043"/>
-          </a:xfrm>
-          <a:prstGeom prst="straightConnector1">
-            <a:avLst/>
-          </a:prstGeom>
-          <a:ln w="12700">
-            <a:solidFill>
-              <a:schemeClr val="accent5"/>
-            </a:solidFill>
-            <a:tailEnd type="triangle"/>
-          </a:ln>
-        </p:spPr>
-        <p:style>
-          <a:lnRef idx="1">
-            <a:schemeClr val="accent1"/>
-          </a:lnRef>
-          <a:fillRef idx="0">
-            <a:schemeClr val="accent1"/>
-          </a:fillRef>
-          <a:effectRef idx="0">
-            <a:schemeClr val="accent1"/>
-          </a:effectRef>
-          <a:fontRef idx="minor">
-            <a:schemeClr val="tx1"/>
-          </a:fontRef>
-        </p:style>
-      </p:cxnSp>
-      <p:cxnSp>
-        <p:nvCxnSpPr>
-          <p:cNvPr id="28" name="直線單箭頭接點 27">
-            <a:extLst>
-              <a:ext uri="{FF2B5EF4-FFF2-40B4-BE49-F238E27FC236}">
-                <a16:creationId xmlns:a16="http://schemas.microsoft.com/office/drawing/2014/main" id="{9845A723-0373-4658-89B3-F7E4FA21F4BA}"/>
-              </a:ext>
-            </a:extLst>
-          </p:cNvPr>
-          <p:cNvCxnSpPr>
-            <a:cxnSpLocks/>
-          </p:cNvCxnSpPr>
-          <p:nvPr/>
-        </p:nvCxnSpPr>
-        <p:spPr>
-          <a:xfrm>
-            <a:off x="4302450" y="3495903"/>
-            <a:ext cx="1140298" cy="793853"/>
-          </a:xfrm>
-          <a:prstGeom prst="straightConnector1">
-            <a:avLst/>
-          </a:prstGeom>
-          <a:ln w="12700">
-            <a:solidFill>
-              <a:schemeClr val="accent5"/>
-            </a:solidFill>
-            <a:tailEnd type="triangle"/>
-          </a:ln>
-        </p:spPr>
-        <p:style>
-          <a:lnRef idx="1">
-            <a:schemeClr val="accent1"/>
-          </a:lnRef>
-          <a:fillRef idx="0">
-            <a:schemeClr val="accent1"/>
-          </a:fillRef>
-          <a:effectRef idx="0">
-            <a:schemeClr val="accent1"/>
-          </a:effectRef>
-          <a:fontRef idx="minor">
-            <a:schemeClr val="tx1"/>
-          </a:fontRef>
-        </p:style>
-      </p:cxnSp>
-      <p:sp>
-        <p:nvSpPr>
-          <p:cNvPr id="29" name="矩形 28">
-            <a:extLst>
-              <a:ext uri="{FF2B5EF4-FFF2-40B4-BE49-F238E27FC236}">
-                <a16:creationId xmlns:a16="http://schemas.microsoft.com/office/drawing/2014/main" id="{AEE75FB9-2103-4EC7-A07A-8A1C10AB6B94}"/>
-              </a:ext>
-            </a:extLst>
-          </p:cNvPr>
-          <p:cNvSpPr/>
-          <p:nvPr/>
-        </p:nvSpPr>
-        <p:spPr>
-          <a:xfrm>
-            <a:off x="3169526" y="3243134"/>
-            <a:ext cx="1132924" cy="260058"/>
-          </a:xfrm>
-          <a:prstGeom prst="rect">
-            <a:avLst/>
-          </a:prstGeom>
-          <a:noFill/>
-          <a:ln>
-            <a:solidFill>
-              <a:schemeClr val="accent5"/>
-            </a:solidFill>
-          </a:ln>
-        </p:spPr>
-        <p:style>
-          <a:lnRef idx="2">
-            <a:schemeClr val="accent1">
-              <a:shade val="50000"/>
-            </a:schemeClr>
-          </a:lnRef>
-          <a:fillRef idx="1">
-            <a:schemeClr val="accent1"/>
-          </a:fillRef>
-          <a:effectRef idx="0">
-            <a:schemeClr val="accent1"/>
-          </a:effectRef>
-          <a:fontRef idx="minor">
-            <a:schemeClr val="lt1"/>
-          </a:fontRef>
-        </p:style>
-        <p:txBody>
-          <a:bodyPr rtlCol="0" anchor="ctr"/>
-          <a:lstStyle/>
-          <a:p>
-            <a:pPr algn="ctr"/>
-            <a:endParaRPr lang="zh-TW" altLang="en-US"/>
-          </a:p>
-        </p:txBody>
-      </p:sp>
-      <p:sp>
-        <p:nvSpPr>
-          <p:cNvPr id="33" name="箭號: 向下 32">
-            <a:extLst>
-              <a:ext uri="{FF2B5EF4-FFF2-40B4-BE49-F238E27FC236}">
-                <a16:creationId xmlns:a16="http://schemas.microsoft.com/office/drawing/2014/main" id="{7D881004-D3FD-4642-931B-58D245F771FA}"/>
-              </a:ext>
-            </a:extLst>
-          </p:cNvPr>
-          <p:cNvSpPr/>
-          <p:nvPr/>
-        </p:nvSpPr>
-        <p:spPr>
-          <a:xfrm>
-            <a:off x="6699670" y="3077185"/>
-            <a:ext cx="280136" cy="465846"/>
-          </a:xfrm>
-          <a:prstGeom prst="downArrow">
-            <a:avLst/>
-          </a:prstGeom>
-          <a:noFill/>
-          <a:ln>
-            <a:solidFill>
+            </a:fontRef>
+          </p:style>
+        </p:cxnSp>
+        <p:cxnSp>
+          <p:nvCxnSpPr>
+            <p:cNvPr id="26" name="直線單箭頭接點 25">
+              <a:extLst>
+                <a:ext uri="{FF2B5EF4-FFF2-40B4-BE49-F238E27FC236}">
+                  <a16:creationId xmlns:a16="http://schemas.microsoft.com/office/drawing/2014/main" id="{2DF84610-2DD9-45D5-AB24-3E56512B82F8}"/>
+                </a:ext>
+              </a:extLst>
+            </p:cNvPr>
+            <p:cNvCxnSpPr>
+              <a:cxnSpLocks/>
+            </p:cNvCxnSpPr>
+            <p:nvPr/>
+          </p:nvCxnSpPr>
+          <p:spPr>
+            <a:xfrm>
+              <a:off x="1911588" y="3666708"/>
+              <a:ext cx="1226975" cy="851620"/>
+            </a:xfrm>
+            <a:prstGeom prst="straightConnector1">
+              <a:avLst/>
+            </a:prstGeom>
+            <a:ln w="12700">
+              <a:solidFill>
+                <a:srgbClr val="FF0000"/>
+              </a:solidFill>
+              <a:tailEnd type="triangle"/>
+            </a:ln>
+          </p:spPr>
+          <p:style>
+            <a:lnRef idx="1">
+              <a:schemeClr val="accent1"/>
+            </a:lnRef>
+            <a:fillRef idx="0">
+              <a:schemeClr val="accent1"/>
+            </a:fillRef>
+            <a:effectRef idx="0">
+              <a:schemeClr val="accent1"/>
+            </a:effectRef>
+            <a:fontRef idx="minor">
               <a:schemeClr val="tx1"/>
-            </a:solidFill>
-          </a:ln>
-        </p:spPr>
-        <p:style>
-          <a:lnRef idx="2">
-            <a:schemeClr val="accent1">
-              <a:shade val="50000"/>
-            </a:schemeClr>
-          </a:lnRef>
-          <a:fillRef idx="1">
-            <a:schemeClr val="accent1"/>
-          </a:fillRef>
-          <a:effectRef idx="0">
-            <a:schemeClr val="accent1"/>
-          </a:effectRef>
-          <a:fontRef idx="minor">
-            <a:schemeClr val="lt1"/>
-          </a:fontRef>
-        </p:style>
-        <p:txBody>
-          <a:bodyPr rtlCol="0" anchor="ctr"/>
-          <a:lstStyle/>
-          <a:p>
-            <a:pPr algn="ctr"/>
-            <a:endParaRPr lang="zh-TW" altLang="en-US"/>
-          </a:p>
-        </p:txBody>
-      </p:sp>
-      <p:sp>
-        <p:nvSpPr>
-          <p:cNvPr id="34" name="文字方塊 33">
-            <a:extLst>
-              <a:ext uri="{FF2B5EF4-FFF2-40B4-BE49-F238E27FC236}">
-                <a16:creationId xmlns:a16="http://schemas.microsoft.com/office/drawing/2014/main" id="{71000A0E-3B97-482C-89A6-3F9B0BE13D4F}"/>
-              </a:ext>
-            </a:extLst>
-          </p:cNvPr>
-          <p:cNvSpPr txBox="1"/>
-          <p:nvPr/>
-        </p:nvSpPr>
-        <p:spPr>
-          <a:xfrm>
-            <a:off x="5751805" y="2436237"/>
-            <a:ext cx="2980303" cy="646331"/>
-          </a:xfrm>
-          <a:prstGeom prst="rect">
-            <a:avLst/>
-          </a:prstGeom>
-          <a:noFill/>
-        </p:spPr>
-        <p:txBody>
-          <a:bodyPr wrap="none" rtlCol="0">
-            <a:spAutoFit/>
-          </a:bodyPr>
-          <a:lstStyle/>
-          <a:p>
-            <a:r>
-              <a:rPr lang="en-US" altLang="zh-TW" dirty="0">
-                <a:latin typeface="Times New Roman" panose="02020603050405020304" pitchFamily="18" charset="0"/>
-                <a:cs typeface="Times New Roman" panose="02020603050405020304" pitchFamily="18" charset="0"/>
-              </a:rPr>
-              <a:t>Fill the blank folders with the </a:t>
-            </a:r>
-          </a:p>
-          <a:p>
-            <a:r>
-              <a:rPr lang="en-US" altLang="zh-TW" i="1" dirty="0">
-                <a:latin typeface="Times New Roman" panose="02020603050405020304" pitchFamily="18" charset="0"/>
-                <a:cs typeface="Times New Roman" panose="02020603050405020304" pitchFamily="18" charset="0"/>
-              </a:rPr>
-              <a:t>.</a:t>
-            </a:r>
-            <a:r>
-              <a:rPr lang="en-US" altLang="zh-TW" i="1" dirty="0" err="1">
-                <a:latin typeface="Times New Roman" panose="02020603050405020304" pitchFamily="18" charset="0"/>
-                <a:cs typeface="Times New Roman" panose="02020603050405020304" pitchFamily="18" charset="0"/>
-              </a:rPr>
-              <a:t>db</a:t>
-            </a:r>
-            <a:r>
-              <a:rPr lang="en-US" altLang="zh-TW" i="1" dirty="0">
-                <a:latin typeface="Times New Roman" panose="02020603050405020304" pitchFamily="18" charset="0"/>
-                <a:cs typeface="Times New Roman" panose="02020603050405020304" pitchFamily="18" charset="0"/>
-              </a:rPr>
-              <a:t>/ .lib/ .</a:t>
-            </a:r>
-            <a:r>
-              <a:rPr lang="en-US" altLang="zh-TW" i="1" dirty="0" err="1">
-                <a:latin typeface="Times New Roman" panose="02020603050405020304" pitchFamily="18" charset="0"/>
-                <a:cs typeface="Times New Roman" panose="02020603050405020304" pitchFamily="18" charset="0"/>
-              </a:rPr>
-              <a:t>lef</a:t>
-            </a:r>
-            <a:r>
-              <a:rPr lang="en-US" altLang="zh-TW" i="1" dirty="0">
-                <a:latin typeface="Times New Roman" panose="02020603050405020304" pitchFamily="18" charset="0"/>
-                <a:cs typeface="Times New Roman" panose="02020603050405020304" pitchFamily="18" charset="0"/>
-              </a:rPr>
-              <a:t>/ .</a:t>
-            </a:r>
-            <a:r>
-              <a:rPr lang="en-US" altLang="zh-TW" i="1" dirty="0" err="1">
-                <a:latin typeface="Times New Roman" panose="02020603050405020304" pitchFamily="18" charset="0"/>
-                <a:cs typeface="Times New Roman" panose="02020603050405020304" pitchFamily="18" charset="0"/>
-              </a:rPr>
-              <a:t>ps</a:t>
-            </a:r>
-            <a:r>
-              <a:rPr lang="en-US" altLang="zh-TW" i="1" dirty="0">
-                <a:latin typeface="Times New Roman" panose="02020603050405020304" pitchFamily="18" charset="0"/>
-                <a:cs typeface="Times New Roman" panose="02020603050405020304" pitchFamily="18" charset="0"/>
-              </a:rPr>
-              <a:t>/ .v </a:t>
-            </a:r>
-            <a:r>
-              <a:rPr lang="en-US" altLang="zh-TW" dirty="0">
-                <a:latin typeface="Times New Roman" panose="02020603050405020304" pitchFamily="18" charset="0"/>
-                <a:cs typeface="Times New Roman" panose="02020603050405020304" pitchFamily="18" charset="0"/>
-              </a:rPr>
-              <a:t>files</a:t>
-            </a:r>
-            <a:endParaRPr lang="zh-TW" altLang="en-US" dirty="0">
-              <a:latin typeface="Times New Roman" panose="02020603050405020304" pitchFamily="18" charset="0"/>
-              <a:cs typeface="Times New Roman" panose="02020603050405020304" pitchFamily="18" charset="0"/>
-            </a:endParaRPr>
-          </a:p>
-        </p:txBody>
-      </p:sp>
+            </a:fontRef>
+          </p:style>
+        </p:cxnSp>
+        <p:cxnSp>
+          <p:nvCxnSpPr>
+            <p:cNvPr id="27" name="直線單箭頭接點 26">
+              <a:extLst>
+                <a:ext uri="{FF2B5EF4-FFF2-40B4-BE49-F238E27FC236}">
+                  <a16:creationId xmlns:a16="http://schemas.microsoft.com/office/drawing/2014/main" id="{ECA91064-EB8B-4233-9039-7AAB7A8D489C}"/>
+                </a:ext>
+              </a:extLst>
+            </p:cNvPr>
+            <p:cNvCxnSpPr>
+              <a:cxnSpLocks/>
+            </p:cNvCxnSpPr>
+            <p:nvPr/>
+          </p:nvCxnSpPr>
+          <p:spPr>
+            <a:xfrm flipV="1">
+              <a:off x="4302450" y="3213566"/>
+              <a:ext cx="1163887" cy="30043"/>
+            </a:xfrm>
+            <a:prstGeom prst="straightConnector1">
+              <a:avLst/>
+            </a:prstGeom>
+            <a:ln w="12700">
+              <a:solidFill>
+                <a:schemeClr val="accent5"/>
+              </a:solidFill>
+              <a:tailEnd type="triangle"/>
+            </a:ln>
+          </p:spPr>
+          <p:style>
+            <a:lnRef idx="1">
+              <a:schemeClr val="accent1"/>
+            </a:lnRef>
+            <a:fillRef idx="0">
+              <a:schemeClr val="accent1"/>
+            </a:fillRef>
+            <a:effectRef idx="0">
+              <a:schemeClr val="accent1"/>
+            </a:effectRef>
+            <a:fontRef idx="minor">
+              <a:schemeClr val="tx1"/>
+            </a:fontRef>
+          </p:style>
+        </p:cxnSp>
+        <p:cxnSp>
+          <p:nvCxnSpPr>
+            <p:cNvPr id="28" name="直線單箭頭接點 27">
+              <a:extLst>
+                <a:ext uri="{FF2B5EF4-FFF2-40B4-BE49-F238E27FC236}">
+                  <a16:creationId xmlns:a16="http://schemas.microsoft.com/office/drawing/2014/main" id="{9845A723-0373-4658-89B3-F7E4FA21F4BA}"/>
+                </a:ext>
+              </a:extLst>
+            </p:cNvPr>
+            <p:cNvCxnSpPr>
+              <a:cxnSpLocks/>
+            </p:cNvCxnSpPr>
+            <p:nvPr/>
+          </p:nvCxnSpPr>
+          <p:spPr>
+            <a:xfrm>
+              <a:off x="4302450" y="3495903"/>
+              <a:ext cx="1140298" cy="793853"/>
+            </a:xfrm>
+            <a:prstGeom prst="straightConnector1">
+              <a:avLst/>
+            </a:prstGeom>
+            <a:ln w="12700">
+              <a:solidFill>
+                <a:schemeClr val="accent5"/>
+              </a:solidFill>
+              <a:tailEnd type="triangle"/>
+            </a:ln>
+          </p:spPr>
+          <p:style>
+            <a:lnRef idx="1">
+              <a:schemeClr val="accent1"/>
+            </a:lnRef>
+            <a:fillRef idx="0">
+              <a:schemeClr val="accent1"/>
+            </a:fillRef>
+            <a:effectRef idx="0">
+              <a:schemeClr val="accent1"/>
+            </a:effectRef>
+            <a:fontRef idx="minor">
+              <a:schemeClr val="tx1"/>
+            </a:fontRef>
+          </p:style>
+        </p:cxnSp>
+        <p:sp>
+          <p:nvSpPr>
+            <p:cNvPr id="29" name="矩形 28">
+              <a:extLst>
+                <a:ext uri="{FF2B5EF4-FFF2-40B4-BE49-F238E27FC236}">
+                  <a16:creationId xmlns:a16="http://schemas.microsoft.com/office/drawing/2014/main" id="{AEE75FB9-2103-4EC7-A07A-8A1C10AB6B94}"/>
+                </a:ext>
+              </a:extLst>
+            </p:cNvPr>
+            <p:cNvSpPr/>
+            <p:nvPr/>
+          </p:nvSpPr>
+          <p:spPr>
+            <a:xfrm>
+              <a:off x="3169526" y="3243134"/>
+              <a:ext cx="1132924" cy="260058"/>
+            </a:xfrm>
+            <a:prstGeom prst="rect">
+              <a:avLst/>
+            </a:prstGeom>
+            <a:noFill/>
+            <a:ln>
+              <a:solidFill>
+                <a:schemeClr val="accent5"/>
+              </a:solidFill>
+            </a:ln>
+          </p:spPr>
+          <p:style>
+            <a:lnRef idx="2">
+              <a:schemeClr val="accent1">
+                <a:shade val="50000"/>
+              </a:schemeClr>
+            </a:lnRef>
+            <a:fillRef idx="1">
+              <a:schemeClr val="accent1"/>
+            </a:fillRef>
+            <a:effectRef idx="0">
+              <a:schemeClr val="accent1"/>
+            </a:effectRef>
+            <a:fontRef idx="minor">
+              <a:schemeClr val="lt1"/>
+            </a:fontRef>
+          </p:style>
+          <p:txBody>
+            <a:bodyPr rtlCol="0" anchor="ctr"/>
+            <a:lstStyle/>
+            <a:p>
+              <a:pPr algn="ctr"/>
+              <a:endParaRPr lang="zh-TW" altLang="en-US"/>
+            </a:p>
+          </p:txBody>
+        </p:sp>
+        <p:sp>
+          <p:nvSpPr>
+            <p:cNvPr id="33" name="箭號: 向下 32">
+              <a:extLst>
+                <a:ext uri="{FF2B5EF4-FFF2-40B4-BE49-F238E27FC236}">
+                  <a16:creationId xmlns:a16="http://schemas.microsoft.com/office/drawing/2014/main" id="{7D881004-D3FD-4642-931B-58D245F771FA}"/>
+                </a:ext>
+              </a:extLst>
+            </p:cNvPr>
+            <p:cNvSpPr/>
+            <p:nvPr/>
+          </p:nvSpPr>
+          <p:spPr>
+            <a:xfrm>
+              <a:off x="6699670" y="3077185"/>
+              <a:ext cx="280136" cy="465846"/>
+            </a:xfrm>
+            <a:prstGeom prst="downArrow">
+              <a:avLst/>
+            </a:prstGeom>
+            <a:noFill/>
+            <a:ln>
+              <a:solidFill>
+                <a:schemeClr val="tx1"/>
+              </a:solidFill>
+            </a:ln>
+          </p:spPr>
+          <p:style>
+            <a:lnRef idx="2">
+              <a:schemeClr val="accent1">
+                <a:shade val="50000"/>
+              </a:schemeClr>
+            </a:lnRef>
+            <a:fillRef idx="1">
+              <a:schemeClr val="accent1"/>
+            </a:fillRef>
+            <a:effectRef idx="0">
+              <a:schemeClr val="accent1"/>
+            </a:effectRef>
+            <a:fontRef idx="minor">
+              <a:schemeClr val="lt1"/>
+            </a:fontRef>
+          </p:style>
+          <p:txBody>
+            <a:bodyPr rtlCol="0" anchor="ctr"/>
+            <a:lstStyle/>
+            <a:p>
+              <a:pPr algn="ctr"/>
+              <a:endParaRPr lang="zh-TW" altLang="en-US"/>
+            </a:p>
+          </p:txBody>
+        </p:sp>
+        <p:sp>
+          <p:nvSpPr>
+            <p:cNvPr id="34" name="文字方塊 33">
+              <a:extLst>
+                <a:ext uri="{FF2B5EF4-FFF2-40B4-BE49-F238E27FC236}">
+                  <a16:creationId xmlns:a16="http://schemas.microsoft.com/office/drawing/2014/main" id="{71000A0E-3B97-482C-89A6-3F9B0BE13D4F}"/>
+                </a:ext>
+              </a:extLst>
+            </p:cNvPr>
+            <p:cNvSpPr txBox="1"/>
+            <p:nvPr/>
+          </p:nvSpPr>
+          <p:spPr>
+            <a:xfrm>
+              <a:off x="5751805" y="2436237"/>
+              <a:ext cx="2980303" cy="646331"/>
+            </a:xfrm>
+            <a:prstGeom prst="rect">
+              <a:avLst/>
+            </a:prstGeom>
+            <a:noFill/>
+          </p:spPr>
+          <p:txBody>
+            <a:bodyPr wrap="none" rtlCol="0">
+              <a:spAutoFit/>
+            </a:bodyPr>
+            <a:lstStyle/>
+            <a:p>
+              <a:r>
+                <a:rPr lang="en-US" altLang="zh-TW" dirty="0">
+                  <a:latin typeface="Times New Roman" panose="02020603050405020304" pitchFamily="18" charset="0"/>
+                  <a:cs typeface="Times New Roman" panose="02020603050405020304" pitchFamily="18" charset="0"/>
+                </a:rPr>
+                <a:t>Fill the blank folders with the </a:t>
+              </a:r>
+            </a:p>
+            <a:p>
+              <a:r>
+                <a:rPr lang="en-US" altLang="zh-TW" i="1" dirty="0">
+                  <a:latin typeface="Times New Roman" panose="02020603050405020304" pitchFamily="18" charset="0"/>
+                  <a:cs typeface="Times New Roman" panose="02020603050405020304" pitchFamily="18" charset="0"/>
+                </a:rPr>
+                <a:t>.</a:t>
+              </a:r>
+              <a:r>
+                <a:rPr lang="en-US" altLang="zh-TW" i="1" dirty="0" err="1">
+                  <a:latin typeface="Times New Roman" panose="02020603050405020304" pitchFamily="18" charset="0"/>
+                  <a:cs typeface="Times New Roman" panose="02020603050405020304" pitchFamily="18" charset="0"/>
+                </a:rPr>
+                <a:t>db</a:t>
+              </a:r>
+              <a:r>
+                <a:rPr lang="en-US" altLang="zh-TW" i="1" dirty="0">
+                  <a:latin typeface="Times New Roman" panose="02020603050405020304" pitchFamily="18" charset="0"/>
+                  <a:cs typeface="Times New Roman" panose="02020603050405020304" pitchFamily="18" charset="0"/>
+                </a:rPr>
+                <a:t>/ .lib/ .</a:t>
+              </a:r>
+              <a:r>
+                <a:rPr lang="en-US" altLang="zh-TW" i="1" dirty="0" err="1">
+                  <a:latin typeface="Times New Roman" panose="02020603050405020304" pitchFamily="18" charset="0"/>
+                  <a:cs typeface="Times New Roman" panose="02020603050405020304" pitchFamily="18" charset="0"/>
+                </a:rPr>
+                <a:t>lef</a:t>
+              </a:r>
+              <a:r>
+                <a:rPr lang="en-US" altLang="zh-TW" i="1" dirty="0">
+                  <a:latin typeface="Times New Roman" panose="02020603050405020304" pitchFamily="18" charset="0"/>
+                  <a:cs typeface="Times New Roman" panose="02020603050405020304" pitchFamily="18" charset="0"/>
+                </a:rPr>
+                <a:t>/ .</a:t>
+              </a:r>
+              <a:r>
+                <a:rPr lang="en-US" altLang="zh-TW" i="1" dirty="0" err="1">
+                  <a:latin typeface="Times New Roman" panose="02020603050405020304" pitchFamily="18" charset="0"/>
+                  <a:cs typeface="Times New Roman" panose="02020603050405020304" pitchFamily="18" charset="0"/>
+                </a:rPr>
+                <a:t>ps</a:t>
+              </a:r>
+              <a:r>
+                <a:rPr lang="en-US" altLang="zh-TW" i="1" dirty="0">
+                  <a:latin typeface="Times New Roman" panose="02020603050405020304" pitchFamily="18" charset="0"/>
+                  <a:cs typeface="Times New Roman" panose="02020603050405020304" pitchFamily="18" charset="0"/>
+                </a:rPr>
+                <a:t>/ .v </a:t>
+              </a:r>
+              <a:r>
+                <a:rPr lang="en-US" altLang="zh-TW" dirty="0">
+                  <a:latin typeface="Times New Roman" panose="02020603050405020304" pitchFamily="18" charset="0"/>
+                  <a:cs typeface="Times New Roman" panose="02020603050405020304" pitchFamily="18" charset="0"/>
+                </a:rPr>
+                <a:t>files</a:t>
+              </a:r>
+              <a:endParaRPr lang="zh-TW" altLang="en-US" dirty="0">
+                <a:latin typeface="Times New Roman" panose="02020603050405020304" pitchFamily="18" charset="0"/>
+                <a:cs typeface="Times New Roman" panose="02020603050405020304" pitchFamily="18" charset="0"/>
+              </a:endParaRPr>
+            </a:p>
+          </p:txBody>
+        </p:sp>
+      </p:grpSp>
     </p:spTree>
     <p:extLst>
       <p:ext uri="{BB962C8B-B14F-4D97-AF65-F5344CB8AC3E}">
@@ -14294,9 +17380,7 @@
         </p:nvSpPr>
         <p:spPr/>
         <p:txBody>
-          <a:bodyPr>
-            <a:normAutofit/>
-          </a:bodyPr>
+          <a:bodyPr/>
           <a:lstStyle/>
           <a:p>
             <a:r>
@@ -14337,154 +17421,77 @@
                 <a:latin typeface="Times New Roman" panose="02020603050405020304" pitchFamily="18" charset="0"/>
                 <a:cs typeface="Times New Roman" panose="02020603050405020304" pitchFamily="18" charset="0"/>
               </a:rPr>
-              <a:t>Steps:</a:t>
-            </a:r>
-          </a:p>
-          <a:p>
-            <a:pPr marL="800100" lvl="1" indent="-342900">
-              <a:buFont typeface="+mj-lt"/>
-              <a:buAutoNum type="arabicPeriod"/>
-            </a:pPr>
+              <a:t>Dual-port SRAM:</a:t>
+            </a:r>
+          </a:p>
+          <a:p>
+            <a:pPr lvl="1"/>
             <a:r>
               <a:rPr lang="en-US" altLang="zh-TW" dirty="0">
                 <a:latin typeface="Times New Roman" panose="02020603050405020304" pitchFamily="18" charset="0"/>
                 <a:cs typeface="Times New Roman" panose="02020603050405020304" pitchFamily="18" charset="0"/>
               </a:rPr>
-              <a:t>Generate all the files</a:t>
-            </a:r>
-          </a:p>
-          <a:p>
-            <a:pPr marL="800100" lvl="1" indent="-342900">
-              <a:buFont typeface="+mj-lt"/>
-              <a:buAutoNum type="arabicPeriod"/>
-            </a:pPr>
+              <a:t>always 1 read 1 write</a:t>
+            </a:r>
+          </a:p>
+          <a:p>
+            <a:pPr lvl="1"/>
             <a:r>
               <a:rPr lang="en-US" altLang="zh-TW" dirty="0">
                 <a:latin typeface="Times New Roman" panose="02020603050405020304" pitchFamily="18" charset="0"/>
                 <a:cs typeface="Times New Roman" panose="02020603050405020304" pitchFamily="18" charset="0"/>
               </a:rPr>
-              <a:t>RTL simulation: 		</a:t>
-            </a:r>
-            <a:r>
-              <a:rPr lang="en-US" altLang="zh-TW" i="1" dirty="0">
-                <a:solidFill>
-                  <a:srgbClr val="C00000"/>
-                </a:solidFill>
-                <a:latin typeface="Times New Roman" panose="02020603050405020304" pitchFamily="18" charset="0"/>
-                <a:cs typeface="Times New Roman" panose="02020603050405020304" pitchFamily="18" charset="0"/>
-              </a:rPr>
-              <a:t>bash </a:t>
-            </a:r>
-            <a:r>
-              <a:rPr lang="en-US" altLang="zh-TW" i="1" dirty="0" err="1">
-                <a:solidFill>
-                  <a:srgbClr val="C00000"/>
-                </a:solidFill>
-                <a:latin typeface="Times New Roman" panose="02020603050405020304" pitchFamily="18" charset="0"/>
-                <a:cs typeface="Times New Roman" panose="02020603050405020304" pitchFamily="18" charset="0"/>
-              </a:rPr>
-              <a:t>simcommand_rtl</a:t>
-            </a:r>
-            <a:endParaRPr lang="en-US" altLang="zh-TW" i="1" dirty="0">
-              <a:solidFill>
-                <a:srgbClr val="C00000"/>
-              </a:solidFill>
+              <a:t>find some bugs in </a:t>
+            </a:r>
+            <a:r>
+              <a:rPr lang="en-US" altLang="zh-TW" b="1" u="sng" dirty="0" err="1">
+                <a:latin typeface="Times New Roman" panose="02020603050405020304" pitchFamily="18" charset="0"/>
+                <a:cs typeface="Times New Roman" panose="02020603050405020304" pitchFamily="18" charset="0"/>
+              </a:rPr>
+              <a:t>sram_wrapper.v</a:t>
+            </a:r>
+            <a:endParaRPr lang="en-US" altLang="zh-TW" b="1" u="sng" dirty="0">
               <a:latin typeface="Times New Roman" panose="02020603050405020304" pitchFamily="18" charset="0"/>
               <a:cs typeface="Times New Roman" panose="02020603050405020304" pitchFamily="18" charset="0"/>
             </a:endParaRPr>
           </a:p>
           <a:p>
-            <a:pPr marL="800100" lvl="1" indent="-342900">
-              <a:buFont typeface="+mj-lt"/>
-              <a:buAutoNum type="arabicPeriod"/>
-            </a:pPr>
-            <a:r>
-              <a:rPr lang="en-US" altLang="zh-TW" dirty="0">
-                <a:latin typeface="Times New Roman" panose="02020603050405020304" pitchFamily="18" charset="0"/>
-                <a:cs typeface="Times New Roman" panose="02020603050405020304" pitchFamily="18" charset="0"/>
-              </a:rPr>
-              <a:t>Synthesis (syn/): 		</a:t>
-            </a:r>
-            <a:r>
-              <a:rPr lang="en-US" altLang="zh-TW" i="1" dirty="0" err="1">
-                <a:solidFill>
-                  <a:srgbClr val="C00000"/>
-                </a:solidFill>
-                <a:latin typeface="Times New Roman" panose="02020603050405020304" pitchFamily="18" charset="0"/>
-                <a:cs typeface="Times New Roman" panose="02020603050405020304" pitchFamily="18" charset="0"/>
-              </a:rPr>
-              <a:t>dc_shell</a:t>
-            </a:r>
-            <a:r>
-              <a:rPr lang="en-US" altLang="zh-TW" i="1" dirty="0">
-                <a:solidFill>
-                  <a:srgbClr val="C00000"/>
-                </a:solidFill>
-                <a:latin typeface="Times New Roman" panose="02020603050405020304" pitchFamily="18" charset="0"/>
-                <a:cs typeface="Times New Roman" panose="02020603050405020304" pitchFamily="18" charset="0"/>
-              </a:rPr>
-              <a:t> –f </a:t>
-            </a:r>
-            <a:r>
-              <a:rPr lang="en-US" altLang="zh-TW" i="1" dirty="0" err="1">
-                <a:solidFill>
-                  <a:srgbClr val="C00000"/>
-                </a:solidFill>
-                <a:latin typeface="Times New Roman" panose="02020603050405020304" pitchFamily="18" charset="0"/>
-                <a:cs typeface="Times New Roman" panose="02020603050405020304" pitchFamily="18" charset="0"/>
-              </a:rPr>
-              <a:t>all_syn.tcl</a:t>
-            </a:r>
-            <a:endParaRPr lang="en-US" altLang="zh-TW" i="1" dirty="0">
-              <a:solidFill>
-                <a:srgbClr val="C00000"/>
-              </a:solidFill>
+            <a:pPr lvl="2"/>
+            <a:r>
+              <a:rPr lang="en-US" altLang="zh-TW" sz="1800" dirty="0">
+                <a:latin typeface="Times New Roman" panose="02020603050405020304" pitchFamily="18" charset="0"/>
+                <a:cs typeface="Times New Roman" panose="02020603050405020304" pitchFamily="18" charset="0"/>
+              </a:rPr>
+              <a:t>take A as write port </a:t>
+            </a:r>
+          </a:p>
+          <a:p>
+            <a:pPr lvl="2"/>
+            <a:r>
+              <a:rPr lang="en-US" altLang="zh-TW" sz="1800" dirty="0">
+                <a:latin typeface="Times New Roman" panose="02020603050405020304" pitchFamily="18" charset="0"/>
+                <a:cs typeface="Times New Roman" panose="02020603050405020304" pitchFamily="18" charset="0"/>
+              </a:rPr>
+              <a:t>take B as read port </a:t>
+            </a:r>
+          </a:p>
+          <a:p>
+            <a:pPr lvl="2"/>
+            <a:endParaRPr lang="en-US" altLang="zh-TW" dirty="0">
               <a:latin typeface="Times New Roman" panose="02020603050405020304" pitchFamily="18" charset="0"/>
               <a:cs typeface="Times New Roman" panose="02020603050405020304" pitchFamily="18" charset="0"/>
             </a:endParaRPr>
           </a:p>
           <a:p>
-            <a:pPr marL="800100" lvl="1" indent="-342900">
-              <a:buFont typeface="+mj-lt"/>
-              <a:buAutoNum type="arabicPeriod"/>
-            </a:pPr>
-            <a:r>
-              <a:rPr lang="en-US" altLang="zh-TW" dirty="0">
-                <a:latin typeface="Times New Roman" panose="02020603050405020304" pitchFamily="18" charset="0"/>
-                <a:cs typeface="Times New Roman" panose="02020603050405020304" pitchFamily="18" charset="0"/>
-              </a:rPr>
-              <a:t>Post-Synthesis simulation:	</a:t>
-            </a:r>
-            <a:r>
-              <a:rPr lang="en-US" altLang="zh-TW" i="1" dirty="0">
-                <a:solidFill>
-                  <a:srgbClr val="C00000"/>
-                </a:solidFill>
-                <a:latin typeface="Times New Roman" panose="02020603050405020304" pitchFamily="18" charset="0"/>
-                <a:cs typeface="Times New Roman" panose="02020603050405020304" pitchFamily="18" charset="0"/>
-              </a:rPr>
-              <a:t>bash </a:t>
-            </a:r>
-            <a:r>
-              <a:rPr lang="en-US" altLang="zh-TW" i="1" dirty="0" err="1">
-                <a:solidFill>
-                  <a:srgbClr val="C00000"/>
-                </a:solidFill>
-                <a:latin typeface="Times New Roman" panose="02020603050405020304" pitchFamily="18" charset="0"/>
-                <a:cs typeface="Times New Roman" panose="02020603050405020304" pitchFamily="18" charset="0"/>
-              </a:rPr>
-              <a:t>simcommand_syn</a:t>
-            </a:r>
-            <a:endParaRPr lang="en-US" altLang="zh-TW" i="1" dirty="0">
-              <a:solidFill>
-                <a:srgbClr val="C00000"/>
-              </a:solidFill>
+            <a:pPr lvl="1"/>
+            <a:endParaRPr lang="en-US" altLang="zh-TW" dirty="0">
               <a:latin typeface="Times New Roman" panose="02020603050405020304" pitchFamily="18" charset="0"/>
               <a:cs typeface="Times New Roman" panose="02020603050405020304" pitchFamily="18" charset="0"/>
             </a:endParaRPr>
           </a:p>
           <a:p>
-            <a:endParaRPr lang="en-US" altLang="zh-TW" dirty="0">
+            <a:pPr lvl="1"/>
+            <a:endParaRPr lang="zh-TW" altLang="en-US" dirty="0">
               <a:latin typeface="Times New Roman" panose="02020603050405020304" pitchFamily="18" charset="0"/>
               <a:cs typeface="Times New Roman" panose="02020603050405020304" pitchFamily="18" charset="0"/>
             </a:endParaRPr>
@@ -14509,6 +17516,1553 @@
             <a:fld id="{D4E83C2F-CC96-46F6-9B3C-3132E4070188}" type="slidenum">
               <a:rPr lang="zh-TW" altLang="en-US" smtClean="0"/>
               <a:t>24</a:t>
+            </a:fld>
+            <a:endParaRPr lang="zh-TW" altLang="en-US"/>
+          </a:p>
+        </p:txBody>
+      </p:sp>
+      <p:graphicFrame>
+        <p:nvGraphicFramePr>
+          <p:cNvPr id="10" name="表格 9">
+            <a:extLst>
+              <a:ext uri="{FF2B5EF4-FFF2-40B4-BE49-F238E27FC236}">
+                <a16:creationId xmlns:a16="http://schemas.microsoft.com/office/drawing/2014/main" id="{CDB358DC-2185-4FB5-A476-CD9CA236C8B1}"/>
+              </a:ext>
+            </a:extLst>
+          </p:cNvPr>
+          <p:cNvGraphicFramePr>
+            <a:graphicFrameLocks noGrp="1"/>
+          </p:cNvGraphicFramePr>
+          <p:nvPr>
+            <p:extLst>
+              <p:ext uri="{D42A27DB-BD31-4B8C-83A1-F6EECF244321}">
+                <p14:modId xmlns:p14="http://schemas.microsoft.com/office/powerpoint/2010/main" val="745760766"/>
+              </p:ext>
+            </p:extLst>
+          </p:nvPr>
+        </p:nvGraphicFramePr>
+        <p:xfrm>
+          <a:off x="5492454" y="141448"/>
+          <a:ext cx="3543016" cy="3413760"/>
+        </p:xfrm>
+        <a:graphic>
+          <a:graphicData uri="http://schemas.openxmlformats.org/drawingml/2006/table">
+            <a:tbl>
+              <a:tblPr firstRow="1" bandRow="1">
+                <a:tableStyleId>{2D5ABB26-0587-4C30-8999-92F81FD0307C}</a:tableStyleId>
+              </a:tblPr>
+              <a:tblGrid>
+                <a:gridCol w="1354550">
+                  <a:extLst>
+                    <a:ext uri="{9D8B030D-6E8A-4147-A177-3AD203B41FA5}">
+                      <a16:colId xmlns:a16="http://schemas.microsoft.com/office/drawing/2014/main" val="1717510897"/>
+                    </a:ext>
+                  </a:extLst>
+                </a:gridCol>
+                <a:gridCol w="2188466">
+                  <a:extLst>
+                    <a:ext uri="{9D8B030D-6E8A-4147-A177-3AD203B41FA5}">
+                      <a16:colId xmlns:a16="http://schemas.microsoft.com/office/drawing/2014/main" val="865475896"/>
+                    </a:ext>
+                  </a:extLst>
+                </a:gridCol>
+              </a:tblGrid>
+              <a:tr h="253630">
+                <a:tc>
+                  <a:txBody>
+                    <a:bodyPr/>
+                    <a:lstStyle/>
+                    <a:p>
+                      <a:pPr algn="ctr"/>
+                      <a:r>
+                        <a:rPr lang="en-US" altLang="zh-TW" sz="1600" dirty="0">
+                          <a:latin typeface="Times New Roman" panose="02020603050405020304" pitchFamily="18" charset="0"/>
+                          <a:cs typeface="Times New Roman" panose="02020603050405020304" pitchFamily="18" charset="0"/>
+                        </a:rPr>
+                        <a:t>Port</a:t>
+                      </a:r>
+                      <a:r>
+                        <a:rPr lang="en-US" altLang="zh-TW" sz="1600" baseline="0" dirty="0">
+                          <a:latin typeface="Times New Roman" panose="02020603050405020304" pitchFamily="18" charset="0"/>
+                          <a:cs typeface="Times New Roman" panose="02020603050405020304" pitchFamily="18" charset="0"/>
+                        </a:rPr>
+                        <a:t> name</a:t>
+                      </a:r>
+                      <a:endParaRPr lang="zh-TW" altLang="en-US" sz="1600" dirty="0">
+                        <a:latin typeface="Times New Roman" panose="02020603050405020304" pitchFamily="18" charset="0"/>
+                        <a:cs typeface="Times New Roman" panose="02020603050405020304" pitchFamily="18" charset="0"/>
+                      </a:endParaRPr>
+                    </a:p>
+                  </a:txBody>
+                  <a:tcPr>
+                    <a:lnL w="12700" cap="flat" cmpd="sng" algn="ctr">
+                      <a:solidFill>
+                        <a:schemeClr val="tx1"/>
+                      </a:solidFill>
+                      <a:prstDash val="solid"/>
+                      <a:round/>
+                      <a:headEnd type="none" w="med" len="med"/>
+                      <a:tailEnd type="none" w="med" len="med"/>
+                    </a:lnL>
+                    <a:lnR w="12700" cap="flat" cmpd="sng" algn="ctr">
+                      <a:solidFill>
+                        <a:schemeClr val="tx1"/>
+                      </a:solidFill>
+                      <a:prstDash val="solid"/>
+                      <a:round/>
+                      <a:headEnd type="none" w="med" len="med"/>
+                      <a:tailEnd type="none" w="med" len="med"/>
+                    </a:lnR>
+                    <a:lnT w="12700" cap="flat" cmpd="sng" algn="ctr">
+                      <a:solidFill>
+                        <a:schemeClr val="tx1"/>
+                      </a:solidFill>
+                      <a:prstDash val="solid"/>
+                      <a:round/>
+                      <a:headEnd type="none" w="med" len="med"/>
+                      <a:tailEnd type="none" w="med" len="med"/>
+                    </a:lnT>
+                    <a:lnB w="12700" cap="flat" cmpd="sng" algn="ctr">
+                      <a:solidFill>
+                        <a:schemeClr val="tx1"/>
+                      </a:solidFill>
+                      <a:prstDash val="solid"/>
+                      <a:round/>
+                      <a:headEnd type="none" w="med" len="med"/>
+                      <a:tailEnd type="none" w="med" len="med"/>
+                    </a:lnB>
+                    <a:solidFill>
+                      <a:schemeClr val="accent2">
+                        <a:lumMod val="40000"/>
+                        <a:lumOff val="60000"/>
+                      </a:schemeClr>
+                    </a:solidFill>
+                  </a:tcPr>
+                </a:tc>
+                <a:tc>
+                  <a:txBody>
+                    <a:bodyPr/>
+                    <a:lstStyle/>
+                    <a:p>
+                      <a:pPr algn="ctr"/>
+                      <a:r>
+                        <a:rPr lang="en-US" altLang="zh-TW" sz="1600" dirty="0">
+                          <a:latin typeface="Times New Roman" panose="02020603050405020304" pitchFamily="18" charset="0"/>
+                          <a:cs typeface="Times New Roman" panose="02020603050405020304" pitchFamily="18" charset="0"/>
+                        </a:rPr>
+                        <a:t>Description</a:t>
+                      </a:r>
+                      <a:endParaRPr lang="zh-TW" altLang="en-US" sz="1600" dirty="0">
+                        <a:latin typeface="Times New Roman" panose="02020603050405020304" pitchFamily="18" charset="0"/>
+                        <a:cs typeface="Times New Roman" panose="02020603050405020304" pitchFamily="18" charset="0"/>
+                      </a:endParaRPr>
+                    </a:p>
+                  </a:txBody>
+                  <a:tcPr>
+                    <a:lnL w="12700" cap="flat" cmpd="sng" algn="ctr">
+                      <a:solidFill>
+                        <a:schemeClr val="tx1"/>
+                      </a:solidFill>
+                      <a:prstDash val="solid"/>
+                      <a:round/>
+                      <a:headEnd type="none" w="med" len="med"/>
+                      <a:tailEnd type="none" w="med" len="med"/>
+                    </a:lnL>
+                    <a:lnR w="12700" cap="flat" cmpd="sng" algn="ctr">
+                      <a:solidFill>
+                        <a:schemeClr val="tx1"/>
+                      </a:solidFill>
+                      <a:prstDash val="solid"/>
+                      <a:round/>
+                      <a:headEnd type="none" w="med" len="med"/>
+                      <a:tailEnd type="none" w="med" len="med"/>
+                    </a:lnR>
+                    <a:lnT w="12700" cap="flat" cmpd="sng" algn="ctr">
+                      <a:solidFill>
+                        <a:schemeClr val="tx1"/>
+                      </a:solidFill>
+                      <a:prstDash val="solid"/>
+                      <a:round/>
+                      <a:headEnd type="none" w="med" len="med"/>
+                      <a:tailEnd type="none" w="med" len="med"/>
+                    </a:lnT>
+                    <a:lnB w="12700" cap="flat" cmpd="sng" algn="ctr">
+                      <a:solidFill>
+                        <a:schemeClr val="tx1"/>
+                      </a:solidFill>
+                      <a:prstDash val="solid"/>
+                      <a:round/>
+                      <a:headEnd type="none" w="med" len="med"/>
+                      <a:tailEnd type="none" w="med" len="med"/>
+                    </a:lnB>
+                    <a:solidFill>
+                      <a:schemeClr val="accent2">
+                        <a:lumMod val="40000"/>
+                        <a:lumOff val="60000"/>
+                      </a:schemeClr>
+                    </a:solidFill>
+                  </a:tcPr>
+                </a:tc>
+                <a:extLst>
+                  <a:ext uri="{0D108BD9-81ED-4DB2-BD59-A6C34878D82A}">
+                    <a16:rowId xmlns:a16="http://schemas.microsoft.com/office/drawing/2014/main" val="1825291563"/>
+                  </a:ext>
+                </a:extLst>
+              </a:tr>
+              <a:tr h="253630">
+                <a:tc>
+                  <a:txBody>
+                    <a:bodyPr/>
+                    <a:lstStyle/>
+                    <a:p>
+                      <a:pPr algn="ctr"/>
+                      <a:r>
+                        <a:rPr lang="en-US" altLang="zh-TW" sz="1600" dirty="0">
+                          <a:latin typeface="Times New Roman" panose="02020603050405020304" pitchFamily="18" charset="0"/>
+                          <a:cs typeface="Times New Roman" panose="02020603050405020304" pitchFamily="18" charset="0"/>
+                        </a:rPr>
+                        <a:t>CLKA/ CLKB</a:t>
+                      </a:r>
+                      <a:endParaRPr lang="zh-TW" altLang="en-US" sz="1600" dirty="0">
+                        <a:latin typeface="Times New Roman" panose="02020603050405020304" pitchFamily="18" charset="0"/>
+                        <a:cs typeface="Times New Roman" panose="02020603050405020304" pitchFamily="18" charset="0"/>
+                      </a:endParaRPr>
+                    </a:p>
+                  </a:txBody>
+                  <a:tcPr>
+                    <a:lnL w="12700" cap="flat" cmpd="sng" algn="ctr">
+                      <a:solidFill>
+                        <a:schemeClr val="tx1"/>
+                      </a:solidFill>
+                      <a:prstDash val="solid"/>
+                      <a:round/>
+                      <a:headEnd type="none" w="med" len="med"/>
+                      <a:tailEnd type="none" w="med" len="med"/>
+                    </a:lnL>
+                    <a:lnR w="12700" cap="flat" cmpd="sng" algn="ctr">
+                      <a:solidFill>
+                        <a:schemeClr val="tx1"/>
+                      </a:solidFill>
+                      <a:prstDash val="solid"/>
+                      <a:round/>
+                      <a:headEnd type="none" w="med" len="med"/>
+                      <a:tailEnd type="none" w="med" len="med"/>
+                    </a:lnR>
+                    <a:lnT w="12700" cap="flat" cmpd="sng" algn="ctr">
+                      <a:solidFill>
+                        <a:schemeClr val="tx1"/>
+                      </a:solidFill>
+                      <a:prstDash val="solid"/>
+                      <a:round/>
+                      <a:headEnd type="none" w="med" len="med"/>
+                      <a:tailEnd type="none" w="med" len="med"/>
+                    </a:lnT>
+                    <a:lnB w="12700" cap="flat" cmpd="sng" algn="ctr">
+                      <a:solidFill>
+                        <a:schemeClr val="tx1"/>
+                      </a:solidFill>
+                      <a:prstDash val="solid"/>
+                      <a:round/>
+                      <a:headEnd type="none" w="med" len="med"/>
+                      <a:tailEnd type="none" w="med" len="med"/>
+                    </a:lnB>
+                  </a:tcPr>
+                </a:tc>
+                <a:tc>
+                  <a:txBody>
+                    <a:bodyPr/>
+                    <a:lstStyle/>
+                    <a:p>
+                      <a:pPr algn="ctr"/>
+                      <a:r>
+                        <a:rPr lang="en-US" altLang="zh-TW" sz="1600" dirty="0">
+                          <a:latin typeface="Times New Roman" panose="02020603050405020304" pitchFamily="18" charset="0"/>
+                          <a:cs typeface="Times New Roman" panose="02020603050405020304" pitchFamily="18" charset="0"/>
+                        </a:rPr>
+                        <a:t>Clock</a:t>
+                      </a:r>
+                      <a:endParaRPr lang="zh-TW" altLang="en-US" sz="1600" dirty="0">
+                        <a:latin typeface="Times New Roman" panose="02020603050405020304" pitchFamily="18" charset="0"/>
+                        <a:cs typeface="Times New Roman" panose="02020603050405020304" pitchFamily="18" charset="0"/>
+                      </a:endParaRPr>
+                    </a:p>
+                  </a:txBody>
+                  <a:tcPr>
+                    <a:lnL w="12700" cap="flat" cmpd="sng" algn="ctr">
+                      <a:solidFill>
+                        <a:schemeClr val="tx1"/>
+                      </a:solidFill>
+                      <a:prstDash val="solid"/>
+                      <a:round/>
+                      <a:headEnd type="none" w="med" len="med"/>
+                      <a:tailEnd type="none" w="med" len="med"/>
+                    </a:lnL>
+                    <a:lnR w="12700" cap="flat" cmpd="sng" algn="ctr">
+                      <a:solidFill>
+                        <a:schemeClr val="tx1"/>
+                      </a:solidFill>
+                      <a:prstDash val="solid"/>
+                      <a:round/>
+                      <a:headEnd type="none" w="med" len="med"/>
+                      <a:tailEnd type="none" w="med" len="med"/>
+                    </a:lnR>
+                    <a:lnT w="12700" cap="flat" cmpd="sng" algn="ctr">
+                      <a:solidFill>
+                        <a:schemeClr val="tx1"/>
+                      </a:solidFill>
+                      <a:prstDash val="solid"/>
+                      <a:round/>
+                      <a:headEnd type="none" w="med" len="med"/>
+                      <a:tailEnd type="none" w="med" len="med"/>
+                    </a:lnT>
+                    <a:lnB w="12700" cap="flat" cmpd="sng" algn="ctr">
+                      <a:solidFill>
+                        <a:schemeClr val="tx1"/>
+                      </a:solidFill>
+                      <a:prstDash val="solid"/>
+                      <a:round/>
+                      <a:headEnd type="none" w="med" len="med"/>
+                      <a:tailEnd type="none" w="med" len="med"/>
+                    </a:lnB>
+                  </a:tcPr>
+                </a:tc>
+                <a:extLst>
+                  <a:ext uri="{0D108BD9-81ED-4DB2-BD59-A6C34878D82A}">
+                    <a16:rowId xmlns:a16="http://schemas.microsoft.com/office/drawing/2014/main" val="4053266957"/>
+                  </a:ext>
+                </a:extLst>
+              </a:tr>
+              <a:tr h="443853">
+                <a:tc>
+                  <a:txBody>
+                    <a:bodyPr/>
+                    <a:lstStyle/>
+                    <a:p>
+                      <a:pPr algn="ctr"/>
+                      <a:r>
+                        <a:rPr lang="en-US" altLang="zh-TW" sz="1600" dirty="0">
+                          <a:latin typeface="Times New Roman" panose="02020603050405020304" pitchFamily="18" charset="0"/>
+                          <a:cs typeface="Times New Roman" panose="02020603050405020304" pitchFamily="18" charset="0"/>
+                        </a:rPr>
+                        <a:t>CENA/ CENB</a:t>
+                      </a:r>
+                      <a:endParaRPr lang="zh-TW" altLang="en-US" sz="1600" dirty="0">
+                        <a:latin typeface="Times New Roman" panose="02020603050405020304" pitchFamily="18" charset="0"/>
+                        <a:cs typeface="Times New Roman" panose="02020603050405020304" pitchFamily="18" charset="0"/>
+                      </a:endParaRPr>
+                    </a:p>
+                  </a:txBody>
+                  <a:tcPr>
+                    <a:lnL w="12700" cap="flat" cmpd="sng" algn="ctr">
+                      <a:solidFill>
+                        <a:schemeClr val="tx1"/>
+                      </a:solidFill>
+                      <a:prstDash val="solid"/>
+                      <a:round/>
+                      <a:headEnd type="none" w="med" len="med"/>
+                      <a:tailEnd type="none" w="med" len="med"/>
+                    </a:lnL>
+                    <a:lnR w="12700" cap="flat" cmpd="sng" algn="ctr">
+                      <a:solidFill>
+                        <a:schemeClr val="tx1"/>
+                      </a:solidFill>
+                      <a:prstDash val="solid"/>
+                      <a:round/>
+                      <a:headEnd type="none" w="med" len="med"/>
+                      <a:tailEnd type="none" w="med" len="med"/>
+                    </a:lnR>
+                    <a:lnT w="12700" cap="flat" cmpd="sng" algn="ctr">
+                      <a:solidFill>
+                        <a:schemeClr val="tx1"/>
+                      </a:solidFill>
+                      <a:prstDash val="solid"/>
+                      <a:round/>
+                      <a:headEnd type="none" w="med" len="med"/>
+                      <a:tailEnd type="none" w="med" len="med"/>
+                    </a:lnT>
+                    <a:lnB w="12700" cap="flat" cmpd="sng" algn="ctr">
+                      <a:solidFill>
+                        <a:schemeClr val="tx1"/>
+                      </a:solidFill>
+                      <a:prstDash val="solid"/>
+                      <a:round/>
+                      <a:headEnd type="none" w="med" len="med"/>
+                      <a:tailEnd type="none" w="med" len="med"/>
+                    </a:lnB>
+                  </a:tcPr>
+                </a:tc>
+                <a:tc>
+                  <a:txBody>
+                    <a:bodyPr/>
+                    <a:lstStyle/>
+                    <a:p>
+                      <a:pPr marL="0" marR="0" indent="0" algn="ctr" defTabSz="914400" rtl="0" eaLnBrk="1" fontAlgn="auto" latinLnBrk="0" hangingPunct="1">
+                        <a:lnSpc>
+                          <a:spcPct val="100000"/>
+                        </a:lnSpc>
+                        <a:spcBef>
+                          <a:spcPts val="0"/>
+                        </a:spcBef>
+                        <a:spcAft>
+                          <a:spcPts val="0"/>
+                        </a:spcAft>
+                        <a:buClrTx/>
+                        <a:buSzTx/>
+                        <a:buFontTx/>
+                        <a:buNone/>
+                        <a:tabLst/>
+                        <a:defRPr/>
+                      </a:pPr>
+                      <a:r>
+                        <a:rPr lang="en-US" altLang="zh-TW" sz="1600" dirty="0">
+                          <a:latin typeface="Times New Roman" panose="02020603050405020304" pitchFamily="18" charset="0"/>
+                          <a:cs typeface="Times New Roman" panose="02020603050405020304" pitchFamily="18" charset="0"/>
+                        </a:rPr>
+                        <a:t>Active-</a:t>
+                      </a:r>
+                      <a:r>
+                        <a:rPr lang="en-US" altLang="zh-TW" sz="1600" dirty="0">
+                          <a:solidFill>
+                            <a:srgbClr val="C00000"/>
+                          </a:solidFill>
+                          <a:latin typeface="Times New Roman" panose="02020603050405020304" pitchFamily="18" charset="0"/>
+                          <a:cs typeface="Times New Roman" panose="02020603050405020304" pitchFamily="18" charset="0"/>
+                        </a:rPr>
+                        <a:t>low</a:t>
+                      </a:r>
+                      <a:r>
+                        <a:rPr lang="en-US" altLang="zh-TW" sz="1600" dirty="0">
+                          <a:latin typeface="Times New Roman" panose="02020603050405020304" pitchFamily="18" charset="0"/>
+                          <a:cs typeface="Times New Roman" panose="02020603050405020304" pitchFamily="18" charset="0"/>
+                        </a:rPr>
+                        <a:t> chip enable</a:t>
+                      </a:r>
+                    </a:p>
+                    <a:p>
+                      <a:pPr marL="0" marR="0" indent="0" algn="ctr" defTabSz="914400" rtl="0" eaLnBrk="1" fontAlgn="auto" latinLnBrk="0" hangingPunct="1">
+                        <a:lnSpc>
+                          <a:spcPct val="100000"/>
+                        </a:lnSpc>
+                        <a:spcBef>
+                          <a:spcPts val="0"/>
+                        </a:spcBef>
+                        <a:spcAft>
+                          <a:spcPts val="0"/>
+                        </a:spcAft>
+                        <a:buClrTx/>
+                        <a:buSzTx/>
+                        <a:buFontTx/>
+                        <a:buNone/>
+                        <a:tabLst/>
+                        <a:defRPr/>
+                      </a:pPr>
+                      <a:r>
+                        <a:rPr lang="en-US" altLang="zh-TW" sz="1600" dirty="0">
+                          <a:latin typeface="Times New Roman" panose="02020603050405020304" pitchFamily="18" charset="0"/>
+                          <a:cs typeface="Times New Roman" panose="02020603050405020304" pitchFamily="18" charset="0"/>
+                        </a:rPr>
+                        <a:t>(0 to enable)</a:t>
+                      </a:r>
+                      <a:endParaRPr lang="zh-TW" altLang="en-US" sz="1600" dirty="0">
+                        <a:latin typeface="Times New Roman" panose="02020603050405020304" pitchFamily="18" charset="0"/>
+                        <a:cs typeface="Times New Roman" panose="02020603050405020304" pitchFamily="18" charset="0"/>
+                      </a:endParaRPr>
+                    </a:p>
+                  </a:txBody>
+                  <a:tcPr>
+                    <a:lnL w="12700" cap="flat" cmpd="sng" algn="ctr">
+                      <a:solidFill>
+                        <a:schemeClr val="tx1"/>
+                      </a:solidFill>
+                      <a:prstDash val="solid"/>
+                      <a:round/>
+                      <a:headEnd type="none" w="med" len="med"/>
+                      <a:tailEnd type="none" w="med" len="med"/>
+                    </a:lnL>
+                    <a:lnR w="12700" cap="flat" cmpd="sng" algn="ctr">
+                      <a:solidFill>
+                        <a:schemeClr val="tx1"/>
+                      </a:solidFill>
+                      <a:prstDash val="solid"/>
+                      <a:round/>
+                      <a:headEnd type="none" w="med" len="med"/>
+                      <a:tailEnd type="none" w="med" len="med"/>
+                    </a:lnR>
+                    <a:lnT w="12700" cap="flat" cmpd="sng" algn="ctr">
+                      <a:solidFill>
+                        <a:schemeClr val="tx1"/>
+                      </a:solidFill>
+                      <a:prstDash val="solid"/>
+                      <a:round/>
+                      <a:headEnd type="none" w="med" len="med"/>
+                      <a:tailEnd type="none" w="med" len="med"/>
+                    </a:lnT>
+                    <a:lnB w="12700" cap="flat" cmpd="sng" algn="ctr">
+                      <a:solidFill>
+                        <a:schemeClr val="tx1"/>
+                      </a:solidFill>
+                      <a:prstDash val="solid"/>
+                      <a:round/>
+                      <a:headEnd type="none" w="med" len="med"/>
+                      <a:tailEnd type="none" w="med" len="med"/>
+                    </a:lnB>
+                  </a:tcPr>
+                </a:tc>
+                <a:extLst>
+                  <a:ext uri="{0D108BD9-81ED-4DB2-BD59-A6C34878D82A}">
+                    <a16:rowId xmlns:a16="http://schemas.microsoft.com/office/drawing/2014/main" val="1653277684"/>
+                  </a:ext>
+                </a:extLst>
+              </a:tr>
+              <a:tr h="443853">
+                <a:tc>
+                  <a:txBody>
+                    <a:bodyPr/>
+                    <a:lstStyle/>
+                    <a:p>
+                      <a:pPr algn="ctr"/>
+                      <a:r>
+                        <a:rPr lang="en-US" altLang="zh-TW" sz="1600" dirty="0">
+                          <a:latin typeface="Times New Roman" panose="02020603050405020304" pitchFamily="18" charset="0"/>
+                          <a:cs typeface="Times New Roman" panose="02020603050405020304" pitchFamily="18" charset="0"/>
+                        </a:rPr>
+                        <a:t>WENA/ WENB</a:t>
+                      </a:r>
+                      <a:endParaRPr lang="zh-TW" altLang="en-US" sz="1600" dirty="0">
+                        <a:latin typeface="Times New Roman" panose="02020603050405020304" pitchFamily="18" charset="0"/>
+                        <a:cs typeface="Times New Roman" panose="02020603050405020304" pitchFamily="18" charset="0"/>
+                      </a:endParaRPr>
+                    </a:p>
+                  </a:txBody>
+                  <a:tcPr>
+                    <a:lnL w="12700" cap="flat" cmpd="sng" algn="ctr">
+                      <a:solidFill>
+                        <a:schemeClr val="tx1"/>
+                      </a:solidFill>
+                      <a:prstDash val="solid"/>
+                      <a:round/>
+                      <a:headEnd type="none" w="med" len="med"/>
+                      <a:tailEnd type="none" w="med" len="med"/>
+                    </a:lnL>
+                    <a:lnR w="12700" cap="flat" cmpd="sng" algn="ctr">
+                      <a:solidFill>
+                        <a:schemeClr val="tx1"/>
+                      </a:solidFill>
+                      <a:prstDash val="solid"/>
+                      <a:round/>
+                      <a:headEnd type="none" w="med" len="med"/>
+                      <a:tailEnd type="none" w="med" len="med"/>
+                    </a:lnR>
+                    <a:lnT w="12700" cap="flat" cmpd="sng" algn="ctr">
+                      <a:solidFill>
+                        <a:schemeClr val="tx1"/>
+                      </a:solidFill>
+                      <a:prstDash val="solid"/>
+                      <a:round/>
+                      <a:headEnd type="none" w="med" len="med"/>
+                      <a:tailEnd type="none" w="med" len="med"/>
+                    </a:lnT>
+                    <a:lnB w="12700" cap="flat" cmpd="sng" algn="ctr">
+                      <a:solidFill>
+                        <a:schemeClr val="tx1"/>
+                      </a:solidFill>
+                      <a:prstDash val="solid"/>
+                      <a:round/>
+                      <a:headEnd type="none" w="med" len="med"/>
+                      <a:tailEnd type="none" w="med" len="med"/>
+                    </a:lnB>
+                  </a:tcPr>
+                </a:tc>
+                <a:tc>
+                  <a:txBody>
+                    <a:bodyPr/>
+                    <a:lstStyle/>
+                    <a:p>
+                      <a:pPr marL="0" marR="0" indent="0" algn="ctr" defTabSz="914400" rtl="0" eaLnBrk="1" fontAlgn="auto" latinLnBrk="0" hangingPunct="1">
+                        <a:lnSpc>
+                          <a:spcPct val="100000"/>
+                        </a:lnSpc>
+                        <a:spcBef>
+                          <a:spcPts val="0"/>
+                        </a:spcBef>
+                        <a:spcAft>
+                          <a:spcPts val="0"/>
+                        </a:spcAft>
+                        <a:buClrTx/>
+                        <a:buSzTx/>
+                        <a:buFontTx/>
+                        <a:buNone/>
+                        <a:tabLst/>
+                        <a:defRPr/>
+                      </a:pPr>
+                      <a:r>
+                        <a:rPr lang="en-US" altLang="zh-TW" sz="1600" dirty="0">
+                          <a:latin typeface="Times New Roman" panose="02020603050405020304" pitchFamily="18" charset="0"/>
+                          <a:cs typeface="Times New Roman" panose="02020603050405020304" pitchFamily="18" charset="0"/>
+                        </a:rPr>
+                        <a:t>Active-</a:t>
+                      </a:r>
+                      <a:r>
+                        <a:rPr lang="en-US" altLang="zh-TW" sz="1600" dirty="0">
+                          <a:solidFill>
+                            <a:srgbClr val="C00000"/>
+                          </a:solidFill>
+                          <a:latin typeface="Times New Roman" panose="02020603050405020304" pitchFamily="18" charset="0"/>
+                          <a:cs typeface="Times New Roman" panose="02020603050405020304" pitchFamily="18" charset="0"/>
+                        </a:rPr>
+                        <a:t>low</a:t>
+                      </a:r>
+                      <a:r>
+                        <a:rPr lang="en-US" altLang="zh-TW" sz="1600" dirty="0">
+                          <a:latin typeface="Times New Roman" panose="02020603050405020304" pitchFamily="18" charset="0"/>
+                          <a:cs typeface="Times New Roman" panose="02020603050405020304" pitchFamily="18" charset="0"/>
+                        </a:rPr>
+                        <a:t> write enable</a:t>
+                      </a:r>
+                    </a:p>
+                    <a:p>
+                      <a:pPr marL="0" marR="0" indent="0" algn="ctr" defTabSz="914400" rtl="0" eaLnBrk="1" fontAlgn="auto" latinLnBrk="0" hangingPunct="1">
+                        <a:lnSpc>
+                          <a:spcPct val="100000"/>
+                        </a:lnSpc>
+                        <a:spcBef>
+                          <a:spcPts val="0"/>
+                        </a:spcBef>
+                        <a:spcAft>
+                          <a:spcPts val="0"/>
+                        </a:spcAft>
+                        <a:buClrTx/>
+                        <a:buSzTx/>
+                        <a:buFontTx/>
+                        <a:buNone/>
+                        <a:tabLst/>
+                        <a:defRPr/>
+                      </a:pPr>
+                      <a:r>
+                        <a:rPr lang="en-US" altLang="zh-TW" sz="1600" dirty="0">
+                          <a:latin typeface="Times New Roman" panose="02020603050405020304" pitchFamily="18" charset="0"/>
+                          <a:cs typeface="Times New Roman" panose="02020603050405020304" pitchFamily="18" charset="0"/>
+                        </a:rPr>
+                        <a:t>(1 for read, 0 for write)</a:t>
+                      </a:r>
+                      <a:endParaRPr lang="zh-TW" altLang="en-US" sz="1600" dirty="0">
+                        <a:latin typeface="Times New Roman" panose="02020603050405020304" pitchFamily="18" charset="0"/>
+                        <a:cs typeface="Times New Roman" panose="02020603050405020304" pitchFamily="18" charset="0"/>
+                      </a:endParaRPr>
+                    </a:p>
+                  </a:txBody>
+                  <a:tcPr>
+                    <a:lnL w="12700" cap="flat" cmpd="sng" algn="ctr">
+                      <a:solidFill>
+                        <a:schemeClr val="tx1"/>
+                      </a:solidFill>
+                      <a:prstDash val="solid"/>
+                      <a:round/>
+                      <a:headEnd type="none" w="med" len="med"/>
+                      <a:tailEnd type="none" w="med" len="med"/>
+                    </a:lnL>
+                    <a:lnR w="12700" cap="flat" cmpd="sng" algn="ctr">
+                      <a:solidFill>
+                        <a:schemeClr val="tx1"/>
+                      </a:solidFill>
+                      <a:prstDash val="solid"/>
+                      <a:round/>
+                      <a:headEnd type="none" w="med" len="med"/>
+                      <a:tailEnd type="none" w="med" len="med"/>
+                    </a:lnR>
+                    <a:lnT w="12700" cap="flat" cmpd="sng" algn="ctr">
+                      <a:solidFill>
+                        <a:schemeClr val="tx1"/>
+                      </a:solidFill>
+                      <a:prstDash val="solid"/>
+                      <a:round/>
+                      <a:headEnd type="none" w="med" len="med"/>
+                      <a:tailEnd type="none" w="med" len="med"/>
+                    </a:lnT>
+                    <a:lnB w="12700" cap="flat" cmpd="sng" algn="ctr">
+                      <a:solidFill>
+                        <a:schemeClr val="tx1"/>
+                      </a:solidFill>
+                      <a:prstDash val="solid"/>
+                      <a:round/>
+                      <a:headEnd type="none" w="med" len="med"/>
+                      <a:tailEnd type="none" w="med" len="med"/>
+                    </a:lnB>
+                  </a:tcPr>
+                </a:tc>
+                <a:extLst>
+                  <a:ext uri="{0D108BD9-81ED-4DB2-BD59-A6C34878D82A}">
+                    <a16:rowId xmlns:a16="http://schemas.microsoft.com/office/drawing/2014/main" val="4134772438"/>
+                  </a:ext>
+                </a:extLst>
+              </a:tr>
+              <a:tr h="253630">
+                <a:tc>
+                  <a:txBody>
+                    <a:bodyPr/>
+                    <a:lstStyle/>
+                    <a:p>
+                      <a:pPr algn="ctr"/>
+                      <a:r>
+                        <a:rPr lang="en-US" altLang="zh-TW" sz="1600" dirty="0">
+                          <a:latin typeface="Times New Roman" panose="02020603050405020304" pitchFamily="18" charset="0"/>
+                          <a:cs typeface="Times New Roman" panose="02020603050405020304" pitchFamily="18" charset="0"/>
+                        </a:rPr>
+                        <a:t>AA/ AB</a:t>
+                      </a:r>
+                      <a:endParaRPr lang="zh-TW" altLang="en-US" sz="1600" dirty="0">
+                        <a:latin typeface="Times New Roman" panose="02020603050405020304" pitchFamily="18" charset="0"/>
+                        <a:cs typeface="Times New Roman" panose="02020603050405020304" pitchFamily="18" charset="0"/>
+                      </a:endParaRPr>
+                    </a:p>
+                  </a:txBody>
+                  <a:tcPr>
+                    <a:lnL w="12700" cap="flat" cmpd="sng" algn="ctr">
+                      <a:solidFill>
+                        <a:schemeClr val="tx1"/>
+                      </a:solidFill>
+                      <a:prstDash val="solid"/>
+                      <a:round/>
+                      <a:headEnd type="none" w="med" len="med"/>
+                      <a:tailEnd type="none" w="med" len="med"/>
+                    </a:lnL>
+                    <a:lnR w="12700" cap="flat" cmpd="sng" algn="ctr">
+                      <a:solidFill>
+                        <a:schemeClr val="tx1"/>
+                      </a:solidFill>
+                      <a:prstDash val="solid"/>
+                      <a:round/>
+                      <a:headEnd type="none" w="med" len="med"/>
+                      <a:tailEnd type="none" w="med" len="med"/>
+                    </a:lnR>
+                    <a:lnT w="12700" cap="flat" cmpd="sng" algn="ctr">
+                      <a:solidFill>
+                        <a:schemeClr val="tx1"/>
+                      </a:solidFill>
+                      <a:prstDash val="solid"/>
+                      <a:round/>
+                      <a:headEnd type="none" w="med" len="med"/>
+                      <a:tailEnd type="none" w="med" len="med"/>
+                    </a:lnT>
+                    <a:lnB w="12700" cap="flat" cmpd="sng" algn="ctr">
+                      <a:solidFill>
+                        <a:schemeClr val="tx1"/>
+                      </a:solidFill>
+                      <a:prstDash val="solid"/>
+                      <a:round/>
+                      <a:headEnd type="none" w="med" len="med"/>
+                      <a:tailEnd type="none" w="med" len="med"/>
+                    </a:lnB>
+                  </a:tcPr>
+                </a:tc>
+                <a:tc>
+                  <a:txBody>
+                    <a:bodyPr/>
+                    <a:lstStyle/>
+                    <a:p>
+                      <a:pPr algn="ctr"/>
+                      <a:r>
+                        <a:rPr lang="en-US" altLang="zh-TW" sz="1600" dirty="0">
+                          <a:latin typeface="Times New Roman" panose="02020603050405020304" pitchFamily="18" charset="0"/>
+                          <a:cs typeface="Times New Roman" panose="02020603050405020304" pitchFamily="18" charset="0"/>
+                        </a:rPr>
+                        <a:t>Address</a:t>
+                      </a:r>
+                      <a:endParaRPr lang="zh-TW" altLang="en-US" sz="1600" dirty="0">
+                        <a:latin typeface="Times New Roman" panose="02020603050405020304" pitchFamily="18" charset="0"/>
+                        <a:cs typeface="Times New Roman" panose="02020603050405020304" pitchFamily="18" charset="0"/>
+                      </a:endParaRPr>
+                    </a:p>
+                  </a:txBody>
+                  <a:tcPr>
+                    <a:lnL w="12700" cap="flat" cmpd="sng" algn="ctr">
+                      <a:solidFill>
+                        <a:schemeClr val="tx1"/>
+                      </a:solidFill>
+                      <a:prstDash val="solid"/>
+                      <a:round/>
+                      <a:headEnd type="none" w="med" len="med"/>
+                      <a:tailEnd type="none" w="med" len="med"/>
+                    </a:lnL>
+                    <a:lnR w="12700" cap="flat" cmpd="sng" algn="ctr">
+                      <a:solidFill>
+                        <a:schemeClr val="tx1"/>
+                      </a:solidFill>
+                      <a:prstDash val="solid"/>
+                      <a:round/>
+                      <a:headEnd type="none" w="med" len="med"/>
+                      <a:tailEnd type="none" w="med" len="med"/>
+                    </a:lnR>
+                    <a:lnT w="12700" cap="flat" cmpd="sng" algn="ctr">
+                      <a:solidFill>
+                        <a:schemeClr val="tx1"/>
+                      </a:solidFill>
+                      <a:prstDash val="solid"/>
+                      <a:round/>
+                      <a:headEnd type="none" w="med" len="med"/>
+                      <a:tailEnd type="none" w="med" len="med"/>
+                    </a:lnT>
+                    <a:lnB w="12700" cap="flat" cmpd="sng" algn="ctr">
+                      <a:solidFill>
+                        <a:schemeClr val="tx1"/>
+                      </a:solidFill>
+                      <a:prstDash val="solid"/>
+                      <a:round/>
+                      <a:headEnd type="none" w="med" len="med"/>
+                      <a:tailEnd type="none" w="med" len="med"/>
+                    </a:lnB>
+                  </a:tcPr>
+                </a:tc>
+                <a:extLst>
+                  <a:ext uri="{0D108BD9-81ED-4DB2-BD59-A6C34878D82A}">
+                    <a16:rowId xmlns:a16="http://schemas.microsoft.com/office/drawing/2014/main" val="1865149264"/>
+                  </a:ext>
+                </a:extLst>
+              </a:tr>
+              <a:tr h="253630">
+                <a:tc>
+                  <a:txBody>
+                    <a:bodyPr/>
+                    <a:lstStyle/>
+                    <a:p>
+                      <a:pPr algn="ctr"/>
+                      <a:r>
+                        <a:rPr lang="en-US" altLang="zh-TW" sz="1600" dirty="0">
+                          <a:latin typeface="Times New Roman" panose="02020603050405020304" pitchFamily="18" charset="0"/>
+                          <a:cs typeface="Times New Roman" panose="02020603050405020304" pitchFamily="18" charset="0"/>
+                        </a:rPr>
+                        <a:t>DA/ DB</a:t>
+                      </a:r>
+                      <a:endParaRPr lang="zh-TW" altLang="en-US" sz="1600" dirty="0">
+                        <a:latin typeface="Times New Roman" panose="02020603050405020304" pitchFamily="18" charset="0"/>
+                        <a:cs typeface="Times New Roman" panose="02020603050405020304" pitchFamily="18" charset="0"/>
+                      </a:endParaRPr>
+                    </a:p>
+                  </a:txBody>
+                  <a:tcPr>
+                    <a:lnL w="12700" cap="flat" cmpd="sng" algn="ctr">
+                      <a:solidFill>
+                        <a:schemeClr val="tx1"/>
+                      </a:solidFill>
+                      <a:prstDash val="solid"/>
+                      <a:round/>
+                      <a:headEnd type="none" w="med" len="med"/>
+                      <a:tailEnd type="none" w="med" len="med"/>
+                    </a:lnL>
+                    <a:lnR w="12700" cap="flat" cmpd="sng" algn="ctr">
+                      <a:solidFill>
+                        <a:schemeClr val="tx1"/>
+                      </a:solidFill>
+                      <a:prstDash val="solid"/>
+                      <a:round/>
+                      <a:headEnd type="none" w="med" len="med"/>
+                      <a:tailEnd type="none" w="med" len="med"/>
+                    </a:lnR>
+                    <a:lnT w="12700" cap="flat" cmpd="sng" algn="ctr">
+                      <a:solidFill>
+                        <a:schemeClr val="tx1"/>
+                      </a:solidFill>
+                      <a:prstDash val="solid"/>
+                      <a:round/>
+                      <a:headEnd type="none" w="med" len="med"/>
+                      <a:tailEnd type="none" w="med" len="med"/>
+                    </a:lnT>
+                    <a:lnB w="12700" cap="flat" cmpd="sng" algn="ctr">
+                      <a:solidFill>
+                        <a:schemeClr val="tx1"/>
+                      </a:solidFill>
+                      <a:prstDash val="solid"/>
+                      <a:round/>
+                      <a:headEnd type="none" w="med" len="med"/>
+                      <a:tailEnd type="none" w="med" len="med"/>
+                    </a:lnB>
+                  </a:tcPr>
+                </a:tc>
+                <a:tc>
+                  <a:txBody>
+                    <a:bodyPr/>
+                    <a:lstStyle/>
+                    <a:p>
+                      <a:pPr marL="0" marR="0" indent="0" algn="ctr" defTabSz="914400" rtl="0" eaLnBrk="1" fontAlgn="auto" latinLnBrk="0" hangingPunct="1">
+                        <a:lnSpc>
+                          <a:spcPct val="100000"/>
+                        </a:lnSpc>
+                        <a:spcBef>
+                          <a:spcPts val="0"/>
+                        </a:spcBef>
+                        <a:spcAft>
+                          <a:spcPts val="0"/>
+                        </a:spcAft>
+                        <a:buClrTx/>
+                        <a:buSzTx/>
+                        <a:buFontTx/>
+                        <a:buNone/>
+                        <a:tabLst/>
+                        <a:defRPr/>
+                      </a:pPr>
+                      <a:r>
+                        <a:rPr lang="en-US" altLang="zh-TW" sz="1600" dirty="0">
+                          <a:latin typeface="Times New Roman" panose="02020603050405020304" pitchFamily="18" charset="0"/>
+                          <a:cs typeface="Times New Roman" panose="02020603050405020304" pitchFamily="18" charset="0"/>
+                        </a:rPr>
+                        <a:t>Data input</a:t>
+                      </a:r>
+                      <a:endParaRPr lang="zh-TW" altLang="en-US" sz="1600" dirty="0">
+                        <a:latin typeface="Times New Roman" panose="02020603050405020304" pitchFamily="18" charset="0"/>
+                        <a:cs typeface="Times New Roman" panose="02020603050405020304" pitchFamily="18" charset="0"/>
+                      </a:endParaRPr>
+                    </a:p>
+                  </a:txBody>
+                  <a:tcPr>
+                    <a:lnL w="12700" cap="flat" cmpd="sng" algn="ctr">
+                      <a:solidFill>
+                        <a:schemeClr val="tx1"/>
+                      </a:solidFill>
+                      <a:prstDash val="solid"/>
+                      <a:round/>
+                      <a:headEnd type="none" w="med" len="med"/>
+                      <a:tailEnd type="none" w="med" len="med"/>
+                    </a:lnL>
+                    <a:lnR w="12700" cap="flat" cmpd="sng" algn="ctr">
+                      <a:solidFill>
+                        <a:schemeClr val="tx1"/>
+                      </a:solidFill>
+                      <a:prstDash val="solid"/>
+                      <a:round/>
+                      <a:headEnd type="none" w="med" len="med"/>
+                      <a:tailEnd type="none" w="med" len="med"/>
+                    </a:lnR>
+                    <a:lnT w="12700" cap="flat" cmpd="sng" algn="ctr">
+                      <a:solidFill>
+                        <a:schemeClr val="tx1"/>
+                      </a:solidFill>
+                      <a:prstDash val="solid"/>
+                      <a:round/>
+                      <a:headEnd type="none" w="med" len="med"/>
+                      <a:tailEnd type="none" w="med" len="med"/>
+                    </a:lnT>
+                    <a:lnB w="12700" cap="flat" cmpd="sng" algn="ctr">
+                      <a:solidFill>
+                        <a:schemeClr val="tx1"/>
+                      </a:solidFill>
+                      <a:prstDash val="solid"/>
+                      <a:round/>
+                      <a:headEnd type="none" w="med" len="med"/>
+                      <a:tailEnd type="none" w="med" len="med"/>
+                    </a:lnB>
+                  </a:tcPr>
+                </a:tc>
+                <a:extLst>
+                  <a:ext uri="{0D108BD9-81ED-4DB2-BD59-A6C34878D82A}">
+                    <a16:rowId xmlns:a16="http://schemas.microsoft.com/office/drawing/2014/main" val="311614233"/>
+                  </a:ext>
+                </a:extLst>
+              </a:tr>
+              <a:tr h="253630">
+                <a:tc>
+                  <a:txBody>
+                    <a:bodyPr/>
+                    <a:lstStyle/>
+                    <a:p>
+                      <a:pPr algn="ctr"/>
+                      <a:r>
+                        <a:rPr lang="en-US" altLang="zh-TW" sz="1600" dirty="0">
+                          <a:latin typeface="Times New Roman" panose="02020603050405020304" pitchFamily="18" charset="0"/>
+                          <a:cs typeface="Times New Roman" panose="02020603050405020304" pitchFamily="18" charset="0"/>
+                        </a:rPr>
+                        <a:t>QA/</a:t>
+                      </a:r>
+                      <a:r>
+                        <a:rPr lang="zh-TW" altLang="en-US" sz="1600" dirty="0">
+                          <a:latin typeface="Times New Roman" panose="02020603050405020304" pitchFamily="18" charset="0"/>
+                          <a:cs typeface="Times New Roman" panose="02020603050405020304" pitchFamily="18" charset="0"/>
+                        </a:rPr>
+                        <a:t> </a:t>
+                      </a:r>
+                      <a:r>
+                        <a:rPr lang="en-US" altLang="zh-TW" sz="1600" dirty="0">
+                          <a:latin typeface="Times New Roman" panose="02020603050405020304" pitchFamily="18" charset="0"/>
+                          <a:cs typeface="Times New Roman" panose="02020603050405020304" pitchFamily="18" charset="0"/>
+                        </a:rPr>
+                        <a:t>QB</a:t>
+                      </a:r>
+                      <a:endParaRPr lang="zh-TW" altLang="en-US" sz="1600" dirty="0">
+                        <a:latin typeface="Times New Roman" panose="02020603050405020304" pitchFamily="18" charset="0"/>
+                        <a:cs typeface="Times New Roman" panose="02020603050405020304" pitchFamily="18" charset="0"/>
+                      </a:endParaRPr>
+                    </a:p>
+                  </a:txBody>
+                  <a:tcPr>
+                    <a:lnL w="12700" cap="flat" cmpd="sng" algn="ctr">
+                      <a:solidFill>
+                        <a:schemeClr val="tx1"/>
+                      </a:solidFill>
+                      <a:prstDash val="solid"/>
+                      <a:round/>
+                      <a:headEnd type="none" w="med" len="med"/>
+                      <a:tailEnd type="none" w="med" len="med"/>
+                    </a:lnL>
+                    <a:lnR w="12700" cap="flat" cmpd="sng" algn="ctr">
+                      <a:solidFill>
+                        <a:schemeClr val="tx1"/>
+                      </a:solidFill>
+                      <a:prstDash val="solid"/>
+                      <a:round/>
+                      <a:headEnd type="none" w="med" len="med"/>
+                      <a:tailEnd type="none" w="med" len="med"/>
+                    </a:lnR>
+                    <a:lnT w="12700" cap="flat" cmpd="sng" algn="ctr">
+                      <a:solidFill>
+                        <a:schemeClr val="tx1"/>
+                      </a:solidFill>
+                      <a:prstDash val="solid"/>
+                      <a:round/>
+                      <a:headEnd type="none" w="med" len="med"/>
+                      <a:tailEnd type="none" w="med" len="med"/>
+                    </a:lnT>
+                    <a:lnB w="12700" cap="flat" cmpd="sng" algn="ctr">
+                      <a:solidFill>
+                        <a:schemeClr val="tx1"/>
+                      </a:solidFill>
+                      <a:prstDash val="solid"/>
+                      <a:round/>
+                      <a:headEnd type="none" w="med" len="med"/>
+                      <a:tailEnd type="none" w="med" len="med"/>
+                    </a:lnB>
+                  </a:tcPr>
+                </a:tc>
+                <a:tc>
+                  <a:txBody>
+                    <a:bodyPr/>
+                    <a:lstStyle/>
+                    <a:p>
+                      <a:pPr marL="0" marR="0" indent="0" algn="ctr" defTabSz="914400" rtl="0" eaLnBrk="1" fontAlgn="auto" latinLnBrk="0" hangingPunct="1">
+                        <a:lnSpc>
+                          <a:spcPct val="100000"/>
+                        </a:lnSpc>
+                        <a:spcBef>
+                          <a:spcPts val="0"/>
+                        </a:spcBef>
+                        <a:spcAft>
+                          <a:spcPts val="0"/>
+                        </a:spcAft>
+                        <a:buClrTx/>
+                        <a:buSzTx/>
+                        <a:buFontTx/>
+                        <a:buNone/>
+                        <a:tabLst/>
+                        <a:defRPr/>
+                      </a:pPr>
+                      <a:r>
+                        <a:rPr lang="en-US" altLang="zh-TW" sz="1600" dirty="0">
+                          <a:latin typeface="Times New Roman" panose="02020603050405020304" pitchFamily="18" charset="0"/>
+                          <a:cs typeface="Times New Roman" panose="02020603050405020304" pitchFamily="18" charset="0"/>
+                        </a:rPr>
+                        <a:t>Data output</a:t>
+                      </a:r>
+                      <a:endParaRPr lang="zh-TW" altLang="en-US" sz="1600" dirty="0">
+                        <a:latin typeface="Times New Roman" panose="02020603050405020304" pitchFamily="18" charset="0"/>
+                        <a:cs typeface="Times New Roman" panose="02020603050405020304" pitchFamily="18" charset="0"/>
+                      </a:endParaRPr>
+                    </a:p>
+                  </a:txBody>
+                  <a:tcPr>
+                    <a:lnL w="12700" cap="flat" cmpd="sng" algn="ctr">
+                      <a:solidFill>
+                        <a:schemeClr val="tx1"/>
+                      </a:solidFill>
+                      <a:prstDash val="solid"/>
+                      <a:round/>
+                      <a:headEnd type="none" w="med" len="med"/>
+                      <a:tailEnd type="none" w="med" len="med"/>
+                    </a:lnL>
+                    <a:lnR w="12700" cap="flat" cmpd="sng" algn="ctr">
+                      <a:solidFill>
+                        <a:schemeClr val="tx1"/>
+                      </a:solidFill>
+                      <a:prstDash val="solid"/>
+                      <a:round/>
+                      <a:headEnd type="none" w="med" len="med"/>
+                      <a:tailEnd type="none" w="med" len="med"/>
+                    </a:lnR>
+                    <a:lnT w="12700" cap="flat" cmpd="sng" algn="ctr">
+                      <a:solidFill>
+                        <a:schemeClr val="tx1"/>
+                      </a:solidFill>
+                      <a:prstDash val="solid"/>
+                      <a:round/>
+                      <a:headEnd type="none" w="med" len="med"/>
+                      <a:tailEnd type="none" w="med" len="med"/>
+                    </a:lnT>
+                    <a:lnB w="12700" cap="flat" cmpd="sng" algn="ctr">
+                      <a:solidFill>
+                        <a:schemeClr val="tx1"/>
+                      </a:solidFill>
+                      <a:prstDash val="solid"/>
+                      <a:round/>
+                      <a:headEnd type="none" w="med" len="med"/>
+                      <a:tailEnd type="none" w="med" len="med"/>
+                    </a:lnB>
+                  </a:tcPr>
+                </a:tc>
+                <a:extLst>
+                  <a:ext uri="{0D108BD9-81ED-4DB2-BD59-A6C34878D82A}">
+                    <a16:rowId xmlns:a16="http://schemas.microsoft.com/office/drawing/2014/main" val="2424625697"/>
+                  </a:ext>
+                </a:extLst>
+              </a:tr>
+              <a:tr h="253630">
+                <a:tc>
+                  <a:txBody>
+                    <a:bodyPr/>
+                    <a:lstStyle/>
+                    <a:p>
+                      <a:pPr marL="0" marR="0" indent="0" algn="ctr" defTabSz="914400" rtl="0" eaLnBrk="1" fontAlgn="auto" latinLnBrk="0" hangingPunct="1">
+                        <a:lnSpc>
+                          <a:spcPct val="100000"/>
+                        </a:lnSpc>
+                        <a:spcBef>
+                          <a:spcPts val="0"/>
+                        </a:spcBef>
+                        <a:spcAft>
+                          <a:spcPts val="0"/>
+                        </a:spcAft>
+                        <a:buClrTx/>
+                        <a:buSzTx/>
+                        <a:buFontTx/>
+                        <a:buNone/>
+                        <a:tabLst/>
+                        <a:defRPr/>
+                      </a:pPr>
+                      <a:r>
+                        <a:rPr lang="en-US" altLang="zh-TW" sz="1600" dirty="0">
+                          <a:latin typeface="Times New Roman" panose="02020603050405020304" pitchFamily="18" charset="0"/>
+                          <a:cs typeface="Times New Roman" panose="02020603050405020304" pitchFamily="18" charset="0"/>
+                        </a:rPr>
+                        <a:t>Ohers</a:t>
+                      </a:r>
+                      <a:endParaRPr lang="zh-TW" altLang="en-US" sz="1600" dirty="0">
+                        <a:latin typeface="Times New Roman" panose="02020603050405020304" pitchFamily="18" charset="0"/>
+                        <a:cs typeface="Times New Roman" panose="02020603050405020304" pitchFamily="18" charset="0"/>
+                      </a:endParaRPr>
+                    </a:p>
+                  </a:txBody>
+                  <a:tcPr>
+                    <a:lnL w="12700" cap="flat" cmpd="sng" algn="ctr">
+                      <a:solidFill>
+                        <a:schemeClr val="tx1"/>
+                      </a:solidFill>
+                      <a:prstDash val="solid"/>
+                      <a:round/>
+                      <a:headEnd type="none" w="med" len="med"/>
+                      <a:tailEnd type="none" w="med" len="med"/>
+                    </a:lnL>
+                    <a:lnR w="12700" cap="flat" cmpd="sng" algn="ctr">
+                      <a:solidFill>
+                        <a:schemeClr val="tx1"/>
+                      </a:solidFill>
+                      <a:prstDash val="solid"/>
+                      <a:round/>
+                      <a:headEnd type="none" w="med" len="med"/>
+                      <a:tailEnd type="none" w="med" len="med"/>
+                    </a:lnR>
+                    <a:lnT w="12700" cap="flat" cmpd="sng" algn="ctr">
+                      <a:solidFill>
+                        <a:schemeClr val="tx1"/>
+                      </a:solidFill>
+                      <a:prstDash val="solid"/>
+                      <a:round/>
+                      <a:headEnd type="none" w="med" len="med"/>
+                      <a:tailEnd type="none" w="med" len="med"/>
+                    </a:lnT>
+                    <a:lnB w="12700" cap="flat" cmpd="sng" algn="ctr">
+                      <a:solidFill>
+                        <a:schemeClr val="tx1"/>
+                      </a:solidFill>
+                      <a:prstDash val="solid"/>
+                      <a:round/>
+                      <a:headEnd type="none" w="med" len="med"/>
+                      <a:tailEnd type="none" w="med" len="med"/>
+                    </a:lnB>
+                  </a:tcPr>
+                </a:tc>
+                <a:tc>
+                  <a:txBody>
+                    <a:bodyPr/>
+                    <a:lstStyle/>
+                    <a:p>
+                      <a:pPr marL="0" marR="0" indent="0" algn="ctr" defTabSz="914400" rtl="0" eaLnBrk="1" fontAlgn="auto" latinLnBrk="0" hangingPunct="1">
+                        <a:lnSpc>
+                          <a:spcPct val="100000"/>
+                        </a:lnSpc>
+                        <a:spcBef>
+                          <a:spcPts val="0"/>
+                        </a:spcBef>
+                        <a:spcAft>
+                          <a:spcPts val="0"/>
+                        </a:spcAft>
+                        <a:buClrTx/>
+                        <a:buSzTx/>
+                        <a:buFontTx/>
+                        <a:buNone/>
+                        <a:tabLst/>
+                        <a:defRPr/>
+                      </a:pPr>
+                      <a:r>
+                        <a:rPr lang="en-US" altLang="zh-TW" sz="1600" dirty="0">
+                          <a:latin typeface="Times New Roman" panose="02020603050405020304" pitchFamily="18" charset="0"/>
+                          <a:cs typeface="Times New Roman" panose="02020603050405020304" pitchFamily="18" charset="0"/>
+                        </a:rPr>
+                        <a:t>Connect to 0 or 1</a:t>
+                      </a:r>
+                      <a:endParaRPr lang="zh-TW" altLang="en-US" sz="1600" dirty="0">
+                        <a:latin typeface="Times New Roman" panose="02020603050405020304" pitchFamily="18" charset="0"/>
+                        <a:cs typeface="Times New Roman" panose="02020603050405020304" pitchFamily="18" charset="0"/>
+                      </a:endParaRPr>
+                    </a:p>
+                  </a:txBody>
+                  <a:tcPr>
+                    <a:lnL w="12700" cap="flat" cmpd="sng" algn="ctr">
+                      <a:solidFill>
+                        <a:schemeClr val="tx1"/>
+                      </a:solidFill>
+                      <a:prstDash val="solid"/>
+                      <a:round/>
+                      <a:headEnd type="none" w="med" len="med"/>
+                      <a:tailEnd type="none" w="med" len="med"/>
+                    </a:lnL>
+                    <a:lnR w="12700" cap="flat" cmpd="sng" algn="ctr">
+                      <a:solidFill>
+                        <a:schemeClr val="tx1"/>
+                      </a:solidFill>
+                      <a:prstDash val="solid"/>
+                      <a:round/>
+                      <a:headEnd type="none" w="med" len="med"/>
+                      <a:tailEnd type="none" w="med" len="med"/>
+                    </a:lnR>
+                    <a:lnT w="12700" cap="flat" cmpd="sng" algn="ctr">
+                      <a:solidFill>
+                        <a:schemeClr val="tx1"/>
+                      </a:solidFill>
+                      <a:prstDash val="solid"/>
+                      <a:round/>
+                      <a:headEnd type="none" w="med" len="med"/>
+                      <a:tailEnd type="none" w="med" len="med"/>
+                    </a:lnT>
+                    <a:lnB w="12700" cap="flat" cmpd="sng" algn="ctr">
+                      <a:solidFill>
+                        <a:schemeClr val="tx1"/>
+                      </a:solidFill>
+                      <a:prstDash val="solid"/>
+                      <a:round/>
+                      <a:headEnd type="none" w="med" len="med"/>
+                      <a:tailEnd type="none" w="med" len="med"/>
+                    </a:lnB>
+                  </a:tcPr>
+                </a:tc>
+                <a:extLst>
+                  <a:ext uri="{0D108BD9-81ED-4DB2-BD59-A6C34878D82A}">
+                    <a16:rowId xmlns:a16="http://schemas.microsoft.com/office/drawing/2014/main" val="80757354"/>
+                  </a:ext>
+                </a:extLst>
+              </a:tr>
+            </a:tbl>
+          </a:graphicData>
+        </a:graphic>
+      </p:graphicFrame>
+      <p:pic>
+        <p:nvPicPr>
+          <p:cNvPr id="9" name="圖片 8">
+            <a:extLst>
+              <a:ext uri="{FF2B5EF4-FFF2-40B4-BE49-F238E27FC236}">
+                <a16:creationId xmlns:a16="http://schemas.microsoft.com/office/drawing/2014/main" id="{7289F3B6-B69B-0549-A365-6089EDA54872}"/>
+              </a:ext>
+            </a:extLst>
+          </p:cNvPr>
+          <p:cNvPicPr>
+            <a:picLocks noChangeAspect="1"/>
+          </p:cNvPicPr>
+          <p:nvPr/>
+        </p:nvPicPr>
+        <p:blipFill>
+          <a:blip r:embed="rId2">
+            <a:extLst>
+              <a:ext uri="{28A0092B-C50C-407E-A947-70E740481C1C}">
+                <a14:useLocalDpi xmlns:a14="http://schemas.microsoft.com/office/drawing/2010/main" val="0"/>
+              </a:ext>
+            </a:extLst>
+          </a:blip>
+          <a:stretch>
+            <a:fillRect/>
+          </a:stretch>
+        </p:blipFill>
+        <p:spPr>
+          <a:xfrm>
+            <a:off x="844191" y="3650735"/>
+            <a:ext cx="6760885" cy="2813254"/>
+          </a:xfrm>
+          <a:prstGeom prst="rect">
+            <a:avLst/>
+          </a:prstGeom>
+        </p:spPr>
+      </p:pic>
+    </p:spTree>
+    <p:extLst>
+      <p:ext uri="{BB962C8B-B14F-4D97-AF65-F5344CB8AC3E}">
+        <p14:creationId xmlns:p14="http://schemas.microsoft.com/office/powerpoint/2010/main" val="212998103"/>
+      </p:ext>
+    </p:extLst>
+  </p:cSld>
+  <p:clrMapOvr>
+    <a:masterClrMapping/>
+  </p:clrMapOvr>
+</p:sld>
+</file>
+
+<file path=ppt/slides/slide25.xml><?xml version="1.0" encoding="utf-8"?>
+<p:sld xmlns:a="http://schemas.openxmlformats.org/drawingml/2006/main" xmlns:r="http://schemas.openxmlformats.org/officeDocument/2006/relationships" xmlns:p="http://schemas.openxmlformats.org/presentationml/2006/main">
+  <p:cSld>
+    <p:spTree>
+      <p:nvGrpSpPr>
+        <p:cNvPr id="1" name=""/>
+        <p:cNvGrpSpPr/>
+        <p:nvPr/>
+      </p:nvGrpSpPr>
+      <p:grpSpPr>
+        <a:xfrm>
+          <a:off x="0" y="0"/>
+          <a:ext cx="0" cy="0"/>
+          <a:chOff x="0" y="0"/>
+          <a:chExt cx="0" cy="0"/>
+        </a:xfrm>
+      </p:grpSpPr>
+      <p:sp>
+        <p:nvSpPr>
+          <p:cNvPr id="2" name="標題 1"/>
+          <p:cNvSpPr>
+            <a:spLocks noGrp="1"/>
+          </p:cNvSpPr>
+          <p:nvPr>
+            <p:ph type="title"/>
+          </p:nvPr>
+        </p:nvSpPr>
+        <p:spPr/>
+        <p:txBody>
+          <a:bodyPr>
+            <a:normAutofit/>
+          </a:bodyPr>
+          <a:lstStyle/>
+          <a:p>
+            <a:r>
+              <a:rPr lang="en-US" altLang="zh-TW" dirty="0">
+                <a:latin typeface="Times New Roman" panose="02020603050405020304" pitchFamily="18" charset="0"/>
+                <a:cs typeface="Times New Roman" panose="02020603050405020304" pitchFamily="18" charset="0"/>
+              </a:rPr>
+              <a:t>Lab #1 – Dual-Port SRAM</a:t>
+            </a:r>
+            <a:endParaRPr lang="zh-TW" altLang="en-US" dirty="0"/>
+          </a:p>
+        </p:txBody>
+      </p:sp>
+      <p:sp>
+        <p:nvSpPr>
+          <p:cNvPr id="3" name="內容版面配置區 2"/>
+          <p:cNvSpPr>
+            <a:spLocks noGrp="1"/>
+          </p:cNvSpPr>
+          <p:nvPr>
+            <p:ph idx="1"/>
+          </p:nvPr>
+        </p:nvSpPr>
+        <p:spPr>
+          <a:xfrm>
+            <a:off x="477795" y="1252152"/>
+            <a:ext cx="8179644" cy="4999019"/>
+          </a:xfrm>
+        </p:spPr>
+        <p:txBody>
+          <a:bodyPr>
+            <a:normAutofit/>
+          </a:bodyPr>
+          <a:lstStyle/>
+          <a:p>
+            <a:r>
+              <a:rPr lang="en-US" altLang="zh-TW" dirty="0">
+                <a:latin typeface="Times New Roman" panose="02020603050405020304" pitchFamily="18" charset="0"/>
+                <a:cs typeface="Times New Roman" panose="02020603050405020304" pitchFamily="18" charset="0"/>
+              </a:rPr>
+              <a:t>Steps:</a:t>
+            </a:r>
+          </a:p>
+          <a:p>
+            <a:pPr marL="800100" lvl="1" indent="-342900">
+              <a:buFont typeface="+mj-lt"/>
+              <a:buAutoNum type="arabicPeriod"/>
+            </a:pPr>
+            <a:r>
+              <a:rPr lang="en-US" altLang="zh-TW" dirty="0">
+                <a:latin typeface="Times New Roman" panose="02020603050405020304" pitchFamily="18" charset="0"/>
+                <a:cs typeface="Times New Roman" panose="02020603050405020304" pitchFamily="18" charset="0"/>
+              </a:rPr>
+              <a:t>Generate all the files</a:t>
+            </a:r>
+          </a:p>
+          <a:p>
+            <a:pPr marL="800100" lvl="1" indent="-342900">
+              <a:buFont typeface="+mj-lt"/>
+              <a:buAutoNum type="arabicPeriod"/>
+            </a:pPr>
+            <a:r>
+              <a:rPr lang="en-US" altLang="zh-TW" dirty="0">
+                <a:latin typeface="Times New Roman" panose="02020603050405020304" pitchFamily="18" charset="0"/>
+                <a:cs typeface="Times New Roman" panose="02020603050405020304" pitchFamily="18" charset="0"/>
+              </a:rPr>
+              <a:t>Find some bugs/RTL simulation:  </a:t>
+            </a:r>
+            <a:r>
+              <a:rPr lang="en-US" altLang="zh-TW" i="1" dirty="0">
+                <a:solidFill>
+                  <a:srgbClr val="C00000"/>
+                </a:solidFill>
+                <a:latin typeface="Times New Roman" panose="02020603050405020304" pitchFamily="18" charset="0"/>
+                <a:cs typeface="Times New Roman" panose="02020603050405020304" pitchFamily="18" charset="0"/>
+              </a:rPr>
+              <a:t>bash </a:t>
+            </a:r>
+            <a:r>
+              <a:rPr lang="en-US" altLang="zh-TW" i="1" dirty="0" err="1">
+                <a:solidFill>
+                  <a:srgbClr val="C00000"/>
+                </a:solidFill>
+                <a:latin typeface="Times New Roman" panose="02020603050405020304" pitchFamily="18" charset="0"/>
+                <a:cs typeface="Times New Roman" panose="02020603050405020304" pitchFamily="18" charset="0"/>
+              </a:rPr>
+              <a:t>simcommand_rtl</a:t>
+            </a:r>
+            <a:endParaRPr lang="en-US" altLang="zh-TW" i="1" dirty="0">
+              <a:solidFill>
+                <a:srgbClr val="C00000"/>
+              </a:solidFill>
+              <a:latin typeface="Times New Roman" panose="02020603050405020304" pitchFamily="18" charset="0"/>
+              <a:cs typeface="Times New Roman" panose="02020603050405020304" pitchFamily="18" charset="0"/>
+            </a:endParaRPr>
+          </a:p>
+          <a:p>
+            <a:pPr marL="800100" lvl="1" indent="-342900">
+              <a:buFont typeface="+mj-lt"/>
+              <a:buAutoNum type="arabicPeriod"/>
+            </a:pPr>
+            <a:r>
+              <a:rPr lang="en-US" altLang="zh-TW" dirty="0">
+                <a:latin typeface="Times New Roman" panose="02020603050405020304" pitchFamily="18" charset="0"/>
+                <a:cs typeface="Times New Roman" panose="02020603050405020304" pitchFamily="18" charset="0"/>
+              </a:rPr>
+              <a:t>Synthesis (syn/): 		    </a:t>
+            </a:r>
+            <a:r>
+              <a:rPr lang="en-US" altLang="zh-TW" i="1" dirty="0" err="1">
+                <a:solidFill>
+                  <a:srgbClr val="C00000"/>
+                </a:solidFill>
+                <a:latin typeface="Times New Roman" panose="02020603050405020304" pitchFamily="18" charset="0"/>
+                <a:cs typeface="Times New Roman" panose="02020603050405020304" pitchFamily="18" charset="0"/>
+              </a:rPr>
+              <a:t>dc_shell</a:t>
+            </a:r>
+            <a:r>
+              <a:rPr lang="en-US" altLang="zh-TW" i="1" dirty="0">
+                <a:solidFill>
+                  <a:srgbClr val="C00000"/>
+                </a:solidFill>
+                <a:latin typeface="Times New Roman" panose="02020603050405020304" pitchFamily="18" charset="0"/>
+                <a:cs typeface="Times New Roman" panose="02020603050405020304" pitchFamily="18" charset="0"/>
+              </a:rPr>
+              <a:t> –f </a:t>
+            </a:r>
+            <a:r>
+              <a:rPr lang="en-US" altLang="zh-TW" i="1" dirty="0" err="1">
+                <a:solidFill>
+                  <a:srgbClr val="C00000"/>
+                </a:solidFill>
+                <a:latin typeface="Times New Roman" panose="02020603050405020304" pitchFamily="18" charset="0"/>
+                <a:cs typeface="Times New Roman" panose="02020603050405020304" pitchFamily="18" charset="0"/>
+              </a:rPr>
+              <a:t>all_syn.tcl</a:t>
+            </a:r>
+            <a:endParaRPr lang="en-US" altLang="zh-TW" i="1" dirty="0">
+              <a:solidFill>
+                <a:srgbClr val="C00000"/>
+              </a:solidFill>
+              <a:latin typeface="Times New Roman" panose="02020603050405020304" pitchFamily="18" charset="0"/>
+              <a:cs typeface="Times New Roman" panose="02020603050405020304" pitchFamily="18" charset="0"/>
+            </a:endParaRPr>
+          </a:p>
+          <a:p>
+            <a:pPr marL="800100" lvl="1" indent="-342900">
+              <a:buFont typeface="+mj-lt"/>
+              <a:buAutoNum type="arabicPeriod"/>
+            </a:pPr>
+            <a:r>
+              <a:rPr lang="en-US" altLang="zh-TW" dirty="0">
+                <a:latin typeface="Times New Roman" panose="02020603050405020304" pitchFamily="18" charset="0"/>
+                <a:cs typeface="Times New Roman" panose="02020603050405020304" pitchFamily="18" charset="0"/>
+              </a:rPr>
+              <a:t>Post-Synthesis simulation:	    </a:t>
+            </a:r>
+            <a:r>
+              <a:rPr lang="en-US" altLang="zh-TW" i="1" dirty="0">
+                <a:solidFill>
+                  <a:srgbClr val="C00000"/>
+                </a:solidFill>
+                <a:latin typeface="Times New Roman" panose="02020603050405020304" pitchFamily="18" charset="0"/>
+                <a:cs typeface="Times New Roman" panose="02020603050405020304" pitchFamily="18" charset="0"/>
+              </a:rPr>
+              <a:t>bash </a:t>
+            </a:r>
+            <a:r>
+              <a:rPr lang="en-US" altLang="zh-TW" i="1" dirty="0" err="1">
+                <a:solidFill>
+                  <a:srgbClr val="C00000"/>
+                </a:solidFill>
+                <a:latin typeface="Times New Roman" panose="02020603050405020304" pitchFamily="18" charset="0"/>
+                <a:cs typeface="Times New Roman" panose="02020603050405020304" pitchFamily="18" charset="0"/>
+              </a:rPr>
+              <a:t>simcommand_syn</a:t>
+            </a:r>
+            <a:endParaRPr lang="en-US" altLang="zh-TW" i="1" dirty="0">
+              <a:solidFill>
+                <a:srgbClr val="C00000"/>
+              </a:solidFill>
+              <a:latin typeface="Times New Roman" panose="02020603050405020304" pitchFamily="18" charset="0"/>
+              <a:cs typeface="Times New Roman" panose="02020603050405020304" pitchFamily="18" charset="0"/>
+            </a:endParaRPr>
+          </a:p>
+          <a:p>
+            <a:endParaRPr lang="en-US" altLang="zh-TW" dirty="0">
+              <a:latin typeface="Times New Roman" panose="02020603050405020304" pitchFamily="18" charset="0"/>
+              <a:cs typeface="Times New Roman" panose="02020603050405020304" pitchFamily="18" charset="0"/>
+            </a:endParaRPr>
+          </a:p>
+        </p:txBody>
+      </p:sp>
+      <p:sp>
+        <p:nvSpPr>
+          <p:cNvPr id="4" name="投影片編號版面配置區 3"/>
+          <p:cNvSpPr>
+            <a:spLocks noGrp="1"/>
+          </p:cNvSpPr>
+          <p:nvPr>
+            <p:ph type="sldNum" sz="quarter" idx="12"/>
+          </p:nvPr>
+        </p:nvSpPr>
+        <p:spPr/>
+        <p:txBody>
+          <a:bodyPr/>
+          <a:lstStyle/>
+          <a:p>
+            <a:fld id="{D4E83C2F-CC96-46F6-9B3C-3132E4070188}" type="slidenum">
+              <a:rPr lang="zh-TW" altLang="en-US" smtClean="0"/>
+              <a:t>25</a:t>
             </a:fld>
             <a:endParaRPr lang="zh-TW" altLang="en-US"/>
           </a:p>
@@ -14723,7 +19277,7 @@
 </p:sld>
 </file>
 
-<file path=ppt/slides/slide25.xml><?xml version="1.0" encoding="utf-8"?>
+<file path=ppt/slides/slide26.xml><?xml version="1.0" encoding="utf-8"?>
 <p:sld xmlns:a="http://schemas.openxmlformats.org/drawingml/2006/main" xmlns:r="http://schemas.openxmlformats.org/officeDocument/2006/relationships" xmlns:p="http://schemas.openxmlformats.org/presentationml/2006/main">
   <p:cSld>
     <p:spTree>
@@ -14951,7 +19505,7 @@
           <a:p>
             <a:fld id="{D4E83C2F-CC96-46F6-9B3C-3132E4070188}" type="slidenum">
               <a:rPr lang="zh-TW" altLang="en-US" smtClean="0"/>
-              <a:t>25</a:t>
+              <a:t>26</a:t>
             </a:fld>
             <a:endParaRPr lang="zh-TW" altLang="en-US"/>
           </a:p>
@@ -15416,7 +19970,7 @@
 </p:sld>
 </file>
 
-<file path=ppt/slides/slide26.xml><?xml version="1.0" encoding="utf-8"?>
+<file path=ppt/slides/slide27.xml><?xml version="1.0" encoding="utf-8"?>
 <p:sld xmlns:a="http://schemas.openxmlformats.org/drawingml/2006/main" xmlns:r="http://schemas.openxmlformats.org/officeDocument/2006/relationships" xmlns:p="http://schemas.openxmlformats.org/presentationml/2006/main">
   <p:cSld>
     <p:spTree>
@@ -15641,7 +20195,7 @@
           <a:p>
             <a:fld id="{D4E83C2F-CC96-46F6-9B3C-3132E4070188}" type="slidenum">
               <a:rPr lang="zh-TW" altLang="en-US" smtClean="0"/>
-              <a:t>26</a:t>
+              <a:t>27</a:t>
             </a:fld>
             <a:endParaRPr lang="zh-TW" altLang="en-US"/>
           </a:p>
@@ -16445,7 +20999,7 @@
 </p:sld>
 </file>
 
-<file path=ppt/slides/slide27.xml><?xml version="1.0" encoding="utf-8"?>
+<file path=ppt/slides/slide28.xml><?xml version="1.0" encoding="utf-8"?>
 <p:sld xmlns:a="http://schemas.openxmlformats.org/drawingml/2006/main" xmlns:r="http://schemas.openxmlformats.org/officeDocument/2006/relationships" xmlns:p="http://schemas.openxmlformats.org/presentationml/2006/main">
   <p:cSld>
     <p:spTree>
@@ -16671,7 +21225,7 @@
           <a:p>
             <a:fld id="{D4E83C2F-CC96-46F6-9B3C-3132E4070188}" type="slidenum">
               <a:rPr lang="zh-TW" altLang="en-US" smtClean="0"/>
-              <a:t>27</a:t>
+              <a:t>28</a:t>
             </a:fld>
             <a:endParaRPr lang="zh-TW" altLang="en-US"/>
           </a:p>
@@ -17552,7 +22106,7 @@
 </p:sld>
 </file>
 
-<file path=ppt/slides/slide28.xml><?xml version="1.0" encoding="utf-8"?>
+<file path=ppt/slides/slide29.xml><?xml version="1.0" encoding="utf-8"?>
 <p:sld xmlns:a="http://schemas.openxmlformats.org/drawingml/2006/main" xmlns:r="http://schemas.openxmlformats.org/officeDocument/2006/relationships" xmlns:p="http://schemas.openxmlformats.org/presentationml/2006/main">
   <p:cSld>
     <p:spTree>
@@ -17597,8 +22151,8 @@
           </a:p>
         </p:txBody>
       </p:sp>
-      <mc:AlternateContent xmlns:mc="http://schemas.openxmlformats.org/markup-compatibility/2006">
-        <mc:Choice xmlns:a14="http://schemas.microsoft.com/office/drawing/2010/main" Requires="a14">
+      <mc:AlternateContent xmlns:mc="http://schemas.openxmlformats.org/markup-compatibility/2006" xmlns:a14="http://schemas.microsoft.com/office/drawing/2010/main">
+        <mc:Choice Requires="a14">
           <p:sp>
             <p:nvSpPr>
               <p:cNvPr id="3" name="內容版面配置區 2"/>
@@ -17671,7 +22225,7 @@
             </p:txBody>
           </p:sp>
         </mc:Choice>
-        <mc:Fallback>
+        <mc:Fallback xmlns="">
           <p:sp>
             <p:nvSpPr>
               <p:cNvPr id="3" name="內容版面配置區 2"/>
@@ -17726,7 +22280,7 @@
           <a:p>
             <a:fld id="{D4E83C2F-CC96-46F6-9B3C-3132E4070188}" type="slidenum">
               <a:rPr lang="zh-TW" altLang="en-US" smtClean="0"/>
-              <a:t>28</a:t>
+              <a:t>29</a:t>
             </a:fld>
             <a:endParaRPr lang="zh-TW" altLang="en-US"/>
           </a:p>
@@ -19899,7 +24453,303 @@
 </p:sld>
 </file>
 
-<file path=ppt/slides/slide29.xml><?xml version="1.0" encoding="utf-8"?>
+<file path=ppt/slides/slide3.xml><?xml version="1.0" encoding="utf-8"?>
+<p:sld xmlns:a="http://schemas.openxmlformats.org/drawingml/2006/main" xmlns:r="http://schemas.openxmlformats.org/officeDocument/2006/relationships" xmlns:p="http://schemas.openxmlformats.org/presentationml/2006/main">
+  <p:cSld>
+    <p:spTree>
+      <p:nvGrpSpPr>
+        <p:cNvPr id="1" name=""/>
+        <p:cNvGrpSpPr/>
+        <p:nvPr/>
+      </p:nvGrpSpPr>
+      <p:grpSpPr>
+        <a:xfrm>
+          <a:off x="0" y="0"/>
+          <a:ext cx="0" cy="0"/>
+          <a:chOff x="0" y="0"/>
+          <a:chExt cx="0" cy="0"/>
+        </a:xfrm>
+      </p:grpSpPr>
+      <p:sp>
+        <p:nvSpPr>
+          <p:cNvPr id="2" name="標題 1"/>
+          <p:cNvSpPr>
+            <a:spLocks noGrp="1"/>
+          </p:cNvSpPr>
+          <p:nvPr>
+            <p:ph type="title"/>
+          </p:nvPr>
+        </p:nvSpPr>
+        <p:spPr/>
+        <p:txBody>
+          <a:bodyPr/>
+          <a:lstStyle/>
+          <a:p>
+            <a:r>
+              <a:rPr lang="en-US" altLang="zh-TW" dirty="0">
+                <a:latin typeface="Times New Roman" panose="02020603050405020304" pitchFamily="18" charset="0"/>
+                <a:cs typeface="Times New Roman" panose="02020603050405020304" pitchFamily="18" charset="0"/>
+              </a:rPr>
+              <a:t>Memory Compiler Introduction</a:t>
+            </a:r>
+            <a:endParaRPr lang="zh-TW" altLang="en-US" dirty="0"/>
+          </a:p>
+        </p:txBody>
+      </p:sp>
+      <p:sp>
+        <p:nvSpPr>
+          <p:cNvPr id="3" name="內容版面配置區 2"/>
+          <p:cNvSpPr>
+            <a:spLocks noGrp="1"/>
+          </p:cNvSpPr>
+          <p:nvPr>
+            <p:ph idx="1"/>
+          </p:nvPr>
+        </p:nvSpPr>
+        <p:spPr>
+          <a:xfrm>
+            <a:off x="477795" y="1252152"/>
+            <a:ext cx="8254313" cy="4999019"/>
+          </a:xfrm>
+        </p:spPr>
+        <p:txBody>
+          <a:bodyPr>
+            <a:normAutofit/>
+          </a:bodyPr>
+          <a:lstStyle/>
+          <a:p>
+            <a:r>
+              <a:rPr lang="en-US" altLang="zh-TW" dirty="0">
+                <a:latin typeface="Times New Roman" panose="02020603050405020304" pitchFamily="18" charset="0"/>
+                <a:cs typeface="Times New Roman" panose="02020603050405020304" pitchFamily="18" charset="0"/>
+              </a:rPr>
+              <a:t>Memory compiler is the </a:t>
+            </a:r>
+            <a:r>
+              <a:rPr lang="en-US" altLang="zh-TW" dirty="0">
+                <a:solidFill>
+                  <a:srgbClr val="C00000"/>
+                </a:solidFill>
+                <a:latin typeface="Times New Roman" panose="02020603050405020304" pitchFamily="18" charset="0"/>
+                <a:cs typeface="Times New Roman" panose="02020603050405020304" pitchFamily="18" charset="0"/>
+              </a:rPr>
+              <a:t>SRAM/ Register File/ ROM generator</a:t>
+            </a:r>
+            <a:r>
+              <a:rPr lang="en-US" altLang="zh-TW" dirty="0">
+                <a:latin typeface="Times New Roman" panose="02020603050405020304" pitchFamily="18" charset="0"/>
+                <a:cs typeface="Times New Roman" panose="02020603050405020304" pitchFamily="18" charset="0"/>
+              </a:rPr>
+              <a:t> for ASIC design. The generated files include:</a:t>
+            </a:r>
+          </a:p>
+          <a:p>
+            <a:pPr lvl="1"/>
+            <a:r>
+              <a:rPr lang="en-US" altLang="zh-TW" dirty="0">
+                <a:latin typeface="Times New Roman" panose="02020603050405020304" pitchFamily="18" charset="0"/>
+                <a:cs typeface="Times New Roman" panose="02020603050405020304" pitchFamily="18" charset="0"/>
+              </a:rPr>
+              <a:t>User guide</a:t>
+            </a:r>
+          </a:p>
+          <a:p>
+            <a:pPr lvl="1"/>
+            <a:r>
+              <a:rPr lang="en-US" altLang="zh-TW" dirty="0">
+                <a:latin typeface="Times New Roman" panose="02020603050405020304" pitchFamily="18" charset="0"/>
+                <a:cs typeface="Times New Roman" panose="02020603050405020304" pitchFamily="18" charset="0"/>
+              </a:rPr>
+              <a:t>Verilog model (for simulation)</a:t>
+            </a:r>
+          </a:p>
+          <a:p>
+            <a:pPr lvl="1"/>
+            <a:r>
+              <a:rPr lang="en-US" altLang="zh-TW" dirty="0">
+                <a:latin typeface="Times New Roman" panose="02020603050405020304" pitchFamily="18" charset="0"/>
+                <a:cs typeface="Times New Roman" panose="02020603050405020304" pitchFamily="18" charset="0"/>
+              </a:rPr>
+              <a:t>Timing information (for synthesis and APR)</a:t>
+            </a:r>
+          </a:p>
+          <a:p>
+            <a:pPr lvl="1"/>
+            <a:r>
+              <a:rPr lang="en-US" altLang="zh-TW" dirty="0">
+                <a:latin typeface="Times New Roman" panose="02020603050405020304" pitchFamily="18" charset="0"/>
+                <a:cs typeface="Times New Roman" panose="02020603050405020304" pitchFamily="18" charset="0"/>
+              </a:rPr>
+              <a:t>Physical layout (for APR)</a:t>
+            </a:r>
+          </a:p>
+          <a:p>
+            <a:r>
+              <a:rPr lang="en-US" altLang="zh-TW" dirty="0">
+                <a:latin typeface="Times New Roman" panose="02020603050405020304" pitchFamily="18" charset="0"/>
+                <a:cs typeface="Times New Roman" panose="02020603050405020304" pitchFamily="18" charset="0"/>
+              </a:rPr>
+              <a:t>We will focus on the Memory compiler for </a:t>
+            </a:r>
+            <a:r>
+              <a:rPr lang="en-US" altLang="zh-TW" dirty="0">
+                <a:solidFill>
+                  <a:srgbClr val="C00000"/>
+                </a:solidFill>
+                <a:latin typeface="Times New Roman" panose="02020603050405020304" pitchFamily="18" charset="0"/>
+                <a:cs typeface="Times New Roman" panose="02020603050405020304" pitchFamily="18" charset="0"/>
+              </a:rPr>
+              <a:t>TSMC 40nm </a:t>
+            </a:r>
+            <a:r>
+              <a:rPr lang="en-US" altLang="zh-TW" dirty="0">
+                <a:latin typeface="Times New Roman" panose="02020603050405020304" pitchFamily="18" charset="0"/>
+                <a:cs typeface="Times New Roman" panose="02020603050405020304" pitchFamily="18" charset="0"/>
+              </a:rPr>
+              <a:t>technology</a:t>
+            </a:r>
+          </a:p>
+          <a:p>
+            <a:pPr lvl="1"/>
+            <a:r>
+              <a:rPr lang="en-US" altLang="zh-TW" dirty="0">
+                <a:latin typeface="Times New Roman" panose="02020603050405020304" pitchFamily="18" charset="0"/>
+                <a:cs typeface="Times New Roman" panose="02020603050405020304" pitchFamily="18" charset="0"/>
+              </a:rPr>
+              <a:t>Settings should be similar for other technology nodes</a:t>
+            </a:r>
+          </a:p>
+          <a:p>
+            <a:r>
+              <a:rPr lang="en-US" altLang="zh-TW" dirty="0">
+                <a:latin typeface="Times New Roman" panose="02020603050405020304" pitchFamily="18" charset="0"/>
+                <a:cs typeface="Times New Roman" panose="02020603050405020304" pitchFamily="18" charset="0"/>
+              </a:rPr>
+              <a:t>Location:</a:t>
+            </a:r>
+          </a:p>
+          <a:p>
+            <a:pPr lvl="1"/>
+            <a:r>
+              <a:rPr lang="en-US" altLang="zh-TW" dirty="0">
+                <a:latin typeface="Times New Roman" panose="02020603050405020304" pitchFamily="18" charset="0"/>
+                <a:cs typeface="Times New Roman" panose="02020603050405020304" pitchFamily="18" charset="0"/>
+              </a:rPr>
+              <a:t>90nm: /cad/</a:t>
+            </a:r>
+            <a:r>
+              <a:rPr lang="en-US" altLang="zh-TW" dirty="0" err="1">
+                <a:latin typeface="Times New Roman" panose="02020603050405020304" pitchFamily="18" charset="0"/>
+                <a:cs typeface="Times New Roman" panose="02020603050405020304" pitchFamily="18" charset="0"/>
+              </a:rPr>
+              <a:t>cell_library</a:t>
+            </a:r>
+            <a:r>
+              <a:rPr lang="en-US" altLang="zh-TW" dirty="0">
+                <a:latin typeface="Times New Roman" panose="02020603050405020304" pitchFamily="18" charset="0"/>
+                <a:cs typeface="Times New Roman" panose="02020603050405020304" pitchFamily="18" charset="0"/>
+              </a:rPr>
+              <a:t>/CBDK_TSMC90G_Arm/CIC/Memory/</a:t>
+            </a:r>
+          </a:p>
+          <a:p>
+            <a:pPr lvl="1"/>
+            <a:r>
+              <a:rPr lang="en-US" altLang="zh-TW" dirty="0">
+                <a:latin typeface="Times New Roman" panose="02020603050405020304" pitchFamily="18" charset="0"/>
+                <a:cs typeface="Times New Roman" panose="02020603050405020304" pitchFamily="18" charset="0"/>
+              </a:rPr>
+              <a:t>40nm: </a:t>
+            </a:r>
+            <a:r>
+              <a:rPr lang="en-US" altLang="zh-TW" dirty="0">
+                <a:solidFill>
+                  <a:srgbClr val="C00000"/>
+                </a:solidFill>
+                <a:latin typeface="Times New Roman" panose="02020603050405020304" pitchFamily="18" charset="0"/>
+                <a:cs typeface="Times New Roman" panose="02020603050405020304" pitchFamily="18" charset="0"/>
+              </a:rPr>
+              <a:t>/cad/</a:t>
+            </a:r>
+            <a:r>
+              <a:rPr lang="en-US" altLang="zh-TW" dirty="0" err="1">
+                <a:solidFill>
+                  <a:srgbClr val="C00000"/>
+                </a:solidFill>
+                <a:latin typeface="Times New Roman" panose="02020603050405020304" pitchFamily="18" charset="0"/>
+                <a:cs typeface="Times New Roman" panose="02020603050405020304" pitchFamily="18" charset="0"/>
+              </a:rPr>
+              <a:t>cell_library</a:t>
+            </a:r>
+            <a:r>
+              <a:rPr lang="en-US" altLang="zh-TW" dirty="0">
+                <a:solidFill>
+                  <a:srgbClr val="C00000"/>
+                </a:solidFill>
+                <a:latin typeface="Times New Roman" panose="02020603050405020304" pitchFamily="18" charset="0"/>
+                <a:cs typeface="Times New Roman" panose="02020603050405020304" pitchFamily="18" charset="0"/>
+              </a:rPr>
+              <a:t>/CBDK_TSMC40_Arm_f2.0/CIC/Memory/</a:t>
+            </a:r>
+          </a:p>
+          <a:p>
+            <a:pPr lvl="1"/>
+            <a:endParaRPr lang="en-US" altLang="zh-TW" dirty="0">
+              <a:latin typeface="Times New Roman" panose="02020603050405020304" pitchFamily="18" charset="0"/>
+              <a:cs typeface="Times New Roman" panose="02020603050405020304" pitchFamily="18" charset="0"/>
+            </a:endParaRPr>
+          </a:p>
+          <a:p>
+            <a:endParaRPr lang="en-US" altLang="zh-TW" dirty="0">
+              <a:latin typeface="Times New Roman" panose="02020603050405020304" pitchFamily="18" charset="0"/>
+              <a:cs typeface="Times New Roman" panose="02020603050405020304" pitchFamily="18" charset="0"/>
+            </a:endParaRPr>
+          </a:p>
+          <a:p>
+            <a:endParaRPr lang="zh-TW" altLang="en-US" dirty="0">
+              <a:latin typeface="Times New Roman" panose="02020603050405020304" pitchFamily="18" charset="0"/>
+              <a:cs typeface="Times New Roman" panose="02020603050405020304" pitchFamily="18" charset="0"/>
+            </a:endParaRPr>
+          </a:p>
+        </p:txBody>
+      </p:sp>
+      <p:sp>
+        <p:nvSpPr>
+          <p:cNvPr id="4" name="投影片編號版面配置區 3"/>
+          <p:cNvSpPr>
+            <a:spLocks noGrp="1"/>
+          </p:cNvSpPr>
+          <p:nvPr>
+            <p:ph type="sldNum" sz="quarter" idx="12"/>
+          </p:nvPr>
+        </p:nvSpPr>
+        <p:spPr/>
+        <p:txBody>
+          <a:bodyPr/>
+          <a:lstStyle/>
+          <a:p>
+            <a:fld id="{D4E83C2F-CC96-46F6-9B3C-3132E4070188}" type="slidenum">
+              <a:rPr lang="zh-TW" altLang="en-US" smtClean="0"/>
+              <a:t>3</a:t>
+            </a:fld>
+            <a:endParaRPr lang="zh-TW" altLang="en-US"/>
+          </a:p>
+        </p:txBody>
+      </p:sp>
+    </p:spTree>
+    <p:extLst>
+      <p:ext uri="{BB962C8B-B14F-4D97-AF65-F5344CB8AC3E}">
+        <p14:creationId xmlns:p14="http://schemas.microsoft.com/office/powerpoint/2010/main" val="2762526541"/>
+      </p:ext>
+    </p:extLst>
+  </p:cSld>
+  <p:clrMapOvr>
+    <a:masterClrMapping/>
+  </p:clrMapOvr>
+</p:sld>
+</file>
+
+<file path=ppt/slides/slide30.xml><?xml version="1.0" encoding="utf-8"?>
 <p:sld xmlns:a="http://schemas.openxmlformats.org/drawingml/2006/main" xmlns:r="http://schemas.openxmlformats.org/officeDocument/2006/relationships" xmlns:p="http://schemas.openxmlformats.org/presentationml/2006/main">
   <p:cSld>
     <p:spTree>
@@ -20124,7 +24974,7 @@
           <a:p>
             <a:fld id="{D4E83C2F-CC96-46F6-9B3C-3132E4070188}" type="slidenum">
               <a:rPr lang="zh-TW" altLang="en-US" smtClean="0"/>
-              <a:t>29</a:t>
+              <a:t>30</a:t>
             </a:fld>
             <a:endParaRPr lang="zh-TW" altLang="en-US"/>
           </a:p>
@@ -20233,303 +25083,7 @@
 </p:sld>
 </file>
 
-<file path=ppt/slides/slide3.xml><?xml version="1.0" encoding="utf-8"?>
-<p:sld xmlns:a="http://schemas.openxmlformats.org/drawingml/2006/main" xmlns:r="http://schemas.openxmlformats.org/officeDocument/2006/relationships" xmlns:p="http://schemas.openxmlformats.org/presentationml/2006/main">
-  <p:cSld>
-    <p:spTree>
-      <p:nvGrpSpPr>
-        <p:cNvPr id="1" name=""/>
-        <p:cNvGrpSpPr/>
-        <p:nvPr/>
-      </p:nvGrpSpPr>
-      <p:grpSpPr>
-        <a:xfrm>
-          <a:off x="0" y="0"/>
-          <a:ext cx="0" cy="0"/>
-          <a:chOff x="0" y="0"/>
-          <a:chExt cx="0" cy="0"/>
-        </a:xfrm>
-      </p:grpSpPr>
-      <p:sp>
-        <p:nvSpPr>
-          <p:cNvPr id="2" name="標題 1"/>
-          <p:cNvSpPr>
-            <a:spLocks noGrp="1"/>
-          </p:cNvSpPr>
-          <p:nvPr>
-            <p:ph type="title"/>
-          </p:nvPr>
-        </p:nvSpPr>
-        <p:spPr/>
-        <p:txBody>
-          <a:bodyPr/>
-          <a:lstStyle/>
-          <a:p>
-            <a:r>
-              <a:rPr lang="en-US" altLang="zh-TW" dirty="0">
-                <a:latin typeface="Times New Roman" panose="02020603050405020304" pitchFamily="18" charset="0"/>
-                <a:cs typeface="Times New Roman" panose="02020603050405020304" pitchFamily="18" charset="0"/>
-              </a:rPr>
-              <a:t>Memory Compiler Introduction</a:t>
-            </a:r>
-            <a:endParaRPr lang="zh-TW" altLang="en-US" dirty="0"/>
-          </a:p>
-        </p:txBody>
-      </p:sp>
-      <p:sp>
-        <p:nvSpPr>
-          <p:cNvPr id="3" name="內容版面配置區 2"/>
-          <p:cNvSpPr>
-            <a:spLocks noGrp="1"/>
-          </p:cNvSpPr>
-          <p:nvPr>
-            <p:ph idx="1"/>
-          </p:nvPr>
-        </p:nvSpPr>
-        <p:spPr>
-          <a:xfrm>
-            <a:off x="477795" y="1252152"/>
-            <a:ext cx="8254313" cy="4999019"/>
-          </a:xfrm>
-        </p:spPr>
-        <p:txBody>
-          <a:bodyPr>
-            <a:normAutofit/>
-          </a:bodyPr>
-          <a:lstStyle/>
-          <a:p>
-            <a:r>
-              <a:rPr lang="en-US" altLang="zh-TW" dirty="0">
-                <a:latin typeface="Times New Roman" panose="02020603050405020304" pitchFamily="18" charset="0"/>
-                <a:cs typeface="Times New Roman" panose="02020603050405020304" pitchFamily="18" charset="0"/>
-              </a:rPr>
-              <a:t>Memory compiler is the </a:t>
-            </a:r>
-            <a:r>
-              <a:rPr lang="en-US" altLang="zh-TW" dirty="0">
-                <a:solidFill>
-                  <a:srgbClr val="C00000"/>
-                </a:solidFill>
-                <a:latin typeface="Times New Roman" panose="02020603050405020304" pitchFamily="18" charset="0"/>
-                <a:cs typeface="Times New Roman" panose="02020603050405020304" pitchFamily="18" charset="0"/>
-              </a:rPr>
-              <a:t>SRAM/ Register File/ ROM generator</a:t>
-            </a:r>
-            <a:r>
-              <a:rPr lang="en-US" altLang="zh-TW" dirty="0">
-                <a:latin typeface="Times New Roman" panose="02020603050405020304" pitchFamily="18" charset="0"/>
-                <a:cs typeface="Times New Roman" panose="02020603050405020304" pitchFamily="18" charset="0"/>
-              </a:rPr>
-              <a:t> for ASIC design. The generated files include:</a:t>
-            </a:r>
-          </a:p>
-          <a:p>
-            <a:pPr lvl="1"/>
-            <a:r>
-              <a:rPr lang="en-US" altLang="zh-TW" dirty="0">
-                <a:latin typeface="Times New Roman" panose="02020603050405020304" pitchFamily="18" charset="0"/>
-                <a:cs typeface="Times New Roman" panose="02020603050405020304" pitchFamily="18" charset="0"/>
-              </a:rPr>
-              <a:t>User guide</a:t>
-            </a:r>
-          </a:p>
-          <a:p>
-            <a:pPr lvl="1"/>
-            <a:r>
-              <a:rPr lang="en-US" altLang="zh-TW" dirty="0">
-                <a:latin typeface="Times New Roman" panose="02020603050405020304" pitchFamily="18" charset="0"/>
-                <a:cs typeface="Times New Roman" panose="02020603050405020304" pitchFamily="18" charset="0"/>
-              </a:rPr>
-              <a:t>Verilog model (for simulation)</a:t>
-            </a:r>
-          </a:p>
-          <a:p>
-            <a:pPr lvl="1"/>
-            <a:r>
-              <a:rPr lang="en-US" altLang="zh-TW" dirty="0">
-                <a:latin typeface="Times New Roman" panose="02020603050405020304" pitchFamily="18" charset="0"/>
-                <a:cs typeface="Times New Roman" panose="02020603050405020304" pitchFamily="18" charset="0"/>
-              </a:rPr>
-              <a:t>Timing information (for synthesis and APR)</a:t>
-            </a:r>
-          </a:p>
-          <a:p>
-            <a:pPr lvl="1"/>
-            <a:r>
-              <a:rPr lang="en-US" altLang="zh-TW" dirty="0">
-                <a:latin typeface="Times New Roman" panose="02020603050405020304" pitchFamily="18" charset="0"/>
-                <a:cs typeface="Times New Roman" panose="02020603050405020304" pitchFamily="18" charset="0"/>
-              </a:rPr>
-              <a:t>Physical layout (for APR)</a:t>
-            </a:r>
-          </a:p>
-          <a:p>
-            <a:r>
-              <a:rPr lang="en-US" altLang="zh-TW" dirty="0">
-                <a:latin typeface="Times New Roman" panose="02020603050405020304" pitchFamily="18" charset="0"/>
-                <a:cs typeface="Times New Roman" panose="02020603050405020304" pitchFamily="18" charset="0"/>
-              </a:rPr>
-              <a:t>We will focus on the Memory compiler for </a:t>
-            </a:r>
-            <a:r>
-              <a:rPr lang="en-US" altLang="zh-TW" dirty="0">
-                <a:solidFill>
-                  <a:srgbClr val="C00000"/>
-                </a:solidFill>
-                <a:latin typeface="Times New Roman" panose="02020603050405020304" pitchFamily="18" charset="0"/>
-                <a:cs typeface="Times New Roman" panose="02020603050405020304" pitchFamily="18" charset="0"/>
-              </a:rPr>
-              <a:t>TSMC 40nm </a:t>
-            </a:r>
-            <a:r>
-              <a:rPr lang="en-US" altLang="zh-TW" dirty="0">
-                <a:latin typeface="Times New Roman" panose="02020603050405020304" pitchFamily="18" charset="0"/>
-                <a:cs typeface="Times New Roman" panose="02020603050405020304" pitchFamily="18" charset="0"/>
-              </a:rPr>
-              <a:t>technology</a:t>
-            </a:r>
-          </a:p>
-          <a:p>
-            <a:pPr lvl="1"/>
-            <a:r>
-              <a:rPr lang="en-US" altLang="zh-TW" dirty="0">
-                <a:latin typeface="Times New Roman" panose="02020603050405020304" pitchFamily="18" charset="0"/>
-                <a:cs typeface="Times New Roman" panose="02020603050405020304" pitchFamily="18" charset="0"/>
-              </a:rPr>
-              <a:t>Settings should be similar for other technology nodes</a:t>
-            </a:r>
-          </a:p>
-          <a:p>
-            <a:r>
-              <a:rPr lang="en-US" altLang="zh-TW" dirty="0">
-                <a:latin typeface="Times New Roman" panose="02020603050405020304" pitchFamily="18" charset="0"/>
-                <a:cs typeface="Times New Roman" panose="02020603050405020304" pitchFamily="18" charset="0"/>
-              </a:rPr>
-              <a:t>Location:</a:t>
-            </a:r>
-          </a:p>
-          <a:p>
-            <a:pPr lvl="1"/>
-            <a:r>
-              <a:rPr lang="en-US" altLang="zh-TW" dirty="0">
-                <a:latin typeface="Times New Roman" panose="02020603050405020304" pitchFamily="18" charset="0"/>
-                <a:cs typeface="Times New Roman" panose="02020603050405020304" pitchFamily="18" charset="0"/>
-              </a:rPr>
-              <a:t>90nm: /cad/</a:t>
-            </a:r>
-            <a:r>
-              <a:rPr lang="en-US" altLang="zh-TW" dirty="0" err="1">
-                <a:latin typeface="Times New Roman" panose="02020603050405020304" pitchFamily="18" charset="0"/>
-                <a:cs typeface="Times New Roman" panose="02020603050405020304" pitchFamily="18" charset="0"/>
-              </a:rPr>
-              <a:t>cell_library</a:t>
-            </a:r>
-            <a:r>
-              <a:rPr lang="en-US" altLang="zh-TW" dirty="0">
-                <a:latin typeface="Times New Roman" panose="02020603050405020304" pitchFamily="18" charset="0"/>
-                <a:cs typeface="Times New Roman" panose="02020603050405020304" pitchFamily="18" charset="0"/>
-              </a:rPr>
-              <a:t>/CBDK_TSMC90G_Arm/CIC/Memory/</a:t>
-            </a:r>
-          </a:p>
-          <a:p>
-            <a:pPr lvl="1"/>
-            <a:r>
-              <a:rPr lang="en-US" altLang="zh-TW" dirty="0">
-                <a:latin typeface="Times New Roman" panose="02020603050405020304" pitchFamily="18" charset="0"/>
-                <a:cs typeface="Times New Roman" panose="02020603050405020304" pitchFamily="18" charset="0"/>
-              </a:rPr>
-              <a:t>40nm: </a:t>
-            </a:r>
-            <a:r>
-              <a:rPr lang="en-US" altLang="zh-TW" dirty="0">
-                <a:solidFill>
-                  <a:srgbClr val="C00000"/>
-                </a:solidFill>
-                <a:latin typeface="Times New Roman" panose="02020603050405020304" pitchFamily="18" charset="0"/>
-                <a:cs typeface="Times New Roman" panose="02020603050405020304" pitchFamily="18" charset="0"/>
-              </a:rPr>
-              <a:t>/cad/</a:t>
-            </a:r>
-            <a:r>
-              <a:rPr lang="en-US" altLang="zh-TW" dirty="0" err="1">
-                <a:solidFill>
-                  <a:srgbClr val="C00000"/>
-                </a:solidFill>
-                <a:latin typeface="Times New Roman" panose="02020603050405020304" pitchFamily="18" charset="0"/>
-                <a:cs typeface="Times New Roman" panose="02020603050405020304" pitchFamily="18" charset="0"/>
-              </a:rPr>
-              <a:t>cell_library</a:t>
-            </a:r>
-            <a:r>
-              <a:rPr lang="en-US" altLang="zh-TW" dirty="0">
-                <a:solidFill>
-                  <a:srgbClr val="C00000"/>
-                </a:solidFill>
-                <a:latin typeface="Times New Roman" panose="02020603050405020304" pitchFamily="18" charset="0"/>
-                <a:cs typeface="Times New Roman" panose="02020603050405020304" pitchFamily="18" charset="0"/>
-              </a:rPr>
-              <a:t>/CBDK_TSMC40_Arm_f2.0/CIC/Memory/</a:t>
-            </a:r>
-          </a:p>
-          <a:p>
-            <a:pPr lvl="1"/>
-            <a:endParaRPr lang="en-US" altLang="zh-TW" dirty="0">
-              <a:latin typeface="Times New Roman" panose="02020603050405020304" pitchFamily="18" charset="0"/>
-              <a:cs typeface="Times New Roman" panose="02020603050405020304" pitchFamily="18" charset="0"/>
-            </a:endParaRPr>
-          </a:p>
-          <a:p>
-            <a:endParaRPr lang="en-US" altLang="zh-TW" dirty="0">
-              <a:latin typeface="Times New Roman" panose="02020603050405020304" pitchFamily="18" charset="0"/>
-              <a:cs typeface="Times New Roman" panose="02020603050405020304" pitchFamily="18" charset="0"/>
-            </a:endParaRPr>
-          </a:p>
-          <a:p>
-            <a:endParaRPr lang="zh-TW" altLang="en-US" dirty="0">
-              <a:latin typeface="Times New Roman" panose="02020603050405020304" pitchFamily="18" charset="0"/>
-              <a:cs typeface="Times New Roman" panose="02020603050405020304" pitchFamily="18" charset="0"/>
-            </a:endParaRPr>
-          </a:p>
-        </p:txBody>
-      </p:sp>
-      <p:sp>
-        <p:nvSpPr>
-          <p:cNvPr id="4" name="投影片編號版面配置區 3"/>
-          <p:cNvSpPr>
-            <a:spLocks noGrp="1"/>
-          </p:cNvSpPr>
-          <p:nvPr>
-            <p:ph type="sldNum" sz="quarter" idx="12"/>
-          </p:nvPr>
-        </p:nvSpPr>
-        <p:spPr/>
-        <p:txBody>
-          <a:bodyPr/>
-          <a:lstStyle/>
-          <a:p>
-            <a:fld id="{D4E83C2F-CC96-46F6-9B3C-3132E4070188}" type="slidenum">
-              <a:rPr lang="zh-TW" altLang="en-US" smtClean="0"/>
-              <a:t>3</a:t>
-            </a:fld>
-            <a:endParaRPr lang="zh-TW" altLang="en-US"/>
-          </a:p>
-        </p:txBody>
-      </p:sp>
-    </p:spTree>
-    <p:extLst>
-      <p:ext uri="{BB962C8B-B14F-4D97-AF65-F5344CB8AC3E}">
-        <p14:creationId xmlns:p14="http://schemas.microsoft.com/office/powerpoint/2010/main" val="2762526541"/>
-      </p:ext>
-    </p:extLst>
-  </p:cSld>
-  <p:clrMapOvr>
-    <a:masterClrMapping/>
-  </p:clrMapOvr>
-</p:sld>
-</file>
-
-<file path=ppt/slides/slide30.xml><?xml version="1.0" encoding="utf-8"?>
+<file path=ppt/slides/slide31.xml><?xml version="1.0" encoding="utf-8"?>
 <p:sld xmlns:a="http://schemas.openxmlformats.org/drawingml/2006/main" xmlns:r="http://schemas.openxmlformats.org/officeDocument/2006/relationships" xmlns:p="http://schemas.openxmlformats.org/presentationml/2006/main">
   <p:cSld>
     <p:spTree>
@@ -20673,7 +25227,7 @@
           <a:p>
             <a:fld id="{D4E83C2F-CC96-46F6-9B3C-3132E4070188}" type="slidenum">
               <a:rPr lang="zh-TW" altLang="en-US" smtClean="0"/>
-              <a:t>30</a:t>
+              <a:t>31</a:t>
             </a:fld>
             <a:endParaRPr lang="zh-TW" altLang="en-US"/>
           </a:p>
@@ -20727,7 +25281,7 @@
 </p:sld>
 </file>
 
-<file path=ppt/slides/slide31.xml><?xml version="1.0" encoding="utf-8"?>
+<file path=ppt/slides/slide32.xml><?xml version="1.0" encoding="utf-8"?>
 <p:sld xmlns:a="http://schemas.openxmlformats.org/drawingml/2006/main" xmlns:r="http://schemas.openxmlformats.org/officeDocument/2006/relationships" xmlns:p="http://schemas.openxmlformats.org/presentationml/2006/main">
   <p:cSld>
     <p:spTree>
@@ -20985,7 +25539,7 @@
           <a:p>
             <a:fld id="{D4E83C2F-CC96-46F6-9B3C-3132E4070188}" type="slidenum">
               <a:rPr lang="zh-TW" altLang="en-US" smtClean="0"/>
-              <a:t>31</a:t>
+              <a:t>32</a:t>
             </a:fld>
             <a:endParaRPr lang="zh-TW" altLang="en-US"/>
           </a:p>
@@ -21034,7 +25588,7 @@
 </p:sld>
 </file>
 
-<file path=ppt/slides/slide32.xml><?xml version="1.0" encoding="utf-8"?>
+<file path=ppt/slides/slide33.xml><?xml version="1.0" encoding="utf-8"?>
 <p:sld xmlns:a="http://schemas.openxmlformats.org/drawingml/2006/main" xmlns:r="http://schemas.openxmlformats.org/officeDocument/2006/relationships" xmlns:p="http://schemas.openxmlformats.org/presentationml/2006/main">
   <p:cSld>
     <p:spTree>
@@ -21322,7 +25876,7 @@
           <a:p>
             <a:fld id="{D4E83C2F-CC96-46F6-9B3C-3132E4070188}" type="slidenum">
               <a:rPr lang="zh-TW" altLang="en-US" smtClean="0"/>
-              <a:t>32</a:t>
+              <a:t>33</a:t>
             </a:fld>
             <a:endParaRPr lang="zh-TW" altLang="en-US"/>
           </a:p>
@@ -21647,7 +26201,7 @@
           <p:nvPr>
             <p:extLst>
               <p:ext uri="{D42A27DB-BD31-4B8C-83A1-F6EECF244321}">
-                <p14:modId xmlns:p14="http://schemas.microsoft.com/office/powerpoint/2010/main" val="1988360677"/>
+                <p14:modId xmlns:p14="http://schemas.microsoft.com/office/powerpoint/2010/main" val="3492776751"/>
               </p:ext>
             </p:extLst>
           </p:nvPr>
@@ -21836,10 +26390,54 @@
                       <a:pPr algn="ctr"/>
                       <a:r>
                         <a:rPr lang="zh-TW" altLang="en-US" dirty="0">
+                          <a:solidFill>
+                            <a:srgbClr val="0563C1"/>
+                          </a:solidFill>
                           <a:latin typeface="Times New Roman" panose="02020603050405020304" pitchFamily="18" charset="0"/>
                           <a:cs typeface="Times New Roman" panose="02020603050405020304" pitchFamily="18" charset="0"/>
                         </a:rPr>
-                        <a:t>rf_2p_hse_rvt_hvt_rvt/ </a:t>
+                        <a:t>rf</a:t>
+                      </a:r>
+                      <a:r>
+                        <a:rPr lang="zh-TW" altLang="en-US" dirty="0">
+                          <a:latin typeface="Times New Roman" panose="02020603050405020304" pitchFamily="18" charset="0"/>
+                          <a:cs typeface="Times New Roman" panose="02020603050405020304" pitchFamily="18" charset="0"/>
+                        </a:rPr>
+                        <a:t>_</a:t>
+                      </a:r>
+                      <a:r>
+                        <a:rPr lang="zh-TW" altLang="en-US" dirty="0">
+                          <a:solidFill>
+                            <a:srgbClr val="C00000"/>
+                          </a:solidFill>
+                          <a:latin typeface="Times New Roman" panose="02020603050405020304" pitchFamily="18" charset="0"/>
+                          <a:cs typeface="Times New Roman" panose="02020603050405020304" pitchFamily="18" charset="0"/>
+                        </a:rPr>
+                        <a:t>2p</a:t>
+                      </a:r>
+                      <a:r>
+                        <a:rPr lang="zh-TW" altLang="en-US" dirty="0">
+                          <a:latin typeface="Times New Roman" panose="02020603050405020304" pitchFamily="18" charset="0"/>
+                          <a:cs typeface="Times New Roman" panose="02020603050405020304" pitchFamily="18" charset="0"/>
+                        </a:rPr>
+                        <a:t>_</a:t>
+                      </a:r>
+                      <a:r>
+                        <a:rPr lang="zh-TW" altLang="en-US" dirty="0">
+                          <a:solidFill>
+                            <a:srgbClr val="00B050"/>
+                          </a:solidFill>
+                          <a:latin typeface="Times New Roman" panose="02020603050405020304" pitchFamily="18" charset="0"/>
+                          <a:cs typeface="Times New Roman" panose="02020603050405020304" pitchFamily="18" charset="0"/>
+                        </a:rPr>
+                        <a:t>hse</a:t>
+                      </a:r>
+                      <a:r>
+                        <a:rPr lang="zh-TW" altLang="en-US" dirty="0">
+                          <a:latin typeface="Times New Roman" panose="02020603050405020304" pitchFamily="18" charset="0"/>
+                          <a:cs typeface="Times New Roman" panose="02020603050405020304" pitchFamily="18" charset="0"/>
+                        </a:rPr>
+                        <a:t>_rvt_hvt_rvt/ </a:t>
                       </a:r>
                     </a:p>
                   </a:txBody>
@@ -21890,6 +26488,9 @@
                       <a:pPr algn="ctr"/>
                       <a:r>
                         <a:rPr lang="en-US" altLang="zh-TW" dirty="0">
+                          <a:solidFill>
+                            <a:srgbClr val="00B050"/>
+                          </a:solidFill>
                           <a:latin typeface="Times New Roman" panose="02020603050405020304" pitchFamily="18" charset="0"/>
                           <a:cs typeface="Times New Roman" panose="02020603050405020304" pitchFamily="18" charset="0"/>
                         </a:rPr>
@@ -21900,16 +26501,49 @@
                           <a:latin typeface="Times New Roman" panose="02020603050405020304" pitchFamily="18" charset="0"/>
                           <a:cs typeface="Times New Roman" panose="02020603050405020304" pitchFamily="18" charset="0"/>
                         </a:rPr>
-                        <a:t> two-port r</a:t>
+                        <a:t> </a:t>
+                      </a:r>
+                      <a:r>
+                        <a:rPr lang="en-US" altLang="zh-TW" baseline="0" dirty="0">
+                          <a:solidFill>
+                            <a:srgbClr val="C00000"/>
+                          </a:solidFill>
+                          <a:latin typeface="Times New Roman" panose="02020603050405020304" pitchFamily="18" charset="0"/>
+                          <a:cs typeface="Times New Roman" panose="02020603050405020304" pitchFamily="18" charset="0"/>
+                        </a:rPr>
+                        <a:t>two-port</a:t>
+                      </a:r>
+                      <a:r>
+                        <a:rPr lang="en-US" altLang="zh-TW" baseline="0" dirty="0">
+                          <a:latin typeface="Times New Roman" panose="02020603050405020304" pitchFamily="18" charset="0"/>
+                          <a:cs typeface="Times New Roman" panose="02020603050405020304" pitchFamily="18" charset="0"/>
+                        </a:rPr>
+                        <a:t> </a:t>
+                      </a:r>
+                      <a:r>
+                        <a:rPr lang="en-US" altLang="zh-TW" baseline="0" dirty="0">
+                          <a:solidFill>
+                            <a:srgbClr val="0563C1"/>
+                          </a:solidFill>
+                          <a:latin typeface="Times New Roman" panose="02020603050405020304" pitchFamily="18" charset="0"/>
+                          <a:cs typeface="Times New Roman" panose="02020603050405020304" pitchFamily="18" charset="0"/>
+                        </a:rPr>
+                        <a:t>r</a:t>
                       </a:r>
                       <a:r>
                         <a:rPr lang="en-US" altLang="zh-TW" dirty="0">
+                          <a:solidFill>
+                            <a:srgbClr val="0563C1"/>
+                          </a:solidFill>
                           <a:latin typeface="Times New Roman" panose="02020603050405020304" pitchFamily="18" charset="0"/>
                           <a:cs typeface="Times New Roman" panose="02020603050405020304" pitchFamily="18" charset="0"/>
                         </a:rPr>
                         <a:t>egister file</a:t>
                       </a:r>
                       <a:endParaRPr lang="zh-TW" altLang="en-US" dirty="0">
+                        <a:solidFill>
+                          <a:srgbClr val="0563C1"/>
+                        </a:solidFill>
                         <a:latin typeface="Times New Roman" panose="02020603050405020304" pitchFamily="18" charset="0"/>
                         <a:cs typeface="Times New Roman" panose="02020603050405020304" pitchFamily="18" charset="0"/>
                       </a:endParaRPr>
@@ -21969,10 +26603,54 @@
                       <a:pPr algn="ctr"/>
                       <a:r>
                         <a:rPr lang="zh-TW" altLang="en-US" dirty="0">
+                          <a:solidFill>
+                            <a:srgbClr val="0563C1"/>
+                          </a:solidFill>
                           <a:latin typeface="Times New Roman" panose="02020603050405020304" pitchFamily="18" charset="0"/>
                           <a:cs typeface="Times New Roman" panose="02020603050405020304" pitchFamily="18" charset="0"/>
                         </a:rPr>
-                        <a:t>rf_sp_hde_rvt_hvt_rvt/ </a:t>
+                        <a:t>rf</a:t>
+                      </a:r>
+                      <a:r>
+                        <a:rPr lang="zh-TW" altLang="en-US" dirty="0">
+                          <a:latin typeface="Times New Roman" panose="02020603050405020304" pitchFamily="18" charset="0"/>
+                          <a:cs typeface="Times New Roman" panose="02020603050405020304" pitchFamily="18" charset="0"/>
+                        </a:rPr>
+                        <a:t>_</a:t>
+                      </a:r>
+                      <a:r>
+                        <a:rPr lang="zh-TW" altLang="en-US" dirty="0">
+                          <a:solidFill>
+                            <a:srgbClr val="C00000"/>
+                          </a:solidFill>
+                          <a:latin typeface="Times New Roman" panose="02020603050405020304" pitchFamily="18" charset="0"/>
+                          <a:cs typeface="Times New Roman" panose="02020603050405020304" pitchFamily="18" charset="0"/>
+                        </a:rPr>
+                        <a:t>sp</a:t>
+                      </a:r>
+                      <a:r>
+                        <a:rPr lang="zh-TW" altLang="en-US" dirty="0">
+                          <a:latin typeface="Times New Roman" panose="02020603050405020304" pitchFamily="18" charset="0"/>
+                          <a:cs typeface="Times New Roman" panose="02020603050405020304" pitchFamily="18" charset="0"/>
+                        </a:rPr>
+                        <a:t>_</a:t>
+                      </a:r>
+                      <a:r>
+                        <a:rPr lang="zh-TW" altLang="en-US" dirty="0">
+                          <a:solidFill>
+                            <a:srgbClr val="00B050"/>
+                          </a:solidFill>
+                          <a:latin typeface="Times New Roman" panose="02020603050405020304" pitchFamily="18" charset="0"/>
+                          <a:cs typeface="Times New Roman" panose="02020603050405020304" pitchFamily="18" charset="0"/>
+                        </a:rPr>
+                        <a:t>hde</a:t>
+                      </a:r>
+                      <a:r>
+                        <a:rPr lang="zh-TW" altLang="en-US" dirty="0">
+                          <a:latin typeface="Times New Roman" panose="02020603050405020304" pitchFamily="18" charset="0"/>
+                          <a:cs typeface="Times New Roman" panose="02020603050405020304" pitchFamily="18" charset="0"/>
+                        </a:rPr>
+                        <a:t>_rvt_hvt_rvt/ </a:t>
                       </a:r>
                     </a:p>
                   </a:txBody>
@@ -22039,6 +26717,9 @@
                       </a:pPr>
                       <a:r>
                         <a:rPr lang="en-US" altLang="zh-TW" dirty="0">
+                          <a:solidFill>
+                            <a:srgbClr val="00B050"/>
+                          </a:solidFill>
                           <a:latin typeface="Times New Roman" panose="02020603050405020304" pitchFamily="18" charset="0"/>
                           <a:cs typeface="Times New Roman" panose="02020603050405020304" pitchFamily="18" charset="0"/>
                         </a:rPr>
@@ -22049,16 +26730,49 @@
                           <a:latin typeface="Times New Roman" panose="02020603050405020304" pitchFamily="18" charset="0"/>
                           <a:cs typeface="Times New Roman" panose="02020603050405020304" pitchFamily="18" charset="0"/>
                         </a:rPr>
-                        <a:t> single-port r</a:t>
+                        <a:t> </a:t>
+                      </a:r>
+                      <a:r>
+                        <a:rPr lang="en-US" altLang="zh-TW" baseline="0" dirty="0">
+                          <a:solidFill>
+                            <a:srgbClr val="C00000"/>
+                          </a:solidFill>
+                          <a:latin typeface="Times New Roman" panose="02020603050405020304" pitchFamily="18" charset="0"/>
+                          <a:cs typeface="Times New Roman" panose="02020603050405020304" pitchFamily="18" charset="0"/>
+                        </a:rPr>
+                        <a:t>single-port</a:t>
+                      </a:r>
+                      <a:r>
+                        <a:rPr lang="en-US" altLang="zh-TW" baseline="0" dirty="0">
+                          <a:latin typeface="Times New Roman" panose="02020603050405020304" pitchFamily="18" charset="0"/>
+                          <a:cs typeface="Times New Roman" panose="02020603050405020304" pitchFamily="18" charset="0"/>
+                        </a:rPr>
+                        <a:t> </a:t>
+                      </a:r>
+                      <a:r>
+                        <a:rPr lang="en-US" altLang="zh-TW" baseline="0" dirty="0">
+                          <a:solidFill>
+                            <a:srgbClr val="0563C1"/>
+                          </a:solidFill>
+                          <a:latin typeface="Times New Roman" panose="02020603050405020304" pitchFamily="18" charset="0"/>
+                          <a:cs typeface="Times New Roman" panose="02020603050405020304" pitchFamily="18" charset="0"/>
+                        </a:rPr>
+                        <a:t>r</a:t>
                       </a:r>
                       <a:r>
                         <a:rPr lang="en-US" altLang="zh-TW" dirty="0">
+                          <a:solidFill>
+                            <a:srgbClr val="0563C1"/>
+                          </a:solidFill>
                           <a:latin typeface="Times New Roman" panose="02020603050405020304" pitchFamily="18" charset="0"/>
                           <a:cs typeface="Times New Roman" panose="02020603050405020304" pitchFamily="18" charset="0"/>
                         </a:rPr>
                         <a:t>egister file</a:t>
                       </a:r>
                       <a:endParaRPr lang="zh-TW" altLang="en-US" dirty="0">
+                        <a:solidFill>
+                          <a:srgbClr val="0563C1"/>
+                        </a:solidFill>
                         <a:latin typeface="Times New Roman" panose="02020603050405020304" pitchFamily="18" charset="0"/>
                         <a:cs typeface="Times New Roman" panose="02020603050405020304" pitchFamily="18" charset="0"/>
                       </a:endParaRPr>
@@ -22118,10 +26832,54 @@
                       <a:pPr algn="ctr"/>
                       <a:r>
                         <a:rPr lang="zh-TW" altLang="en-US" dirty="0">
+                          <a:solidFill>
+                            <a:srgbClr val="0563C1"/>
+                          </a:solidFill>
                           <a:latin typeface="Times New Roman" panose="02020603050405020304" pitchFamily="18" charset="0"/>
                           <a:cs typeface="Times New Roman" panose="02020603050405020304" pitchFamily="18" charset="0"/>
                         </a:rPr>
-                        <a:t>rf_sp_hsd_rvt_rvt_hvt/ </a:t>
+                        <a:t>rf</a:t>
+                      </a:r>
+                      <a:r>
+                        <a:rPr lang="zh-TW" altLang="en-US" dirty="0">
+                          <a:latin typeface="Times New Roman" panose="02020603050405020304" pitchFamily="18" charset="0"/>
+                          <a:cs typeface="Times New Roman" panose="02020603050405020304" pitchFamily="18" charset="0"/>
+                        </a:rPr>
+                        <a:t>_</a:t>
+                      </a:r>
+                      <a:r>
+                        <a:rPr lang="zh-TW" altLang="en-US" dirty="0">
+                          <a:solidFill>
+                            <a:srgbClr val="C00000"/>
+                          </a:solidFill>
+                          <a:latin typeface="Times New Roman" panose="02020603050405020304" pitchFamily="18" charset="0"/>
+                          <a:cs typeface="Times New Roman" panose="02020603050405020304" pitchFamily="18" charset="0"/>
+                        </a:rPr>
+                        <a:t>sp</a:t>
+                      </a:r>
+                      <a:r>
+                        <a:rPr lang="zh-TW" altLang="en-US" dirty="0">
+                          <a:latin typeface="Times New Roman" panose="02020603050405020304" pitchFamily="18" charset="0"/>
+                          <a:cs typeface="Times New Roman" panose="02020603050405020304" pitchFamily="18" charset="0"/>
+                        </a:rPr>
+                        <a:t>_</a:t>
+                      </a:r>
+                      <a:r>
+                        <a:rPr lang="zh-TW" altLang="en-US" dirty="0">
+                          <a:solidFill>
+                            <a:srgbClr val="00B050"/>
+                          </a:solidFill>
+                          <a:latin typeface="Times New Roman" panose="02020603050405020304" pitchFamily="18" charset="0"/>
+                          <a:cs typeface="Times New Roman" panose="02020603050405020304" pitchFamily="18" charset="0"/>
+                        </a:rPr>
+                        <a:t>hsd</a:t>
+                      </a:r>
+                      <a:r>
+                        <a:rPr lang="zh-TW" altLang="en-US" dirty="0">
+                          <a:latin typeface="Times New Roman" panose="02020603050405020304" pitchFamily="18" charset="0"/>
+                          <a:cs typeface="Times New Roman" panose="02020603050405020304" pitchFamily="18" charset="0"/>
+                        </a:rPr>
+                        <a:t>_rvt_rvt_hvt/ </a:t>
                       </a:r>
                     </a:p>
                   </a:txBody>
@@ -22188,6 +26946,9 @@
                       </a:pPr>
                       <a:r>
                         <a:rPr lang="en-US" altLang="zh-TW" dirty="0">
+                          <a:solidFill>
+                            <a:srgbClr val="00B050"/>
+                          </a:solidFill>
                           <a:latin typeface="Times New Roman" panose="02020603050405020304" pitchFamily="18" charset="0"/>
                           <a:cs typeface="Times New Roman" panose="02020603050405020304" pitchFamily="18" charset="0"/>
                         </a:rPr>
@@ -22198,16 +26959,49 @@
                           <a:latin typeface="Times New Roman" panose="02020603050405020304" pitchFamily="18" charset="0"/>
                           <a:cs typeface="Times New Roman" panose="02020603050405020304" pitchFamily="18" charset="0"/>
                         </a:rPr>
-                        <a:t> single-port r</a:t>
+                        <a:t> </a:t>
+                      </a:r>
+                      <a:r>
+                        <a:rPr lang="en-US" altLang="zh-TW" baseline="0" dirty="0">
+                          <a:solidFill>
+                            <a:srgbClr val="C00000"/>
+                          </a:solidFill>
+                          <a:latin typeface="Times New Roman" panose="02020603050405020304" pitchFamily="18" charset="0"/>
+                          <a:cs typeface="Times New Roman" panose="02020603050405020304" pitchFamily="18" charset="0"/>
+                        </a:rPr>
+                        <a:t>single-port</a:t>
+                      </a:r>
+                      <a:r>
+                        <a:rPr lang="en-US" altLang="zh-TW" baseline="0" dirty="0">
+                          <a:latin typeface="Times New Roman" panose="02020603050405020304" pitchFamily="18" charset="0"/>
+                          <a:cs typeface="Times New Roman" panose="02020603050405020304" pitchFamily="18" charset="0"/>
+                        </a:rPr>
+                        <a:t> </a:t>
+                      </a:r>
+                      <a:r>
+                        <a:rPr lang="en-US" altLang="zh-TW" baseline="0" dirty="0">
+                          <a:solidFill>
+                            <a:srgbClr val="0563C1"/>
+                          </a:solidFill>
+                          <a:latin typeface="Times New Roman" panose="02020603050405020304" pitchFamily="18" charset="0"/>
+                          <a:cs typeface="Times New Roman" panose="02020603050405020304" pitchFamily="18" charset="0"/>
+                        </a:rPr>
+                        <a:t>r</a:t>
                       </a:r>
                       <a:r>
                         <a:rPr lang="en-US" altLang="zh-TW" dirty="0">
+                          <a:solidFill>
+                            <a:srgbClr val="0563C1"/>
+                          </a:solidFill>
                           <a:latin typeface="Times New Roman" panose="02020603050405020304" pitchFamily="18" charset="0"/>
                           <a:cs typeface="Times New Roman" panose="02020603050405020304" pitchFamily="18" charset="0"/>
                         </a:rPr>
                         <a:t>egister file</a:t>
                       </a:r>
                       <a:endParaRPr lang="zh-TW" altLang="en-US" dirty="0">
+                        <a:solidFill>
+                          <a:srgbClr val="0563C1"/>
+                        </a:solidFill>
                         <a:latin typeface="Times New Roman" panose="02020603050405020304" pitchFamily="18" charset="0"/>
                         <a:cs typeface="Times New Roman" panose="02020603050405020304" pitchFamily="18" charset="0"/>
                       </a:endParaRPr>
@@ -22386,10 +27180,54 @@
                       <a:pPr algn="ctr"/>
                       <a:r>
                         <a:rPr lang="zh-TW" altLang="en-US" dirty="0">
+                          <a:solidFill>
+                            <a:srgbClr val="0563C1"/>
+                          </a:solidFill>
                           <a:latin typeface="Times New Roman" panose="02020603050405020304" pitchFamily="18" charset="0"/>
                           <a:cs typeface="Times New Roman" panose="02020603050405020304" pitchFamily="18" charset="0"/>
                         </a:rPr>
-                        <a:t>sram_dp_hde_rvt_hvt_rvt</a:t>
+                        <a:t>sram</a:t>
+                      </a:r>
+                      <a:r>
+                        <a:rPr lang="zh-TW" altLang="en-US" dirty="0">
+                          <a:latin typeface="Times New Roman" panose="02020603050405020304" pitchFamily="18" charset="0"/>
+                          <a:cs typeface="Times New Roman" panose="02020603050405020304" pitchFamily="18" charset="0"/>
+                        </a:rPr>
+                        <a:t>_</a:t>
+                      </a:r>
+                      <a:r>
+                        <a:rPr lang="zh-TW" altLang="en-US" dirty="0">
+                          <a:solidFill>
+                            <a:srgbClr val="C00000"/>
+                          </a:solidFill>
+                          <a:latin typeface="Times New Roman" panose="02020603050405020304" pitchFamily="18" charset="0"/>
+                          <a:cs typeface="Times New Roman" panose="02020603050405020304" pitchFamily="18" charset="0"/>
+                        </a:rPr>
+                        <a:t>dp</a:t>
+                      </a:r>
+                      <a:r>
+                        <a:rPr lang="zh-TW" altLang="en-US" dirty="0">
+                          <a:latin typeface="Times New Roman" panose="02020603050405020304" pitchFamily="18" charset="0"/>
+                          <a:cs typeface="Times New Roman" panose="02020603050405020304" pitchFamily="18" charset="0"/>
+                        </a:rPr>
+                        <a:t>_</a:t>
+                      </a:r>
+                      <a:r>
+                        <a:rPr lang="zh-TW" altLang="en-US" dirty="0">
+                          <a:solidFill>
+                            <a:srgbClr val="00B050"/>
+                          </a:solidFill>
+                          <a:latin typeface="Times New Roman" panose="02020603050405020304" pitchFamily="18" charset="0"/>
+                          <a:cs typeface="Times New Roman" panose="02020603050405020304" pitchFamily="18" charset="0"/>
+                        </a:rPr>
+                        <a:t>hde</a:t>
+                      </a:r>
+                      <a:r>
+                        <a:rPr lang="zh-TW" altLang="en-US" dirty="0">
+                          <a:latin typeface="Times New Roman" panose="02020603050405020304" pitchFamily="18" charset="0"/>
+                          <a:cs typeface="Times New Roman" panose="02020603050405020304" pitchFamily="18" charset="0"/>
+                        </a:rPr>
+                        <a:t>_rvt_hvt_rvt</a:t>
                       </a:r>
                     </a:p>
                   </a:txBody>
@@ -22456,6 +27294,9 @@
                       </a:pPr>
                       <a:r>
                         <a:rPr lang="en-US" altLang="zh-TW" dirty="0">
+                          <a:solidFill>
+                            <a:srgbClr val="00B050"/>
+                          </a:solidFill>
                           <a:latin typeface="Times New Roman" panose="02020603050405020304" pitchFamily="18" charset="0"/>
                           <a:cs typeface="Times New Roman" panose="02020603050405020304" pitchFamily="18" charset="0"/>
                         </a:rPr>
@@ -22466,9 +27307,39 @@
                           <a:latin typeface="Times New Roman" panose="02020603050405020304" pitchFamily="18" charset="0"/>
                           <a:cs typeface="Times New Roman" panose="02020603050405020304" pitchFamily="18" charset="0"/>
                         </a:rPr>
-                        <a:t> dual-port SRAM</a:t>
+                        <a:t> </a:t>
+                      </a:r>
+                      <a:r>
+                        <a:rPr lang="en-US" altLang="zh-TW" baseline="0" dirty="0">
+                          <a:solidFill>
+                            <a:srgbClr val="C00000"/>
+                          </a:solidFill>
+                          <a:latin typeface="Times New Roman" panose="02020603050405020304" pitchFamily="18" charset="0"/>
+                          <a:cs typeface="Times New Roman" panose="02020603050405020304" pitchFamily="18" charset="0"/>
+                        </a:rPr>
+                        <a:t>dual-port</a:t>
+                      </a:r>
+                      <a:r>
+                        <a:rPr lang="en-US" altLang="zh-TW" baseline="0" dirty="0">
+                          <a:latin typeface="Times New Roman" panose="02020603050405020304" pitchFamily="18" charset="0"/>
+                          <a:cs typeface="Times New Roman" panose="02020603050405020304" pitchFamily="18" charset="0"/>
+                        </a:rPr>
+                        <a:t> </a:t>
+                      </a:r>
+                      <a:r>
+                        <a:rPr lang="en-US" altLang="zh-TW" baseline="0" dirty="0">
+                          <a:solidFill>
+                            <a:srgbClr val="0563C1"/>
+                          </a:solidFill>
+                          <a:latin typeface="Times New Roman" panose="02020603050405020304" pitchFamily="18" charset="0"/>
+                          <a:cs typeface="Times New Roman" panose="02020603050405020304" pitchFamily="18" charset="0"/>
+                        </a:rPr>
+                        <a:t>SRAM</a:t>
                       </a:r>
                       <a:endParaRPr lang="zh-TW" altLang="en-US" dirty="0">
+                        <a:solidFill>
+                          <a:srgbClr val="0563C1"/>
+                        </a:solidFill>
                         <a:latin typeface="Times New Roman" panose="02020603050405020304" pitchFamily="18" charset="0"/>
                         <a:cs typeface="Times New Roman" panose="02020603050405020304" pitchFamily="18" charset="0"/>
                       </a:endParaRPr>
@@ -22528,10 +27399,54 @@
                       <a:pPr algn="ctr"/>
                       <a:r>
                         <a:rPr lang="zh-TW" altLang="en-US" dirty="0">
+                          <a:solidFill>
+                            <a:srgbClr val="0563C1"/>
+                          </a:solidFill>
                           <a:latin typeface="Times New Roman" panose="02020603050405020304" pitchFamily="18" charset="0"/>
                           <a:cs typeface="Times New Roman" panose="02020603050405020304" pitchFamily="18" charset="0"/>
                         </a:rPr>
-                        <a:t>sram_sp_hde_rvt_hvt_rvt/ </a:t>
+                        <a:t>sram</a:t>
+                      </a:r>
+                      <a:r>
+                        <a:rPr lang="zh-TW" altLang="en-US" dirty="0">
+                          <a:latin typeface="Times New Roman" panose="02020603050405020304" pitchFamily="18" charset="0"/>
+                          <a:cs typeface="Times New Roman" panose="02020603050405020304" pitchFamily="18" charset="0"/>
+                        </a:rPr>
+                        <a:t>_</a:t>
+                      </a:r>
+                      <a:r>
+                        <a:rPr lang="zh-TW" altLang="en-US" dirty="0">
+                          <a:solidFill>
+                            <a:srgbClr val="C00000"/>
+                          </a:solidFill>
+                          <a:latin typeface="Times New Roman" panose="02020603050405020304" pitchFamily="18" charset="0"/>
+                          <a:cs typeface="Times New Roman" panose="02020603050405020304" pitchFamily="18" charset="0"/>
+                        </a:rPr>
+                        <a:t>sp</a:t>
+                      </a:r>
+                      <a:r>
+                        <a:rPr lang="zh-TW" altLang="en-US" dirty="0">
+                          <a:latin typeface="Times New Roman" panose="02020603050405020304" pitchFamily="18" charset="0"/>
+                          <a:cs typeface="Times New Roman" panose="02020603050405020304" pitchFamily="18" charset="0"/>
+                        </a:rPr>
+                        <a:t>_</a:t>
+                      </a:r>
+                      <a:r>
+                        <a:rPr lang="zh-TW" altLang="en-US" dirty="0">
+                          <a:solidFill>
+                            <a:srgbClr val="00B050"/>
+                          </a:solidFill>
+                          <a:latin typeface="Times New Roman" panose="02020603050405020304" pitchFamily="18" charset="0"/>
+                          <a:cs typeface="Times New Roman" panose="02020603050405020304" pitchFamily="18" charset="0"/>
+                        </a:rPr>
+                        <a:t>hde</a:t>
+                      </a:r>
+                      <a:r>
+                        <a:rPr lang="zh-TW" altLang="en-US" dirty="0">
+                          <a:latin typeface="Times New Roman" panose="02020603050405020304" pitchFamily="18" charset="0"/>
+                          <a:cs typeface="Times New Roman" panose="02020603050405020304" pitchFamily="18" charset="0"/>
+                        </a:rPr>
+                        <a:t>_rvt_hvt_rvt/ </a:t>
                       </a:r>
                     </a:p>
                   </a:txBody>
@@ -22598,6 +27513,9 @@
                       </a:pPr>
                       <a:r>
                         <a:rPr lang="en-US" altLang="zh-TW" dirty="0">
+                          <a:solidFill>
+                            <a:srgbClr val="00B050"/>
+                          </a:solidFill>
                           <a:latin typeface="Times New Roman" panose="02020603050405020304" pitchFamily="18" charset="0"/>
                           <a:cs typeface="Times New Roman" panose="02020603050405020304" pitchFamily="18" charset="0"/>
                         </a:rPr>
@@ -22608,9 +27526,39 @@
                           <a:latin typeface="Times New Roman" panose="02020603050405020304" pitchFamily="18" charset="0"/>
                           <a:cs typeface="Times New Roman" panose="02020603050405020304" pitchFamily="18" charset="0"/>
                         </a:rPr>
-                        <a:t> single-port SRAM</a:t>
+                        <a:t> </a:t>
+                      </a:r>
+                      <a:r>
+                        <a:rPr lang="en-US" altLang="zh-TW" baseline="0" dirty="0">
+                          <a:solidFill>
+                            <a:srgbClr val="C00000"/>
+                          </a:solidFill>
+                          <a:latin typeface="Times New Roman" panose="02020603050405020304" pitchFamily="18" charset="0"/>
+                          <a:cs typeface="Times New Roman" panose="02020603050405020304" pitchFamily="18" charset="0"/>
+                        </a:rPr>
+                        <a:t>single-port</a:t>
+                      </a:r>
+                      <a:r>
+                        <a:rPr lang="en-US" altLang="zh-TW" baseline="0" dirty="0">
+                          <a:latin typeface="Times New Roman" panose="02020603050405020304" pitchFamily="18" charset="0"/>
+                          <a:cs typeface="Times New Roman" panose="02020603050405020304" pitchFamily="18" charset="0"/>
+                        </a:rPr>
+                        <a:t> </a:t>
+                      </a:r>
+                      <a:r>
+                        <a:rPr lang="en-US" altLang="zh-TW" baseline="0" dirty="0">
+                          <a:solidFill>
+                            <a:srgbClr val="0563C1"/>
+                          </a:solidFill>
+                          <a:latin typeface="Times New Roman" panose="02020603050405020304" pitchFamily="18" charset="0"/>
+                          <a:cs typeface="Times New Roman" panose="02020603050405020304" pitchFamily="18" charset="0"/>
+                        </a:rPr>
+                        <a:t>SRAM</a:t>
                       </a:r>
                       <a:endParaRPr lang="zh-TW" altLang="en-US" dirty="0">
+                        <a:solidFill>
+                          <a:srgbClr val="0563C1"/>
+                        </a:solidFill>
                         <a:latin typeface="Times New Roman" panose="02020603050405020304" pitchFamily="18" charset="0"/>
                         <a:cs typeface="Times New Roman" panose="02020603050405020304" pitchFamily="18" charset="0"/>
                       </a:endParaRPr>
@@ -22686,10 +27634,54 @@
                       </a:pPr>
                       <a:r>
                         <a:rPr lang="zh-TW" altLang="en-US" dirty="0">
+                          <a:solidFill>
+                            <a:srgbClr val="0563C1"/>
+                          </a:solidFill>
                           <a:latin typeface="Times New Roman" panose="02020603050405020304" pitchFamily="18" charset="0"/>
                           <a:cs typeface="Times New Roman" panose="02020603050405020304" pitchFamily="18" charset="0"/>
                         </a:rPr>
-                        <a:t>sram_sp_hsc_rvt_hvt_rvt/</a:t>
+                        <a:t>sram</a:t>
+                      </a:r>
+                      <a:r>
+                        <a:rPr lang="zh-TW" altLang="en-US" dirty="0">
+                          <a:latin typeface="Times New Roman" panose="02020603050405020304" pitchFamily="18" charset="0"/>
+                          <a:cs typeface="Times New Roman" panose="02020603050405020304" pitchFamily="18" charset="0"/>
+                        </a:rPr>
+                        <a:t>_</a:t>
+                      </a:r>
+                      <a:r>
+                        <a:rPr lang="zh-TW" altLang="en-US" dirty="0">
+                          <a:solidFill>
+                            <a:srgbClr val="C00000"/>
+                          </a:solidFill>
+                          <a:latin typeface="Times New Roman" panose="02020603050405020304" pitchFamily="18" charset="0"/>
+                          <a:cs typeface="Times New Roman" panose="02020603050405020304" pitchFamily="18" charset="0"/>
+                        </a:rPr>
+                        <a:t>sp</a:t>
+                      </a:r>
+                      <a:r>
+                        <a:rPr lang="zh-TW" altLang="en-US" dirty="0">
+                          <a:latin typeface="Times New Roman" panose="02020603050405020304" pitchFamily="18" charset="0"/>
+                          <a:cs typeface="Times New Roman" panose="02020603050405020304" pitchFamily="18" charset="0"/>
+                        </a:rPr>
+                        <a:t>_</a:t>
+                      </a:r>
+                      <a:r>
+                        <a:rPr lang="zh-TW" altLang="en-US" dirty="0">
+                          <a:solidFill>
+                            <a:srgbClr val="00B050"/>
+                          </a:solidFill>
+                          <a:latin typeface="Times New Roman" panose="02020603050405020304" pitchFamily="18" charset="0"/>
+                          <a:cs typeface="Times New Roman" panose="02020603050405020304" pitchFamily="18" charset="0"/>
+                        </a:rPr>
+                        <a:t>hsc</a:t>
+                      </a:r>
+                      <a:r>
+                        <a:rPr lang="zh-TW" altLang="en-US" dirty="0">
+                          <a:latin typeface="Times New Roman" panose="02020603050405020304" pitchFamily="18" charset="0"/>
+                          <a:cs typeface="Times New Roman" panose="02020603050405020304" pitchFamily="18" charset="0"/>
+                        </a:rPr>
+                        <a:t>_rvt_hvt_rvt/</a:t>
                       </a:r>
                     </a:p>
                   </a:txBody>
@@ -22756,6 +27748,9 @@
                       </a:pPr>
                       <a:r>
                         <a:rPr lang="en-US" altLang="zh-TW" dirty="0">
+                          <a:solidFill>
+                            <a:srgbClr val="00B050"/>
+                          </a:solidFill>
                           <a:latin typeface="Times New Roman" panose="02020603050405020304" pitchFamily="18" charset="0"/>
                           <a:cs typeface="Times New Roman" panose="02020603050405020304" pitchFamily="18" charset="0"/>
                         </a:rPr>
@@ -22766,9 +27761,39 @@
                           <a:latin typeface="Times New Roman" panose="02020603050405020304" pitchFamily="18" charset="0"/>
                           <a:cs typeface="Times New Roman" panose="02020603050405020304" pitchFamily="18" charset="0"/>
                         </a:rPr>
-                        <a:t> single-port SRAM</a:t>
+                        <a:t> </a:t>
+                      </a:r>
+                      <a:r>
+                        <a:rPr lang="en-US" altLang="zh-TW" baseline="0" dirty="0">
+                          <a:solidFill>
+                            <a:srgbClr val="C00000"/>
+                          </a:solidFill>
+                          <a:latin typeface="Times New Roman" panose="02020603050405020304" pitchFamily="18" charset="0"/>
+                          <a:cs typeface="Times New Roman" panose="02020603050405020304" pitchFamily="18" charset="0"/>
+                        </a:rPr>
+                        <a:t>single-port</a:t>
+                      </a:r>
+                      <a:r>
+                        <a:rPr lang="en-US" altLang="zh-TW" baseline="0" dirty="0">
+                          <a:latin typeface="Times New Roman" panose="02020603050405020304" pitchFamily="18" charset="0"/>
+                          <a:cs typeface="Times New Roman" panose="02020603050405020304" pitchFamily="18" charset="0"/>
+                        </a:rPr>
+                        <a:t> </a:t>
+                      </a:r>
+                      <a:r>
+                        <a:rPr lang="en-US" altLang="zh-TW" baseline="0" dirty="0">
+                          <a:solidFill>
+                            <a:srgbClr val="0563C1"/>
+                          </a:solidFill>
+                          <a:latin typeface="Times New Roman" panose="02020603050405020304" pitchFamily="18" charset="0"/>
+                          <a:cs typeface="Times New Roman" panose="02020603050405020304" pitchFamily="18" charset="0"/>
+                        </a:rPr>
+                        <a:t>SRAM</a:t>
                       </a:r>
                       <a:endParaRPr lang="zh-TW" altLang="en-US" dirty="0">
+                        <a:solidFill>
+                          <a:srgbClr val="0563C1"/>
+                        </a:solidFill>
                         <a:latin typeface="Times New Roman" panose="02020603050405020304" pitchFamily="18" charset="0"/>
                         <a:cs typeface="Times New Roman" panose="02020603050405020304" pitchFamily="18" charset="0"/>
                       </a:endParaRPr>
@@ -23143,7 +28168,7 @@
               <a:blipFill>
                 <a:blip r:embed="rId2"/>
                 <a:stretch>
-                  <a:fillRect l="-665" t="-1220"/>
+                  <a:fillRect l="-614" t="-1015"/>
                 </a:stretch>
               </a:blipFill>
             </p:spPr>
@@ -23374,51 +28399,61 @@
                 <a:latin typeface="Times New Roman" panose="02020603050405020304" pitchFamily="18" charset="0"/>
                 <a:cs typeface="Times New Roman" panose="02020603050405020304" pitchFamily="18" charset="0"/>
               </a:rPr>
+              <a:t>execute the following command</a:t>
+            </a:r>
+          </a:p>
+          <a:p>
+            <a:pPr lvl="2"/>
+            <a:r>
+              <a:rPr lang="en-US" altLang="zh-TW" sz="1800" dirty="0">
+                <a:latin typeface="Times New Roman" panose="02020603050405020304" pitchFamily="18" charset="0"/>
+                <a:cs typeface="Times New Roman" panose="02020603050405020304" pitchFamily="18" charset="0"/>
+              </a:rPr>
               <a:t>/cad/</a:t>
             </a:r>
             <a:r>
-              <a:rPr lang="en-US" altLang="zh-TW" dirty="0" err="1">
+              <a:rPr lang="en-US" altLang="zh-TW" sz="1800" dirty="0" err="1">
                 <a:latin typeface="Times New Roman" panose="02020603050405020304" pitchFamily="18" charset="0"/>
                 <a:cs typeface="Times New Roman" panose="02020603050405020304" pitchFamily="18" charset="0"/>
               </a:rPr>
               <a:t>cell_library</a:t>
             </a:r>
             <a:r>
-              <a:rPr lang="en-US" altLang="zh-TW" dirty="0">
+              <a:rPr lang="en-US" altLang="zh-TW" sz="1800" dirty="0">
                 <a:latin typeface="Times New Roman" panose="02020603050405020304" pitchFamily="18" charset="0"/>
                 <a:cs typeface="Times New Roman" panose="02020603050405020304" pitchFamily="18" charset="0"/>
               </a:rPr>
               <a:t>/CBDK_TSMC40_Arm_f2.0/CIC/Memory/</a:t>
             </a:r>
             <a:r>
-              <a:rPr lang="en-US" altLang="zh-TW" dirty="0" err="1">
+              <a:rPr lang="en-US" altLang="zh-TW" sz="1800" dirty="0" err="1">
                 <a:latin typeface="Times New Roman" panose="02020603050405020304" pitchFamily="18" charset="0"/>
                 <a:cs typeface="Times New Roman" panose="02020603050405020304" pitchFamily="18" charset="0"/>
               </a:rPr>
               <a:t>sram_dp_hde_rvt_hvt_rvt</a:t>
             </a:r>
             <a:r>
-              <a:rPr lang="en-US" altLang="zh-TW" dirty="0">
+              <a:rPr lang="en-US" altLang="zh-TW" sz="1800" dirty="0">
                 <a:latin typeface="Times New Roman" panose="02020603050405020304" pitchFamily="18" charset="0"/>
                 <a:cs typeface="Times New Roman" panose="02020603050405020304" pitchFamily="18" charset="0"/>
               </a:rPr>
               <a:t>/r5p0/bin/</a:t>
             </a:r>
             <a:r>
-              <a:rPr lang="en-US" altLang="zh-TW" dirty="0" err="1">
+              <a:rPr lang="en-US" altLang="zh-TW" sz="1800" b="1" dirty="0" err="1">
                 <a:latin typeface="Times New Roman" panose="02020603050405020304" pitchFamily="18" charset="0"/>
                 <a:cs typeface="Times New Roman" panose="02020603050405020304" pitchFamily="18" charset="0"/>
               </a:rPr>
               <a:t>sram_dp_hde_rvt_hvt_rvt</a:t>
             </a:r>
             <a:r>
-              <a:rPr lang="en-US" altLang="zh-TW" dirty="0">
+              <a:rPr lang="en-US" altLang="zh-TW" sz="1800" b="1" dirty="0">
                 <a:latin typeface="Times New Roman" panose="02020603050405020304" pitchFamily="18" charset="0"/>
                 <a:cs typeface="Times New Roman" panose="02020603050405020304" pitchFamily="18" charset="0"/>
               </a:rPr>
               <a:t> </a:t>
             </a:r>
-            <a:endParaRPr lang="zh-TW" altLang="en-US" dirty="0">
+            <a:endParaRPr lang="zh-TW" altLang="en-US" sz="1800" b="1" dirty="0">
               <a:latin typeface="Times New Roman" panose="02020603050405020304" pitchFamily="18" charset="0"/>
               <a:cs typeface="Times New Roman" panose="02020603050405020304" pitchFamily="18" charset="0"/>
             </a:endParaRPr>
@@ -23464,8 +28499,8 @@
         </p:blipFill>
         <p:spPr>
           <a:xfrm>
-            <a:off x="2310637" y="2320797"/>
-            <a:ext cx="4588628" cy="4291271"/>
+            <a:off x="2940269" y="2909626"/>
+            <a:ext cx="3958996" cy="3702441"/>
           </a:xfrm>
           <a:prstGeom prst="rect">
             <a:avLst/>
@@ -23528,8 +28563,8 @@
           </a:p>
         </p:txBody>
       </p:sp>
-      <mc:AlternateContent xmlns:mc="http://schemas.openxmlformats.org/markup-compatibility/2006">
-        <mc:Choice xmlns:a14="http://schemas.microsoft.com/office/drawing/2010/main" Requires="a14">
+      <mc:AlternateContent xmlns:mc="http://schemas.openxmlformats.org/markup-compatibility/2006" xmlns:a14="http://schemas.microsoft.com/office/drawing/2010/main">
+        <mc:Choice Requires="a14">
           <p:sp>
             <p:nvSpPr>
               <p:cNvPr id="3" name="內容版面配置區 2"/>
@@ -23711,7 +28746,7 @@
             </p:txBody>
           </p:sp>
         </mc:Choice>
-        <mc:Fallback>
+        <mc:Fallback xmlns="">
           <p:sp>
             <p:nvSpPr>
               <p:cNvPr id="3" name="內容版面配置區 2"/>
@@ -24372,7 +29407,7 @@
               <a:blipFill>
                 <a:blip r:embed="rId2"/>
                 <a:stretch>
-                  <a:fillRect l="-665" t="-1220"/>
+                  <a:fillRect l="-614" t="-1015"/>
                 </a:stretch>
               </a:blipFill>
             </p:spPr>
@@ -24759,6 +29794,374 @@
 </file>
 
 <file path=ppt/theme/theme2.xml><?xml version="1.0" encoding="utf-8"?>
+<a:theme xmlns:a="http://schemas.openxmlformats.org/drawingml/2006/main" name="Lab430">
+  <a:themeElements>
+    <a:clrScheme name="Standarddesign 1">
+      <a:dk1>
+        <a:srgbClr val="000000"/>
+      </a:dk1>
+      <a:lt1>
+        <a:srgbClr val="FFFFFF"/>
+      </a:lt1>
+      <a:dk2>
+        <a:srgbClr val="4C7013"/>
+      </a:dk2>
+      <a:lt2>
+        <a:srgbClr val="0061B2"/>
+      </a:lt2>
+      <a:accent1>
+        <a:srgbClr val="FEA501"/>
+      </a:accent1>
+      <a:accent2>
+        <a:srgbClr val="C8A058"/>
+      </a:accent2>
+      <a:accent3>
+        <a:srgbClr val="FFFFFF"/>
+      </a:accent3>
+      <a:accent4>
+        <a:srgbClr val="000000"/>
+      </a:accent4>
+      <a:accent5>
+        <a:srgbClr val="FECFAA"/>
+      </a:accent5>
+      <a:accent6>
+        <a:srgbClr val="B5914F"/>
+      </a:accent6>
+      <a:hlink>
+        <a:srgbClr val="C40505"/>
+      </a:hlink>
+      <a:folHlink>
+        <a:srgbClr val="919191"/>
+      </a:folHlink>
+    </a:clrScheme>
+    <a:fontScheme name="Standarddesign">
+      <a:majorFont>
+        <a:latin typeface="Arial"/>
+        <a:ea typeface=""/>
+        <a:cs typeface="Arial"/>
+      </a:majorFont>
+      <a:minorFont>
+        <a:latin typeface="Arial"/>
+        <a:ea typeface=""/>
+        <a:cs typeface="Arial"/>
+      </a:minorFont>
+    </a:fontScheme>
+    <a:fmtScheme name="Larissa">
+      <a:fillStyleLst>
+        <a:solidFill>
+          <a:schemeClr val="phClr"/>
+        </a:solidFill>
+        <a:gradFill rotWithShape="1">
+          <a:gsLst>
+            <a:gs pos="0">
+              <a:schemeClr val="phClr">
+                <a:tint val="50000"/>
+                <a:satMod val="300000"/>
+              </a:schemeClr>
+            </a:gs>
+            <a:gs pos="35000">
+              <a:schemeClr val="phClr">
+                <a:tint val="37000"/>
+                <a:satMod val="300000"/>
+              </a:schemeClr>
+            </a:gs>
+            <a:gs pos="100000">
+              <a:schemeClr val="phClr">
+                <a:tint val="15000"/>
+                <a:satMod val="350000"/>
+              </a:schemeClr>
+            </a:gs>
+          </a:gsLst>
+          <a:lin ang="16200000" scaled="1"/>
+        </a:gradFill>
+        <a:gradFill rotWithShape="1">
+          <a:gsLst>
+            <a:gs pos="0">
+              <a:schemeClr val="phClr">
+                <a:shade val="51000"/>
+                <a:satMod val="130000"/>
+              </a:schemeClr>
+            </a:gs>
+            <a:gs pos="80000">
+              <a:schemeClr val="phClr">
+                <a:shade val="93000"/>
+                <a:satMod val="130000"/>
+              </a:schemeClr>
+            </a:gs>
+            <a:gs pos="100000">
+              <a:schemeClr val="phClr">
+                <a:shade val="94000"/>
+                <a:satMod val="135000"/>
+              </a:schemeClr>
+            </a:gs>
+          </a:gsLst>
+          <a:lin ang="16200000" scaled="0"/>
+        </a:gradFill>
+      </a:fillStyleLst>
+      <a:lnStyleLst>
+        <a:ln w="9525" cap="flat" cmpd="sng" algn="ctr">
+          <a:solidFill>
+            <a:schemeClr val="phClr">
+              <a:shade val="95000"/>
+              <a:satMod val="105000"/>
+            </a:schemeClr>
+          </a:solidFill>
+          <a:prstDash val="solid"/>
+        </a:ln>
+        <a:ln w="25400" cap="flat" cmpd="sng" algn="ctr">
+          <a:solidFill>
+            <a:schemeClr val="phClr"/>
+          </a:solidFill>
+          <a:prstDash val="solid"/>
+        </a:ln>
+        <a:ln w="38100" cap="flat" cmpd="sng" algn="ctr">
+          <a:solidFill>
+            <a:schemeClr val="phClr"/>
+          </a:solidFill>
+          <a:prstDash val="solid"/>
+        </a:ln>
+      </a:lnStyleLst>
+      <a:effectStyleLst>
+        <a:effectStyle>
+          <a:effectLst>
+            <a:outerShdw blurRad="40000" dist="20000" dir="5400000" rotWithShape="0">
+              <a:srgbClr val="000000">
+                <a:alpha val="38000"/>
+              </a:srgbClr>
+            </a:outerShdw>
+          </a:effectLst>
+        </a:effectStyle>
+        <a:effectStyle>
+          <a:effectLst>
+            <a:outerShdw blurRad="40000" dist="23000" dir="5400000" rotWithShape="0">
+              <a:srgbClr val="000000">
+                <a:alpha val="35000"/>
+              </a:srgbClr>
+            </a:outerShdw>
+          </a:effectLst>
+        </a:effectStyle>
+        <a:effectStyle>
+          <a:effectLst>
+            <a:outerShdw blurRad="40000" dist="23000" dir="5400000" rotWithShape="0">
+              <a:srgbClr val="000000">
+                <a:alpha val="35000"/>
+              </a:srgbClr>
+            </a:outerShdw>
+          </a:effectLst>
+          <a:scene3d>
+            <a:camera prst="orthographicFront">
+              <a:rot lat="0" lon="0" rev="0"/>
+            </a:camera>
+            <a:lightRig rig="threePt" dir="t">
+              <a:rot lat="0" lon="0" rev="1200000"/>
+            </a:lightRig>
+          </a:scene3d>
+          <a:sp3d>
+            <a:bevelT w="63500" h="25400"/>
+          </a:sp3d>
+        </a:effectStyle>
+      </a:effectStyleLst>
+      <a:bgFillStyleLst>
+        <a:solidFill>
+          <a:schemeClr val="phClr"/>
+        </a:solidFill>
+        <a:gradFill rotWithShape="1">
+          <a:gsLst>
+            <a:gs pos="0">
+              <a:schemeClr val="phClr">
+                <a:tint val="40000"/>
+                <a:satMod val="350000"/>
+              </a:schemeClr>
+            </a:gs>
+            <a:gs pos="40000">
+              <a:schemeClr val="phClr">
+                <a:tint val="45000"/>
+                <a:shade val="99000"/>
+                <a:satMod val="350000"/>
+              </a:schemeClr>
+            </a:gs>
+            <a:gs pos="100000">
+              <a:schemeClr val="phClr">
+                <a:shade val="20000"/>
+                <a:satMod val="255000"/>
+              </a:schemeClr>
+            </a:gs>
+          </a:gsLst>
+          <a:path path="circle">
+            <a:fillToRect l="50000" t="-80000" r="50000" b="180000"/>
+          </a:path>
+        </a:gradFill>
+        <a:gradFill rotWithShape="1">
+          <a:gsLst>
+            <a:gs pos="0">
+              <a:schemeClr val="phClr">
+                <a:tint val="80000"/>
+                <a:satMod val="300000"/>
+              </a:schemeClr>
+            </a:gs>
+            <a:gs pos="100000">
+              <a:schemeClr val="phClr">
+                <a:shade val="30000"/>
+                <a:satMod val="200000"/>
+              </a:schemeClr>
+            </a:gs>
+          </a:gsLst>
+          <a:path path="circle">
+            <a:fillToRect l="50000" t="50000" r="50000" b="50000"/>
+          </a:path>
+        </a:gradFill>
+      </a:bgFillStyleLst>
+    </a:fmtScheme>
+  </a:themeElements>
+  <a:objectDefaults>
+    <a:spDef>
+      <a:spPr>
+        <a:noFill/>
+      </a:spPr>
+      <a:bodyPr wrap="none" lIns="91440" tIns="45720" rIns="91440" bIns="45720">
+        <a:spAutoFit/>
+      </a:bodyPr>
+      <a:lstStyle>
+        <a:defPPr algn="ctr">
+          <a:defRPr dirty="0" smtClean="0">
+            <a:ln w="12700">
+              <a:solidFill>
+                <a:srgbClr val="808080"/>
+              </a:solidFill>
+              <a:prstDash val="solid"/>
+            </a:ln>
+            <a:solidFill>
+              <a:srgbClr val="808080"/>
+            </a:solidFill>
+            <a:effectLst>
+              <a:outerShdw blurRad="41275" dist="20320" dir="1800000" algn="tl" rotWithShape="0">
+                <a:srgbClr val="000000">
+                  <a:alpha val="40000"/>
+                </a:srgbClr>
+              </a:outerShdw>
+              <a:reflection blurRad="6350" stA="50000" endA="300" endPos="50000" dist="60007" dir="5400000" sy="-100000" algn="bl" rotWithShape="0"/>
+            </a:effectLst>
+            <a:latin typeface="+mn-ea"/>
+            <a:cs typeface="Calibri" pitchFamily="34" charset="0"/>
+          </a:defRPr>
+        </a:defPPr>
+      </a:lstStyle>
+    </a:spDef>
+    <a:lnDef>
+      <a:spPr bwMode="auto">
+        <a:xfrm>
+          <a:off x="0" y="0"/>
+          <a:ext cx="1" cy="1"/>
+        </a:xfrm>
+        <a:custGeom>
+          <a:avLst/>
+          <a:gdLst/>
+          <a:ahLst/>
+          <a:cxnLst/>
+          <a:rect l="0" t="0" r="0" b="0"/>
+          <a:pathLst/>
+        </a:custGeom>
+        <a:solidFill>
+          <a:schemeClr val="accent1"/>
+        </a:solidFill>
+        <a:ln w="9525" cap="flat" cmpd="sng" algn="ctr">
+          <a:solidFill>
+            <a:schemeClr val="tx1"/>
+          </a:solidFill>
+          <a:prstDash val="solid"/>
+          <a:round/>
+          <a:headEnd type="none" w="med" len="med"/>
+          <a:tailEnd type="none" w="med" len="med"/>
+        </a:ln>
+        <a:effectLst/>
+      </a:spPr>
+      <a:bodyPr vert="horz" wrap="none" lIns="90000" tIns="46800" rIns="90000" bIns="46800" numCol="1" anchor="ctr" anchorCtr="0" compatLnSpc="1">
+        <a:prstTxWarp prst="textNoShape">
+          <a:avLst/>
+        </a:prstTxWarp>
+      </a:bodyPr>
+      <a:lstStyle>
+        <a:defPPr marL="0" marR="0" indent="0" algn="l" defTabSz="914400" rtl="0" eaLnBrk="1" fontAlgn="base" latinLnBrk="0" hangingPunct="1">
+          <a:lnSpc>
+            <a:spcPct val="100000"/>
+          </a:lnSpc>
+          <a:spcBef>
+            <a:spcPct val="0"/>
+          </a:spcBef>
+          <a:spcAft>
+            <a:spcPct val="0"/>
+          </a:spcAft>
+          <a:buClrTx/>
+          <a:buSzTx/>
+          <a:buFontTx/>
+          <a:buNone/>
+          <a:tabLst/>
+          <a:defRPr kumimoji="0" lang="en-US" sz="2000" b="0" i="0" u="none" strike="noStrike" cap="none" normalizeH="0" baseline="0" smtClean="0">
+            <a:ln>
+              <a:noFill/>
+            </a:ln>
+            <a:solidFill>
+              <a:schemeClr val="tx1"/>
+            </a:solidFill>
+            <a:effectLst/>
+            <a:latin typeface="Arial" charset="0"/>
+          </a:defRPr>
+        </a:defPPr>
+      </a:lstStyle>
+    </a:lnDef>
+  </a:objectDefaults>
+  <a:extraClrSchemeLst>
+    <a:extraClrScheme>
+      <a:clrScheme name="Standarddesign 1">
+        <a:dk1>
+          <a:srgbClr val="000000"/>
+        </a:dk1>
+        <a:lt1>
+          <a:srgbClr val="FFFFFF"/>
+        </a:lt1>
+        <a:dk2>
+          <a:srgbClr val="4C7013"/>
+        </a:dk2>
+        <a:lt2>
+          <a:srgbClr val="0061B2"/>
+        </a:lt2>
+        <a:accent1>
+          <a:srgbClr val="FEA501"/>
+        </a:accent1>
+        <a:accent2>
+          <a:srgbClr val="C8A058"/>
+        </a:accent2>
+        <a:accent3>
+          <a:srgbClr val="FFFFFF"/>
+        </a:accent3>
+        <a:accent4>
+          <a:srgbClr val="000000"/>
+        </a:accent4>
+        <a:accent5>
+          <a:srgbClr val="FECFAA"/>
+        </a:accent5>
+        <a:accent6>
+          <a:srgbClr val="B5914F"/>
+        </a:accent6>
+        <a:hlink>
+          <a:srgbClr val="C40505"/>
+        </a:hlink>
+        <a:folHlink>
+          <a:srgbClr val="919191"/>
+        </a:folHlink>
+      </a:clrScheme>
+      <a:clrMap bg1="lt1" tx1="dk1" bg2="lt2" tx2="dk2" accent1="accent1" accent2="accent2" accent3="accent3" accent4="accent4" accent5="accent5" accent6="accent6" hlink="hlink" folHlink="folHlink"/>
+    </a:extraClrScheme>
+  </a:extraClrSchemeLst>
+  <a:extLst>
+    <a:ext uri="{05A4C25C-085E-4340-85A3-A5531E510DB2}">
+      <thm15:themeFamily xmlns:thm15="http://schemas.microsoft.com/office/thememl/2012/main" name="Lab430" id="{7556875E-868A-CF4D-B05A-F88633C49707}" vid="{EEBEF007-CB2A-A44F-B901-29923421F96B}"/>
+    </a:ext>
+  </a:extLst>
+</a:theme>
+</file>
+
+<file path=ppt/theme/theme3.xml><?xml version="1.0" encoding="utf-8"?>
 <a:theme xmlns:a="http://schemas.openxmlformats.org/drawingml/2006/main" name="Office 佈景主題">
   <a:themeElements>
     <a:clrScheme name="Office">

--- a/MemoryCompiler_tutorial.pptx
+++ b/MemoryCompiler_tutorial.pptx
@@ -229,7 +229,7 @@
           <a:p>
             <a:fld id="{B52FD4BC-5716-4DEF-9623-58FEC230F100}" type="datetimeFigureOut">
               <a:rPr lang="zh-TW" altLang="en-US" smtClean="0"/>
-              <a:t>2021/7/18</a:t>
+              <a:t>2022/8/2</a:t>
             </a:fld>
             <a:endParaRPr lang="zh-TW" altLang="en-US"/>
           </a:p>
@@ -1353,7 +1353,7 @@
           <a:p>
             <a:fld id="{79F468ED-BBB6-484F-96A8-9F193966F384}" type="datetime1">
               <a:rPr lang="zh-TW" altLang="en-US" smtClean="0"/>
-              <a:t>2021/7/18</a:t>
+              <a:t>2022/8/2</a:t>
             </a:fld>
             <a:endParaRPr lang="zh-TW" altLang="en-US"/>
           </a:p>
@@ -4548,7 +4548,7 @@
                 <a:latin typeface="Times New Roman" panose="02020603050405020304" pitchFamily="18" charset="0"/>
                 <a:cs typeface="Times New Roman" panose="02020603050405020304" pitchFamily="18" charset="0"/>
               </a:rPr>
-              <a:t>2021/07/23</a:t>
+              <a:t>2022/08/05</a:t>
             </a:r>
           </a:p>
           <a:p>
@@ -7509,6 +7509,56 @@
                 <a:cs typeface="Times New Roman" panose="02020603050405020304" pitchFamily="18" charset="0"/>
               </a:rPr>
               <a:t>-o sram_dp_64x128_nldm_tt_0p90v_0p90v_25c_syn.db</a:t>
+            </a:r>
+          </a:p>
+        </p:txBody>
+      </p:sp>
+      <p:sp>
+        <p:nvSpPr>
+          <p:cNvPr id="14" name="文字方塊 13">
+            <a:extLst>
+              <a:ext uri="{FF2B5EF4-FFF2-40B4-BE49-F238E27FC236}">
+                <a16:creationId xmlns:a16="http://schemas.microsoft.com/office/drawing/2014/main" id="{49A22D1F-48A8-4E33-A87E-6BB33AA5A1F2}"/>
+              </a:ext>
+            </a:extLst>
+          </p:cNvPr>
+          <p:cNvSpPr txBox="1"/>
+          <p:nvPr/>
+        </p:nvSpPr>
+        <p:spPr>
+          <a:xfrm>
+            <a:off x="7237709" y="1517445"/>
+            <a:ext cx="1906291" cy="338554"/>
+          </a:xfrm>
+          <a:prstGeom prst="rect">
+            <a:avLst/>
+          </a:prstGeom>
+        </p:spPr>
+        <p:txBody>
+          <a:bodyPr wrap="none" rtlCol="0">
+            <a:spAutoFit/>
+          </a:bodyPr>
+          <a:lstStyle/>
+          <a:p>
+            <a:r>
+              <a:rPr lang="en-US" altLang="zh-TW" sz="1600" dirty="0">
+                <a:solidFill>
+                  <a:schemeClr val="accent4">
+                    <a:lumMod val="75000"/>
+                  </a:schemeClr>
+                </a:solidFill>
+              </a:rPr>
+              <a:t>*</a:t>
+            </a:r>
+            <a:r>
+              <a:rPr lang="zh-TW" altLang="en-US" sz="1600" dirty="0">
+                <a:solidFill>
+                  <a:schemeClr val="accent4">
+                    <a:lumMod val="75000"/>
+                  </a:schemeClr>
+                </a:solidFill>
+              </a:rPr>
+              <a:t>注意不要打錯字喔</a:t>
             </a:r>
           </a:p>
         </p:txBody>
@@ -14291,7 +14341,7 @@
         </p:spPr>
         <p:txBody>
           <a:bodyPr>
-            <a:normAutofit lnSpcReduction="10000"/>
+            <a:normAutofit/>
           </a:bodyPr>
           <a:lstStyle/>
           <a:p>
@@ -14333,42 +14383,13 @@
                 <a:latin typeface="Times New Roman" panose="02020603050405020304" pitchFamily="18" charset="0"/>
                 <a:cs typeface="Times New Roman" panose="02020603050405020304" pitchFamily="18" charset="0"/>
               </a:rPr>
-              <a:t>Find some wrong connected nets in  </a:t>
-            </a:r>
-            <a:r>
-              <a:rPr lang="en-US" altLang="zh-TW" b="1" u="sng" dirty="0" err="1">
-                <a:latin typeface="Times New Roman" panose="02020603050405020304" pitchFamily="18" charset="0"/>
-                <a:cs typeface="Times New Roman" panose="02020603050405020304" pitchFamily="18" charset="0"/>
-              </a:rPr>
-              <a:t>sram_wrapper.v</a:t>
-            </a:r>
-            <a:r>
-              <a:rPr lang="en-US" altLang="zh-TW" dirty="0">
-                <a:latin typeface="Times New Roman" panose="02020603050405020304" pitchFamily="18" charset="0"/>
-                <a:cs typeface="Times New Roman" panose="02020603050405020304" pitchFamily="18" charset="0"/>
-              </a:rPr>
-              <a:t> and fix them</a:t>
-            </a:r>
-          </a:p>
-          <a:p>
-            <a:pPr lvl="1"/>
-            <a:r>
-              <a:rPr lang="en-US" altLang="zh-TW" dirty="0">
-                <a:latin typeface="Times New Roman" panose="02020603050405020304" pitchFamily="18" charset="0"/>
-                <a:cs typeface="Times New Roman" panose="02020603050405020304" pitchFamily="18" charset="0"/>
-              </a:rPr>
               <a:t>Use the memory compiler to generate the necessary files and put them in respective folders</a:t>
             </a:r>
           </a:p>
           <a:p>
-            <a:pPr lvl="1"/>
-            <a:endParaRPr lang="en-US" altLang="zh-TW" dirty="0">
-              <a:latin typeface="Times New Roman" panose="02020603050405020304" pitchFamily="18" charset="0"/>
-              <a:cs typeface="Times New Roman" panose="02020603050405020304" pitchFamily="18" charset="0"/>
-            </a:endParaRPr>
-          </a:p>
-          <a:p>
-            <a:pPr lvl="1"/>
+            <a:pPr marL="457200" lvl="1" indent="0">
+              <a:buNone/>
+            </a:pPr>
             <a:endParaRPr lang="en-US" altLang="zh-TW" dirty="0">
               <a:latin typeface="Times New Roman" panose="02020603050405020304" pitchFamily="18" charset="0"/>
               <a:cs typeface="Times New Roman" panose="02020603050405020304" pitchFamily="18" charset="0"/>
@@ -14479,7 +14500,7 @@
         </p:nvGrpSpPr>
         <p:grpSpPr>
           <a:xfrm>
-            <a:off x="1315592" y="2909208"/>
+            <a:off x="1315592" y="2596692"/>
             <a:ext cx="7416516" cy="2082091"/>
             <a:chOff x="1315592" y="2436237"/>
             <a:chExt cx="7416516" cy="2082091"/>
@@ -15118,30 +15139,9 @@
             </a:r>
           </a:p>
           <a:p>
-            <a:pPr lvl="1"/>
-            <a:r>
-              <a:rPr lang="en-US" altLang="zh-TW" dirty="0">
-                <a:latin typeface="Times New Roman" panose="02020603050405020304" pitchFamily="18" charset="0"/>
-                <a:cs typeface="Times New Roman" panose="02020603050405020304" pitchFamily="18" charset="0"/>
-              </a:rPr>
-              <a:t>find some bugs in </a:t>
-            </a:r>
-            <a:r>
-              <a:rPr lang="en-US" altLang="zh-TW" b="1" u="sng" dirty="0" err="1">
-                <a:latin typeface="Times New Roman" panose="02020603050405020304" pitchFamily="18" charset="0"/>
-                <a:cs typeface="Times New Roman" panose="02020603050405020304" pitchFamily="18" charset="0"/>
-              </a:rPr>
-              <a:t>sram_wrapper.v</a:t>
-            </a:r>
-            <a:endParaRPr lang="en-US" altLang="zh-TW" b="1" u="sng" dirty="0">
-              <a:latin typeface="Times New Roman" panose="02020603050405020304" pitchFamily="18" charset="0"/>
-              <a:cs typeface="Times New Roman" panose="02020603050405020304" pitchFamily="18" charset="0"/>
-            </a:endParaRPr>
-          </a:p>
-          <a:p>
             <a:pPr lvl="2"/>
             <a:r>
-              <a:rPr lang="en-US" altLang="zh-TW" sz="1800" dirty="0">
+              <a:rPr lang="en-US" altLang="zh-TW" dirty="0">
                 <a:latin typeface="Times New Roman" panose="02020603050405020304" pitchFamily="18" charset="0"/>
                 <a:cs typeface="Times New Roman" panose="02020603050405020304" pitchFamily="18" charset="0"/>
               </a:rPr>
@@ -16577,7 +16577,7 @@
                 <a:latin typeface="Times New Roman" panose="02020603050405020304" pitchFamily="18" charset="0"/>
                 <a:cs typeface="Times New Roman" panose="02020603050405020304" pitchFamily="18" charset="0"/>
               </a:rPr>
-              <a:t>Find some bugs/RTL simulation:  </a:t>
+              <a:t>RTL simulation:                            </a:t>
             </a:r>
             <a:r>
               <a:rPr lang="en-US" altLang="zh-TW" i="1" dirty="0">
@@ -22281,6 +22281,63 @@
           </a:p>
         </p:txBody>
       </p:sp>
+      <p:sp>
+        <p:nvSpPr>
+          <p:cNvPr id="4" name="文字方塊 3">
+            <a:extLst>
+              <a:ext uri="{FF2B5EF4-FFF2-40B4-BE49-F238E27FC236}">
+                <a16:creationId xmlns:a16="http://schemas.microsoft.com/office/drawing/2014/main" id="{A37199E3-997C-4573-8697-57D65013EC0E}"/>
+              </a:ext>
+            </a:extLst>
+          </p:cNvPr>
+          <p:cNvSpPr txBox="1"/>
+          <p:nvPr/>
+        </p:nvSpPr>
+        <p:spPr>
+          <a:xfrm>
+            <a:off x="6410517" y="913598"/>
+            <a:ext cx="1483098" cy="338554"/>
+          </a:xfrm>
+          <a:prstGeom prst="rect">
+            <a:avLst/>
+          </a:prstGeom>
+        </p:spPr>
+        <p:txBody>
+          <a:bodyPr wrap="none" rtlCol="0">
+            <a:spAutoFit/>
+          </a:bodyPr>
+          <a:lstStyle/>
+          <a:p>
+            <a:r>
+              <a:rPr lang="zh-TW" altLang="en-US" sz="1600" dirty="0">
+                <a:solidFill>
+                  <a:schemeClr val="accent4">
+                    <a:lumMod val="75000"/>
+                  </a:schemeClr>
+                </a:solidFill>
+              </a:rPr>
+              <a:t>*不包括</a:t>
+            </a:r>
+            <a:r>
+              <a:rPr lang="en-US" altLang="zh-TW" sz="1600" dirty="0">
+                <a:solidFill>
+                  <a:schemeClr val="accent4">
+                    <a:lumMod val="75000"/>
+                  </a:schemeClr>
+                </a:solidFill>
+              </a:rPr>
+              <a:t>DRAM</a:t>
+            </a:r>
+            <a:endParaRPr lang="zh-TW" altLang="en-US" sz="1600" dirty="0">
+              <a:solidFill>
+                <a:schemeClr val="accent4">
+                  <a:lumMod val="75000"/>
+                </a:schemeClr>
+              </a:solidFill>
+            </a:endParaRPr>
+          </a:p>
+        </p:txBody>
+      </p:sp>
     </p:spTree>
     <p:extLst>
       <p:ext uri="{BB962C8B-B14F-4D97-AF65-F5344CB8AC3E}">
@@ -22988,7 +23045,17 @@
                 <a:latin typeface="Times New Roman" panose="02020603050405020304" pitchFamily="18" charset="0"/>
                 <a:cs typeface="Times New Roman" panose="02020603050405020304" pitchFamily="18" charset="0"/>
               </a:rPr>
-              <a:t>The area of FIFO after synthesis is 26856</a:t>
+              <a:t>The area of FIFO after synthesis is </a:t>
+            </a:r>
+            <a:r>
+              <a:rPr lang="en-US" altLang="zh-TW" dirty="0">
+                <a:solidFill>
+                  <a:srgbClr val="FF0000"/>
+                </a:solidFill>
+                <a:latin typeface="Times New Roman" panose="02020603050405020304" pitchFamily="18" charset="0"/>
+                <a:cs typeface="Times New Roman" panose="02020603050405020304" pitchFamily="18" charset="0"/>
+              </a:rPr>
+              <a:t>26856</a:t>
             </a:r>
           </a:p>
           <a:p>
@@ -23153,7 +23220,17 @@
                 <a:latin typeface="Times New Roman" panose="02020603050405020304" pitchFamily="18" charset="0"/>
                 <a:cs typeface="Times New Roman" panose="02020603050405020304" pitchFamily="18" charset="0"/>
               </a:rPr>
-              <a:t> to reduce the total cell area to &lt; 10000</a:t>
+              <a:t> to reduce the total cell area to </a:t>
+            </a:r>
+            <a:r>
+              <a:rPr lang="en-US" altLang="zh-TW" dirty="0">
+                <a:solidFill>
+                  <a:srgbClr val="FF0000"/>
+                </a:solidFill>
+                <a:latin typeface="Times New Roman" panose="02020603050405020304" pitchFamily="18" charset="0"/>
+                <a:cs typeface="Times New Roman" panose="02020603050405020304" pitchFamily="18" charset="0"/>
+              </a:rPr>
+              <a:t>&lt; 10000</a:t>
             </a:r>
           </a:p>
           <a:p>
@@ -25905,6 +25982,66 @@
           </a:prstGeom>
         </p:spPr>
       </p:pic>
+      <p:sp>
+        <p:nvSpPr>
+          <p:cNvPr id="6" name="文字方塊 5">
+            <a:extLst>
+              <a:ext uri="{FF2B5EF4-FFF2-40B4-BE49-F238E27FC236}">
+                <a16:creationId xmlns:a16="http://schemas.microsoft.com/office/drawing/2014/main" id="{91762A31-839F-472F-8E9C-745559E4AA54}"/>
+              </a:ext>
+            </a:extLst>
+          </p:cNvPr>
+          <p:cNvSpPr txBox="1"/>
+          <p:nvPr/>
+        </p:nvSpPr>
+        <p:spPr>
+          <a:xfrm>
+            <a:off x="7056469" y="2446149"/>
+            <a:ext cx="1689886" cy="338554"/>
+          </a:xfrm>
+          <a:prstGeom prst="rect">
+            <a:avLst/>
+          </a:prstGeom>
+        </p:spPr>
+        <p:txBody>
+          <a:bodyPr wrap="none" rtlCol="0">
+            <a:spAutoFit/>
+          </a:bodyPr>
+          <a:lstStyle/>
+          <a:p>
+            <a:r>
+              <a:rPr lang="zh-TW" altLang="en-US" sz="1600" dirty="0">
+                <a:solidFill>
+                  <a:schemeClr val="accent4">
+                    <a:lumMod val="75000"/>
+                  </a:schemeClr>
+                </a:solidFill>
+              </a:rPr>
+              <a:t>*可加 </a:t>
+            </a:r>
+            <a:r>
+              <a:rPr lang="en-US" altLang="zh-TW" sz="1600" dirty="0">
+                <a:solidFill>
+                  <a:schemeClr val="accent4">
+                    <a:lumMod val="75000"/>
+                  </a:schemeClr>
+                </a:solidFill>
+              </a:rPr>
+              <a:t>&amp;</a:t>
+            </a:r>
+            <a:r>
+              <a:rPr lang="zh-TW" altLang="en-US" sz="1600" dirty="0">
+                <a:solidFill>
+                  <a:schemeClr val="accent4">
+                    <a:lumMod val="75000"/>
+                  </a:schemeClr>
+                </a:solidFill>
+              </a:rPr>
+              <a:t>背景執行</a:t>
+            </a:r>
+          </a:p>
+        </p:txBody>
+      </p:sp>
     </p:spTree>
     <p:extLst>
       <p:ext uri="{BB962C8B-B14F-4D97-AF65-F5344CB8AC3E}">
@@ -26484,6 +26621,66 @@
           </a:p>
         </p:txBody>
       </p:sp>
+      <p:sp>
+        <p:nvSpPr>
+          <p:cNvPr id="6" name="文字方塊 5">
+            <a:extLst>
+              <a:ext uri="{FF2B5EF4-FFF2-40B4-BE49-F238E27FC236}">
+                <a16:creationId xmlns:a16="http://schemas.microsoft.com/office/drawing/2014/main" id="{CA4CC71D-DE81-427C-9228-B356CC82D6BA}"/>
+              </a:ext>
+            </a:extLst>
+          </p:cNvPr>
+          <p:cNvSpPr txBox="1"/>
+          <p:nvPr/>
+        </p:nvSpPr>
+        <p:spPr>
+          <a:xfrm>
+            <a:off x="6351793" y="1294104"/>
+            <a:ext cx="2807179" cy="338554"/>
+          </a:xfrm>
+          <a:prstGeom prst="rect">
+            <a:avLst/>
+          </a:prstGeom>
+        </p:spPr>
+        <p:txBody>
+          <a:bodyPr wrap="none" rtlCol="0">
+            <a:spAutoFit/>
+          </a:bodyPr>
+          <a:lstStyle/>
+          <a:p>
+            <a:r>
+              <a:rPr lang="zh-TW" altLang="en-US" sz="1600" dirty="0">
+                <a:solidFill>
+                  <a:schemeClr val="accent4">
+                    <a:lumMod val="75000"/>
+                  </a:schemeClr>
+                </a:solidFill>
+              </a:rPr>
+              <a:t>*與</a:t>
+            </a:r>
+            <a:r>
+              <a:rPr lang="en-US" altLang="zh-TW" sz="1600" dirty="0">
+                <a:solidFill>
+                  <a:schemeClr val="accent4">
+                    <a:lumMod val="75000"/>
+                  </a:schemeClr>
+                </a:solidFill>
+              </a:rPr>
+              <a:t>mask</a:t>
+            </a:r>
+            <a:r>
+              <a:rPr lang="zh-TW" altLang="en-US" sz="1600" dirty="0">
+                <a:solidFill>
+                  <a:schemeClr val="accent4">
+                    <a:lumMod val="75000"/>
+                  </a:schemeClr>
+                </a:solidFill>
+              </a:rPr>
+              <a:t>重疊的部分直接丟掉</a:t>
+            </a:r>
+          </a:p>
+        </p:txBody>
+      </p:sp>
     </p:spTree>
     <p:extLst>
       <p:ext uri="{BB962C8B-B14F-4D97-AF65-F5344CB8AC3E}">
@@ -26845,6 +27042,143 @@
           <a:p>
             <a:pPr algn="ctr"/>
             <a:endParaRPr lang="zh-TW" altLang="en-US"/>
+          </a:p>
+        </p:txBody>
+      </p:sp>
+      <p:sp>
+        <p:nvSpPr>
+          <p:cNvPr id="7" name="文字方塊 6">
+            <a:extLst>
+              <a:ext uri="{FF2B5EF4-FFF2-40B4-BE49-F238E27FC236}">
+                <a16:creationId xmlns:a16="http://schemas.microsoft.com/office/drawing/2014/main" id="{F86BE6FF-8378-4A17-A31A-753D44EC105B}"/>
+              </a:ext>
+            </a:extLst>
+          </p:cNvPr>
+          <p:cNvSpPr txBox="1"/>
+          <p:nvPr/>
+        </p:nvSpPr>
+        <p:spPr>
+          <a:xfrm>
+            <a:off x="218946" y="4727954"/>
+            <a:ext cx="4333238" cy="338554"/>
+          </a:xfrm>
+          <a:prstGeom prst="rect">
+            <a:avLst/>
+          </a:prstGeom>
+        </p:spPr>
+        <p:txBody>
+          <a:bodyPr wrap="none" rtlCol="0">
+            <a:spAutoFit/>
+          </a:bodyPr>
+          <a:lstStyle/>
+          <a:p>
+            <a:r>
+              <a:rPr lang="en-US" altLang="zh-TW" sz="1600" dirty="0">
+                <a:solidFill>
+                  <a:schemeClr val="accent4">
+                    <a:lumMod val="75000"/>
+                  </a:schemeClr>
+                </a:solidFill>
+              </a:rPr>
+              <a:t>*Like in FPGA</a:t>
+            </a:r>
+            <a:r>
+              <a:rPr lang="zh-TW" altLang="en-US" sz="1600" dirty="0">
+                <a:solidFill>
+                  <a:schemeClr val="accent4">
+                    <a:lumMod val="75000"/>
+                  </a:schemeClr>
+                </a:solidFill>
+              </a:rPr>
+              <a:t>，需要直接手寫出對</a:t>
+            </a:r>
+            <a:r>
+              <a:rPr lang="en-US" altLang="zh-TW" sz="1600" dirty="0">
+                <a:solidFill>
+                  <a:schemeClr val="accent4">
+                    <a:lumMod val="75000"/>
+                  </a:schemeClr>
+                </a:solidFill>
+              </a:rPr>
+              <a:t>data</a:t>
+            </a:r>
+            <a:r>
+              <a:rPr lang="zh-TW" altLang="en-US" sz="1600" dirty="0">
+                <a:solidFill>
+                  <a:schemeClr val="accent4">
+                    <a:lumMod val="75000"/>
+                  </a:schemeClr>
+                </a:solidFill>
+              </a:rPr>
+              <a:t>的處理</a:t>
+            </a:r>
+          </a:p>
+        </p:txBody>
+      </p:sp>
+      <p:sp>
+        <p:nvSpPr>
+          <p:cNvPr id="9" name="文字方塊 8">
+            <a:extLst>
+              <a:ext uri="{FF2B5EF4-FFF2-40B4-BE49-F238E27FC236}">
+                <a16:creationId xmlns:a16="http://schemas.microsoft.com/office/drawing/2014/main" id="{52BBF81C-97A7-415A-96AB-9FAC4A314AB4}"/>
+              </a:ext>
+            </a:extLst>
+          </p:cNvPr>
+          <p:cNvSpPr txBox="1"/>
+          <p:nvPr/>
+        </p:nvSpPr>
+        <p:spPr>
+          <a:xfrm>
+            <a:off x="6548648" y="3962564"/>
+            <a:ext cx="1096775" cy="338554"/>
+          </a:xfrm>
+          <a:prstGeom prst="rect">
+            <a:avLst/>
+          </a:prstGeom>
+        </p:spPr>
+        <p:txBody>
+          <a:bodyPr wrap="none" rtlCol="0">
+            <a:spAutoFit/>
+          </a:bodyPr>
+          <a:lstStyle/>
+          <a:p>
+            <a:r>
+              <a:rPr lang="en-US" altLang="zh-TW" sz="1600" dirty="0">
+                <a:solidFill>
+                  <a:schemeClr val="accent4">
+                    <a:lumMod val="75000"/>
+                  </a:schemeClr>
+                </a:solidFill>
+              </a:rPr>
+              <a:t>*</a:t>
+            </a:r>
+            <a:r>
+              <a:rPr lang="zh-TW" altLang="en-US" sz="1600" dirty="0">
+                <a:solidFill>
+                  <a:schemeClr val="accent4">
+                    <a:lumMod val="75000"/>
+                  </a:schemeClr>
+                </a:solidFill>
+              </a:rPr>
+              <a:t>單位為</a:t>
+            </a:r>
+            <a:r>
+              <a:rPr lang="en-US" altLang="zh-TW" sz="1600" dirty="0">
+                <a:solidFill>
+                  <a:schemeClr val="accent4">
+                    <a:lumMod val="75000"/>
+                  </a:schemeClr>
+                </a:solidFill>
+              </a:rPr>
+              <a:t>bit</a:t>
+            </a:r>
+            <a:endParaRPr lang="zh-TW" altLang="en-US" sz="1600" dirty="0">
+              <a:solidFill>
+                <a:schemeClr val="accent4">
+                  <a:lumMod val="75000"/>
+                </a:schemeClr>
+              </a:solidFill>
+            </a:endParaRPr>
           </a:p>
         </p:txBody>
       </p:sp>
